--- a/SUBTHEME/graphs/teleport_archtecture.pptx
+++ b/SUBTHEME/graphs/teleport_archtecture.pptx
@@ -6,6 +6,14 @@
   </p:sldMasterIdLst>
   <p:sldIdLst>
     <p:sldId id="258" r:id="rId2"/>
+    <p:sldId id="261" r:id="rId3"/>
+    <p:sldId id="262" r:id="rId4"/>
+    <p:sldId id="260" r:id="rId5"/>
+    <p:sldId id="264" r:id="rId6"/>
+    <p:sldId id="266" r:id="rId7"/>
+    <p:sldId id="267" r:id="rId8"/>
+    <p:sldId id="265" r:id="rId9"/>
+    <p:sldId id="263" r:id="rId10"/>
   </p:sldIdLst>
   <p:sldSz cx="12192000" cy="6858000"/>
   <p:notesSz cx="6858000" cy="9144000"/>
@@ -104,6 +112,11 @@
       </a:defRPr>
     </a:lvl9pPr>
   </p:defaultTextStyle>
+  <p:extLst>
+    <p:ext uri="{EFAFB233-063F-42B5-8137-9DF3F51BA10A}">
+      <p15:sldGuideLst xmlns:p15="http://schemas.microsoft.com/office/powerpoint/2012/main"/>
+    </p:ext>
+  </p:extLst>
 </p:presentation>
 </file>
 
@@ -254,7 +267,7 @@
           <a:p>
             <a:fld id="{665AD843-EC37-E848-9F9D-66B849646C2A}" type="datetimeFigureOut">
               <a:rPr kumimoji="1" lang="ja-JP" altLang="en-US" smtClean="0"/>
-              <a:t>2020/9/15</a:t>
+              <a:t>2020/9/17</a:t>
             </a:fld>
             <a:endParaRPr kumimoji="1" lang="ja-JP" altLang="en-US"/>
           </a:p>
@@ -459,7 +472,7 @@
           <a:p>
             <a:fld id="{665AD843-EC37-E848-9F9D-66B849646C2A}" type="datetimeFigureOut">
               <a:rPr kumimoji="1" lang="ja-JP" altLang="en-US" smtClean="0"/>
-              <a:t>2020/9/15</a:t>
+              <a:t>2020/9/17</a:t>
             </a:fld>
             <a:endParaRPr kumimoji="1" lang="ja-JP" altLang="en-US"/>
           </a:p>
@@ -674,7 +687,7 @@
           <a:p>
             <a:fld id="{665AD843-EC37-E848-9F9D-66B849646C2A}" type="datetimeFigureOut">
               <a:rPr kumimoji="1" lang="ja-JP" altLang="en-US" smtClean="0"/>
-              <a:t>2020/9/15</a:t>
+              <a:t>2020/9/17</a:t>
             </a:fld>
             <a:endParaRPr kumimoji="1" lang="ja-JP" altLang="en-US"/>
           </a:p>
@@ -879,7 +892,7 @@
           <a:p>
             <a:fld id="{665AD843-EC37-E848-9F9D-66B849646C2A}" type="datetimeFigureOut">
               <a:rPr kumimoji="1" lang="ja-JP" altLang="en-US" smtClean="0"/>
-              <a:t>2020/9/15</a:t>
+              <a:t>2020/9/17</a:t>
             </a:fld>
             <a:endParaRPr kumimoji="1" lang="ja-JP" altLang="en-US"/>
           </a:p>
@@ -1189,7 +1202,7 @@
           <a:p>
             <a:fld id="{665AD843-EC37-E848-9F9D-66B849646C2A}" type="datetimeFigureOut">
               <a:rPr kumimoji="1" lang="ja-JP" altLang="en-US" smtClean="0"/>
-              <a:t>2020/9/15</a:t>
+              <a:t>2020/9/17</a:t>
             </a:fld>
             <a:endParaRPr kumimoji="1" lang="ja-JP" altLang="en-US"/>
           </a:p>
@@ -1468,7 +1481,7 @@
           <a:p>
             <a:fld id="{665AD843-EC37-E848-9F9D-66B849646C2A}" type="datetimeFigureOut">
               <a:rPr kumimoji="1" lang="ja-JP" altLang="en-US" smtClean="0"/>
-              <a:t>2020/9/15</a:t>
+              <a:t>2020/9/17</a:t>
             </a:fld>
             <a:endParaRPr kumimoji="1" lang="ja-JP" altLang="en-US"/>
           </a:p>
@@ -1964,7 +1977,7 @@
           <a:p>
             <a:fld id="{665AD843-EC37-E848-9F9D-66B849646C2A}" type="datetimeFigureOut">
               <a:rPr kumimoji="1" lang="ja-JP" altLang="en-US" smtClean="0"/>
-              <a:t>2020/9/15</a:t>
+              <a:t>2020/9/17</a:t>
             </a:fld>
             <a:endParaRPr kumimoji="1" lang="ja-JP" altLang="en-US"/>
           </a:p>
@@ -2105,7 +2118,7 @@
           <a:p>
             <a:fld id="{665AD843-EC37-E848-9F9D-66B849646C2A}" type="datetimeFigureOut">
               <a:rPr kumimoji="1" lang="ja-JP" altLang="en-US" smtClean="0"/>
-              <a:t>2020/9/15</a:t>
+              <a:t>2020/9/17</a:t>
             </a:fld>
             <a:endParaRPr kumimoji="1" lang="ja-JP" altLang="en-US"/>
           </a:p>
@@ -2218,7 +2231,7 @@
           <a:p>
             <a:fld id="{665AD843-EC37-E848-9F9D-66B849646C2A}" type="datetimeFigureOut">
               <a:rPr kumimoji="1" lang="ja-JP" altLang="en-US" smtClean="0"/>
-              <a:t>2020/9/15</a:t>
+              <a:t>2020/9/17</a:t>
             </a:fld>
             <a:endParaRPr kumimoji="1" lang="ja-JP" altLang="en-US"/>
           </a:p>
@@ -2571,7 +2584,7 @@
           <a:p>
             <a:fld id="{665AD843-EC37-E848-9F9D-66B849646C2A}" type="datetimeFigureOut">
               <a:rPr kumimoji="1" lang="ja-JP" altLang="en-US" smtClean="0"/>
-              <a:t>2020/9/15</a:t>
+              <a:t>2020/9/17</a:t>
             </a:fld>
             <a:endParaRPr kumimoji="1" lang="ja-JP" altLang="en-US"/>
           </a:p>
@@ -2894,7 +2907,7 @@
           <a:p>
             <a:fld id="{665AD843-EC37-E848-9F9D-66B849646C2A}" type="datetimeFigureOut">
               <a:rPr kumimoji="1" lang="ja-JP" altLang="en-US" smtClean="0"/>
-              <a:t>2020/9/15</a:t>
+              <a:t>2020/9/17</a:t>
             </a:fld>
             <a:endParaRPr kumimoji="1" lang="ja-JP" altLang="en-US"/>
           </a:p>
@@ -3142,7 +3155,7 @@
           <a:p>
             <a:fld id="{665AD843-EC37-E848-9F9D-66B849646C2A}" type="datetimeFigureOut">
               <a:rPr kumimoji="1" lang="ja-JP" altLang="en-US" smtClean="0"/>
-              <a:t>2020/9/15</a:t>
+              <a:t>2020/9/17</a:t>
             </a:fld>
             <a:endParaRPr kumimoji="1" lang="ja-JP" altLang="en-US"/>
           </a:p>
@@ -3559,45 +3572,6 @@
           <a:chExt cx="0" cy="0"/>
         </a:xfrm>
       </p:grpSpPr>
-      <p:sp>
-        <p:nvSpPr>
-          <p:cNvPr id="63" name="テキスト ボックス 62">
-            <a:extLst>
-              <a:ext uri="{FF2B5EF4-FFF2-40B4-BE49-F238E27FC236}">
-                <a16:creationId xmlns:a16="http://schemas.microsoft.com/office/drawing/2014/main" id="{C50D9DDC-565A-6A46-A048-033D9524F3E0}"/>
-              </a:ext>
-            </a:extLst>
-          </p:cNvPr>
-          <p:cNvSpPr txBox="1"/>
-          <p:nvPr/>
-        </p:nvSpPr>
-        <p:spPr>
-          <a:xfrm>
-            <a:off x="8995366" y="555720"/>
-            <a:ext cx="3032081" cy="2894564"/>
-          </a:xfrm>
-          <a:prstGeom prst="rect">
-            <a:avLst/>
-          </a:prstGeom>
-          <a:noFill/>
-          <a:ln w="38100">
-            <a:solidFill>
-              <a:schemeClr val="bg1">
-                <a:lumMod val="85000"/>
-              </a:schemeClr>
-            </a:solidFill>
-          </a:ln>
-        </p:spPr>
-        <p:txBody>
-          <a:bodyPr wrap="square" rtlCol="0">
-            <a:spAutoFit/>
-          </a:bodyPr>
-          <a:lstStyle/>
-          <a:p>
-            <a:endParaRPr kumimoji="1" lang="ja-JP" altLang="en-US"/>
-          </a:p>
-        </p:txBody>
-      </p:sp>
       <p:cxnSp>
         <p:nvCxnSpPr>
           <p:cNvPr id="16" name="直線コネクタ 15">
@@ -3706,21 +3680,26 @@
           <a:prstGeom prst="roundRect">
             <a:avLst/>
           </a:prstGeom>
+          <a:ln w="50800">
+            <a:solidFill>
+              <a:schemeClr val="accent1">
+                <a:lumMod val="50000"/>
+              </a:schemeClr>
+            </a:solidFill>
+          </a:ln>
         </p:spPr>
         <p:style>
           <a:lnRef idx="2">
-            <a:schemeClr val="accent1">
-              <a:shade val="50000"/>
-            </a:schemeClr>
+            <a:schemeClr val="accent6"/>
           </a:lnRef>
           <a:fillRef idx="1">
-            <a:schemeClr val="accent1"/>
+            <a:schemeClr val="lt1"/>
           </a:fillRef>
           <a:effectRef idx="0">
-            <a:schemeClr val="accent1"/>
+            <a:schemeClr val="accent6"/>
           </a:effectRef>
           <a:fontRef idx="minor">
-            <a:schemeClr val="lt1"/>
+            <a:schemeClr val="dk1"/>
           </a:fontRef>
         </p:style>
         <p:txBody>
@@ -3729,10 +3708,10 @@
           <a:p>
             <a:pPr algn="ctr"/>
             <a:r>
-              <a:rPr kumimoji="1" lang="en-US" altLang="ja-JP" sz="2000" dirty="0"/>
+              <a:rPr kumimoji="1" lang="en-US" altLang="ja-JP" sz="2000" b="1" dirty="0"/>
               <a:t>Teleport Proxy</a:t>
             </a:r>
-            <a:endParaRPr kumimoji="1" lang="ja-JP" altLang="en-US" sz="2000"/>
+            <a:endParaRPr kumimoji="1" lang="ja-JP" altLang="en-US" sz="2000" b="1"/>
           </a:p>
         </p:txBody>
       </p:sp>
@@ -3756,21 +3735,26 @@
           <a:prstGeom prst="roundRect">
             <a:avLst/>
           </a:prstGeom>
+          <a:ln w="50800">
+            <a:solidFill>
+              <a:schemeClr val="accent1">
+                <a:lumMod val="50000"/>
+              </a:schemeClr>
+            </a:solidFill>
+          </a:ln>
         </p:spPr>
         <p:style>
           <a:lnRef idx="2">
-            <a:schemeClr val="accent1">
-              <a:shade val="50000"/>
-            </a:schemeClr>
+            <a:schemeClr val="accent6"/>
           </a:lnRef>
           <a:fillRef idx="1">
-            <a:schemeClr val="accent1"/>
+            <a:schemeClr val="lt1"/>
           </a:fillRef>
           <a:effectRef idx="0">
-            <a:schemeClr val="accent1"/>
+            <a:schemeClr val="accent6"/>
           </a:effectRef>
           <a:fontRef idx="minor">
-            <a:schemeClr val="lt1"/>
+            <a:schemeClr val="dk1"/>
           </a:fontRef>
         </p:style>
         <p:txBody>
@@ -3779,166 +3763,16 @@
           <a:p>
             <a:pPr algn="ctr"/>
             <a:r>
-              <a:rPr kumimoji="1" lang="en-US" altLang="ja-JP" sz="2000" dirty="0"/>
+              <a:rPr kumimoji="1" lang="en-US" altLang="ja-JP" sz="2000" b="1" dirty="0"/>
               <a:t>Teleport </a:t>
             </a:r>
           </a:p>
           <a:p>
             <a:pPr algn="ctr"/>
             <a:r>
-              <a:rPr kumimoji="1" lang="ja-JP" altLang="en-US" sz="2000"/>
+              <a:rPr kumimoji="1" lang="ja-JP" altLang="en-US" sz="2000" b="1"/>
               <a:t>認証局</a:t>
             </a:r>
-          </a:p>
-        </p:txBody>
-      </p:sp>
-      <p:sp>
-        <p:nvSpPr>
-          <p:cNvPr id="6" name="角丸四角形 5">
-            <a:extLst>
-              <a:ext uri="{FF2B5EF4-FFF2-40B4-BE49-F238E27FC236}">
-                <a16:creationId xmlns:a16="http://schemas.microsoft.com/office/drawing/2014/main" id="{57A354DD-A3C8-A04B-B4F6-A604CAAA65C2}"/>
-              </a:ext>
-            </a:extLst>
-          </p:cNvPr>
-          <p:cNvSpPr/>
-          <p:nvPr/>
-        </p:nvSpPr>
-        <p:spPr>
-          <a:xfrm>
-            <a:off x="9189962" y="845865"/>
-            <a:ext cx="2033087" cy="790200"/>
-          </a:xfrm>
-          <a:prstGeom prst="roundRect">
-            <a:avLst/>
-          </a:prstGeom>
-        </p:spPr>
-        <p:style>
-          <a:lnRef idx="2">
-            <a:schemeClr val="accent1">
-              <a:shade val="50000"/>
-            </a:schemeClr>
-          </a:lnRef>
-          <a:fillRef idx="1">
-            <a:schemeClr val="accent1"/>
-          </a:fillRef>
-          <a:effectRef idx="0">
-            <a:schemeClr val="accent1"/>
-          </a:effectRef>
-          <a:fontRef idx="minor">
-            <a:schemeClr val="lt1"/>
-          </a:fontRef>
-        </p:style>
-        <p:txBody>
-          <a:bodyPr rtlCol="0" anchor="ctr"/>
-          <a:lstStyle/>
-          <a:p>
-            <a:pPr algn="ctr"/>
-            <a:r>
-              <a:rPr kumimoji="1" lang="en-US" altLang="ja-JP" dirty="0"/>
-              <a:t>Node Service</a:t>
-            </a:r>
-            <a:endParaRPr kumimoji="1" lang="ja-JP" altLang="en-US"/>
-          </a:p>
-        </p:txBody>
-      </p:sp>
-      <p:sp>
-        <p:nvSpPr>
-          <p:cNvPr id="8" name="角丸四角形 7">
-            <a:extLst>
-              <a:ext uri="{FF2B5EF4-FFF2-40B4-BE49-F238E27FC236}">
-                <a16:creationId xmlns:a16="http://schemas.microsoft.com/office/drawing/2014/main" id="{7BA63129-0AA1-F840-B16E-6F786AAFC985}"/>
-              </a:ext>
-            </a:extLst>
-          </p:cNvPr>
-          <p:cNvSpPr/>
-          <p:nvPr/>
-        </p:nvSpPr>
-        <p:spPr>
-          <a:xfrm>
-            <a:off x="9486176" y="1418530"/>
-            <a:ext cx="2033087" cy="790200"/>
-          </a:xfrm>
-          <a:prstGeom prst="roundRect">
-            <a:avLst/>
-          </a:prstGeom>
-        </p:spPr>
-        <p:style>
-          <a:lnRef idx="2">
-            <a:schemeClr val="accent1">
-              <a:shade val="50000"/>
-            </a:schemeClr>
-          </a:lnRef>
-          <a:fillRef idx="1">
-            <a:schemeClr val="accent1"/>
-          </a:fillRef>
-          <a:effectRef idx="0">
-            <a:schemeClr val="accent1"/>
-          </a:effectRef>
-          <a:fontRef idx="minor">
-            <a:schemeClr val="lt1"/>
-          </a:fontRef>
-        </p:style>
-        <p:txBody>
-          <a:bodyPr rtlCol="0" anchor="ctr"/>
-          <a:lstStyle/>
-          <a:p>
-            <a:pPr algn="ctr"/>
-            <a:r>
-              <a:rPr kumimoji="1" lang="en-US" altLang="ja-JP" dirty="0"/>
-              <a:t>Node Service</a:t>
-            </a:r>
-            <a:endParaRPr kumimoji="1" lang="ja-JP" altLang="en-US"/>
-          </a:p>
-        </p:txBody>
-      </p:sp>
-      <p:sp>
-        <p:nvSpPr>
-          <p:cNvPr id="7" name="角丸四角形 6">
-            <a:extLst>
-              <a:ext uri="{FF2B5EF4-FFF2-40B4-BE49-F238E27FC236}">
-                <a16:creationId xmlns:a16="http://schemas.microsoft.com/office/drawing/2014/main" id="{B482C41A-0D5D-FA44-83C3-7513441F4D9F}"/>
-              </a:ext>
-            </a:extLst>
-          </p:cNvPr>
-          <p:cNvSpPr/>
-          <p:nvPr/>
-        </p:nvSpPr>
-        <p:spPr>
-          <a:xfrm>
-            <a:off x="9782390" y="2043155"/>
-            <a:ext cx="2033087" cy="790200"/>
-          </a:xfrm>
-          <a:prstGeom prst="roundRect">
-            <a:avLst/>
-          </a:prstGeom>
-        </p:spPr>
-        <p:style>
-          <a:lnRef idx="2">
-            <a:schemeClr val="accent1">
-              <a:shade val="50000"/>
-            </a:schemeClr>
-          </a:lnRef>
-          <a:fillRef idx="1">
-            <a:schemeClr val="accent1"/>
-          </a:fillRef>
-          <a:effectRef idx="0">
-            <a:schemeClr val="accent1"/>
-          </a:effectRef>
-          <a:fontRef idx="minor">
-            <a:schemeClr val="lt1"/>
-          </a:fontRef>
-        </p:style>
-        <p:txBody>
-          <a:bodyPr rtlCol="0" anchor="ctr"/>
-          <a:lstStyle/>
-          <a:p>
-            <a:pPr algn="ctr"/>
-            <a:r>
-              <a:rPr kumimoji="1" lang="en-US" altLang="ja-JP" dirty="0"/>
-              <a:t>Node Service</a:t>
-            </a:r>
-            <a:endParaRPr kumimoji="1" lang="ja-JP" altLang="en-US"/>
           </a:p>
         </p:txBody>
       </p:sp>
@@ -4646,10 +4480,5777 @@
           </a:p>
         </p:txBody>
       </p:sp>
+      <p:sp>
+        <p:nvSpPr>
+          <p:cNvPr id="35" name="テキスト ボックス 34">
+            <a:extLst>
+              <a:ext uri="{FF2B5EF4-FFF2-40B4-BE49-F238E27FC236}">
+                <a16:creationId xmlns:a16="http://schemas.microsoft.com/office/drawing/2014/main" id="{7498EBB2-70BA-6140-9E46-70C1F92574C6}"/>
+              </a:ext>
+            </a:extLst>
+          </p:cNvPr>
+          <p:cNvSpPr txBox="1"/>
+          <p:nvPr/>
+        </p:nvSpPr>
+        <p:spPr>
+          <a:xfrm>
+            <a:off x="9094337" y="695413"/>
+            <a:ext cx="3090616" cy="3062123"/>
+          </a:xfrm>
+          <a:prstGeom prst="rect">
+            <a:avLst/>
+          </a:prstGeom>
+          <a:noFill/>
+          <a:ln w="38100">
+            <a:solidFill>
+              <a:schemeClr val="bg1">
+                <a:lumMod val="85000"/>
+              </a:schemeClr>
+            </a:solidFill>
+          </a:ln>
+        </p:spPr>
+        <p:txBody>
+          <a:bodyPr wrap="square" rtlCol="0">
+            <a:spAutoFit/>
+          </a:bodyPr>
+          <a:lstStyle/>
+          <a:p>
+            <a:endParaRPr kumimoji="1" lang="ja-JP" altLang="en-US"/>
+          </a:p>
+        </p:txBody>
+      </p:sp>
+      <p:sp>
+        <p:nvSpPr>
+          <p:cNvPr id="36" name="角丸四角形 35">
+            <a:extLst>
+              <a:ext uri="{FF2B5EF4-FFF2-40B4-BE49-F238E27FC236}">
+                <a16:creationId xmlns:a16="http://schemas.microsoft.com/office/drawing/2014/main" id="{CF70178C-7D9B-5246-B967-69D94A1AF2C9}"/>
+              </a:ext>
+            </a:extLst>
+          </p:cNvPr>
+          <p:cNvSpPr/>
+          <p:nvPr/>
+        </p:nvSpPr>
+        <p:spPr>
+          <a:xfrm>
+            <a:off x="9302184" y="1091574"/>
+            <a:ext cx="2167151" cy="835943"/>
+          </a:xfrm>
+          <a:prstGeom prst="roundRect">
+            <a:avLst/>
+          </a:prstGeom>
+          <a:ln w="50800">
+            <a:solidFill>
+              <a:schemeClr val="accent1">
+                <a:lumMod val="50000"/>
+              </a:schemeClr>
+            </a:solidFill>
+          </a:ln>
+        </p:spPr>
+        <p:style>
+          <a:lnRef idx="2">
+            <a:schemeClr val="accent6"/>
+          </a:lnRef>
+          <a:fillRef idx="1">
+            <a:schemeClr val="lt1"/>
+          </a:fillRef>
+          <a:effectRef idx="0">
+            <a:schemeClr val="accent6"/>
+          </a:effectRef>
+          <a:fontRef idx="minor">
+            <a:schemeClr val="dk1"/>
+          </a:fontRef>
+        </p:style>
+        <p:txBody>
+          <a:bodyPr rtlCol="0" anchor="ctr"/>
+          <a:lstStyle/>
+          <a:p>
+            <a:pPr algn="ctr"/>
+            <a:r>
+              <a:rPr lang="en-US" altLang="ja-JP" b="1" dirty="0"/>
+              <a:t>Teleport</a:t>
+            </a:r>
+            <a:r>
+              <a:rPr kumimoji="1" lang="ja-JP" altLang="en-US" b="1"/>
+              <a:t>ノード</a:t>
+            </a:r>
+          </a:p>
+        </p:txBody>
+      </p:sp>
+      <p:sp>
+        <p:nvSpPr>
+          <p:cNvPr id="38" name="角丸四角形 37">
+            <a:extLst>
+              <a:ext uri="{FF2B5EF4-FFF2-40B4-BE49-F238E27FC236}">
+                <a16:creationId xmlns:a16="http://schemas.microsoft.com/office/drawing/2014/main" id="{5ED98BEA-43AC-D440-AF0D-B14142A2C69E}"/>
+              </a:ext>
+            </a:extLst>
+          </p:cNvPr>
+          <p:cNvSpPr/>
+          <p:nvPr/>
+        </p:nvSpPr>
+        <p:spPr>
+          <a:xfrm>
+            <a:off x="9598399" y="1664239"/>
+            <a:ext cx="2182108" cy="835943"/>
+          </a:xfrm>
+          <a:prstGeom prst="roundRect">
+            <a:avLst/>
+          </a:prstGeom>
+          <a:ln w="50800">
+            <a:solidFill>
+              <a:schemeClr val="accent1">
+                <a:lumMod val="50000"/>
+              </a:schemeClr>
+            </a:solidFill>
+          </a:ln>
+        </p:spPr>
+        <p:style>
+          <a:lnRef idx="2">
+            <a:schemeClr val="accent6"/>
+          </a:lnRef>
+          <a:fillRef idx="1">
+            <a:schemeClr val="lt1"/>
+          </a:fillRef>
+          <a:effectRef idx="0">
+            <a:schemeClr val="accent6"/>
+          </a:effectRef>
+          <a:fontRef idx="minor">
+            <a:schemeClr val="dk1"/>
+          </a:fontRef>
+        </p:style>
+        <p:txBody>
+          <a:bodyPr rtlCol="0" anchor="ctr"/>
+          <a:lstStyle/>
+          <a:p>
+            <a:pPr algn="ctr"/>
+            <a:r>
+              <a:rPr lang="en-US" altLang="ja-JP" b="1" dirty="0"/>
+              <a:t>Teleport</a:t>
+            </a:r>
+            <a:r>
+              <a:rPr kumimoji="1" lang="ja-JP" altLang="en-US" b="1"/>
+              <a:t>ノード</a:t>
+            </a:r>
+          </a:p>
+        </p:txBody>
+      </p:sp>
+      <p:sp>
+        <p:nvSpPr>
+          <p:cNvPr id="40" name="角丸四角形 39">
+            <a:extLst>
+              <a:ext uri="{FF2B5EF4-FFF2-40B4-BE49-F238E27FC236}">
+                <a16:creationId xmlns:a16="http://schemas.microsoft.com/office/drawing/2014/main" id="{77612160-3206-DC4A-97D3-0CDCC89B7EEE}"/>
+              </a:ext>
+            </a:extLst>
+          </p:cNvPr>
+          <p:cNvSpPr/>
+          <p:nvPr/>
+        </p:nvSpPr>
+        <p:spPr>
+          <a:xfrm>
+            <a:off x="9894612" y="2288864"/>
+            <a:ext cx="2182109" cy="835943"/>
+          </a:xfrm>
+          <a:prstGeom prst="roundRect">
+            <a:avLst/>
+          </a:prstGeom>
+          <a:ln w="50800">
+            <a:solidFill>
+              <a:schemeClr val="accent1">
+                <a:lumMod val="50000"/>
+              </a:schemeClr>
+            </a:solidFill>
+          </a:ln>
+        </p:spPr>
+        <p:style>
+          <a:lnRef idx="2">
+            <a:schemeClr val="accent6"/>
+          </a:lnRef>
+          <a:fillRef idx="1">
+            <a:schemeClr val="lt1"/>
+          </a:fillRef>
+          <a:effectRef idx="0">
+            <a:schemeClr val="accent6"/>
+          </a:effectRef>
+          <a:fontRef idx="minor">
+            <a:schemeClr val="dk1"/>
+          </a:fontRef>
+        </p:style>
+        <p:txBody>
+          <a:bodyPr rtlCol="0" anchor="ctr"/>
+          <a:lstStyle/>
+          <a:p>
+            <a:pPr algn="ctr"/>
+            <a:r>
+              <a:rPr lang="en-US" altLang="ja-JP" b="1" dirty="0"/>
+              <a:t>Teleport</a:t>
+            </a:r>
+            <a:r>
+              <a:rPr kumimoji="1" lang="ja-JP" altLang="en-US" b="1"/>
+              <a:t>ノード</a:t>
+            </a:r>
+          </a:p>
+        </p:txBody>
+      </p:sp>
     </p:spTree>
     <p:extLst>
       <p:ext uri="{BB962C8B-B14F-4D97-AF65-F5344CB8AC3E}">
         <p14:creationId xmlns:p14="http://schemas.microsoft.com/office/powerpoint/2010/main" val="181835822"/>
+      </p:ext>
+    </p:extLst>
+  </p:cSld>
+  <p:clrMapOvr>
+    <a:masterClrMapping/>
+  </p:clrMapOvr>
+</p:sld>
+</file>
+
+<file path=ppt/slides/slide2.xml><?xml version="1.0" encoding="utf-8"?>
+<p:sld xmlns:a="http://schemas.openxmlformats.org/drawingml/2006/main" xmlns:r="http://schemas.openxmlformats.org/officeDocument/2006/relationships" xmlns:p="http://schemas.openxmlformats.org/presentationml/2006/main">
+  <p:cSld>
+    <p:spTree>
+      <p:nvGrpSpPr>
+        <p:cNvPr id="1" name=""/>
+        <p:cNvGrpSpPr/>
+        <p:nvPr/>
+      </p:nvGrpSpPr>
+      <p:grpSpPr>
+        <a:xfrm>
+          <a:off x="0" y="0"/>
+          <a:ext cx="0" cy="0"/>
+          <a:chOff x="0" y="0"/>
+          <a:chExt cx="0" cy="0"/>
+        </a:xfrm>
+      </p:grpSpPr>
+      <p:cxnSp>
+        <p:nvCxnSpPr>
+          <p:cNvPr id="13" name="直線コネクタ 12">
+            <a:extLst>
+              <a:ext uri="{FF2B5EF4-FFF2-40B4-BE49-F238E27FC236}">
+                <a16:creationId xmlns:a16="http://schemas.microsoft.com/office/drawing/2014/main" id="{1CECE170-9A79-934F-A86D-461BDDBC231B}"/>
+              </a:ext>
+            </a:extLst>
+          </p:cNvPr>
+          <p:cNvCxnSpPr>
+            <a:cxnSpLocks/>
+          </p:cNvCxnSpPr>
+          <p:nvPr/>
+        </p:nvCxnSpPr>
+        <p:spPr>
+          <a:xfrm>
+            <a:off x="8962912" y="162012"/>
+            <a:ext cx="0" cy="6503831"/>
+          </a:xfrm>
+          <a:prstGeom prst="line">
+            <a:avLst/>
+          </a:prstGeom>
+          <a:ln w="76200">
+            <a:prstDash val="sysDot"/>
+          </a:ln>
+        </p:spPr>
+        <p:style>
+          <a:lnRef idx="1">
+            <a:schemeClr val="accent1"/>
+          </a:lnRef>
+          <a:fillRef idx="0">
+            <a:schemeClr val="accent1"/>
+          </a:fillRef>
+          <a:effectRef idx="0">
+            <a:schemeClr val="accent1"/>
+          </a:effectRef>
+          <a:fontRef idx="minor">
+            <a:schemeClr val="tx1"/>
+          </a:fontRef>
+        </p:style>
+      </p:cxnSp>
+      <p:sp>
+        <p:nvSpPr>
+          <p:cNvPr id="6" name="角丸四角形 5">
+            <a:extLst>
+              <a:ext uri="{FF2B5EF4-FFF2-40B4-BE49-F238E27FC236}">
+                <a16:creationId xmlns:a16="http://schemas.microsoft.com/office/drawing/2014/main" id="{4C3D48AB-9725-094F-8AAF-EB95E91DC18D}"/>
+              </a:ext>
+            </a:extLst>
+          </p:cNvPr>
+          <p:cNvSpPr/>
+          <p:nvPr/>
+        </p:nvSpPr>
+        <p:spPr>
+          <a:xfrm>
+            <a:off x="763029" y="941200"/>
+            <a:ext cx="2763297" cy="4444715"/>
+          </a:xfrm>
+          <a:prstGeom prst="roundRect">
+            <a:avLst/>
+          </a:prstGeom>
+          <a:ln>
+            <a:solidFill>
+              <a:schemeClr val="tx1"/>
+            </a:solidFill>
+          </a:ln>
+        </p:spPr>
+        <p:style>
+          <a:lnRef idx="2">
+            <a:schemeClr val="accent6"/>
+          </a:lnRef>
+          <a:fillRef idx="1">
+            <a:schemeClr val="lt1"/>
+          </a:fillRef>
+          <a:effectRef idx="0">
+            <a:schemeClr val="accent6"/>
+          </a:effectRef>
+          <a:fontRef idx="minor">
+            <a:schemeClr val="dk1"/>
+          </a:fontRef>
+        </p:style>
+        <p:txBody>
+          <a:bodyPr rtlCol="0" anchor="ctr"/>
+          <a:lstStyle/>
+          <a:p>
+            <a:pPr algn="ctr"/>
+            <a:endParaRPr kumimoji="1" lang="ja-JP" altLang="en-US"/>
+          </a:p>
+        </p:txBody>
+      </p:sp>
+      <p:pic>
+        <p:nvPicPr>
+          <p:cNvPr id="2" name="図 1">
+            <a:extLst>
+              <a:ext uri="{FF2B5EF4-FFF2-40B4-BE49-F238E27FC236}">
+                <a16:creationId xmlns:a16="http://schemas.microsoft.com/office/drawing/2014/main" id="{CD9AB76C-E849-F448-A77A-664F066FFE75}"/>
+              </a:ext>
+            </a:extLst>
+          </p:cNvPr>
+          <p:cNvPicPr>
+            <a:picLocks noChangeAspect="1"/>
+          </p:cNvPicPr>
+          <p:nvPr/>
+        </p:nvPicPr>
+        <p:blipFill>
+          <a:blip r:embed="rId2"/>
+          <a:stretch>
+            <a:fillRect/>
+          </a:stretch>
+        </p:blipFill>
+        <p:spPr>
+          <a:xfrm>
+            <a:off x="1240742" y="1113817"/>
+            <a:ext cx="1807872" cy="1500549"/>
+          </a:xfrm>
+          <a:prstGeom prst="rect">
+            <a:avLst/>
+          </a:prstGeom>
+        </p:spPr>
+      </p:pic>
+      <p:pic>
+        <p:nvPicPr>
+          <p:cNvPr id="3" name="図 2">
+            <a:extLst>
+              <a:ext uri="{FF2B5EF4-FFF2-40B4-BE49-F238E27FC236}">
+                <a16:creationId xmlns:a16="http://schemas.microsoft.com/office/drawing/2014/main" id="{C528B588-CFD6-D14A-86A7-B5D4D1E9ADE4}"/>
+              </a:ext>
+            </a:extLst>
+          </p:cNvPr>
+          <p:cNvPicPr>
+            <a:picLocks noChangeAspect="1"/>
+          </p:cNvPicPr>
+          <p:nvPr/>
+        </p:nvPicPr>
+        <p:blipFill>
+          <a:blip r:embed="rId3"/>
+          <a:stretch>
+            <a:fillRect/>
+          </a:stretch>
+        </p:blipFill>
+        <p:spPr>
+          <a:xfrm>
+            <a:off x="1240742" y="3400041"/>
+            <a:ext cx="1777165" cy="1443264"/>
+          </a:xfrm>
+          <a:prstGeom prst="rect">
+            <a:avLst/>
+          </a:prstGeom>
+        </p:spPr>
+      </p:pic>
+      <p:sp>
+        <p:nvSpPr>
+          <p:cNvPr id="4" name="角丸四角形 3">
+            <a:extLst>
+              <a:ext uri="{FF2B5EF4-FFF2-40B4-BE49-F238E27FC236}">
+                <a16:creationId xmlns:a16="http://schemas.microsoft.com/office/drawing/2014/main" id="{9CD3F051-5912-5544-A40A-29F0E305BB68}"/>
+              </a:ext>
+            </a:extLst>
+          </p:cNvPr>
+          <p:cNvSpPr/>
+          <p:nvPr/>
+        </p:nvSpPr>
+        <p:spPr>
+          <a:xfrm>
+            <a:off x="7714206" y="2260880"/>
+            <a:ext cx="2806418" cy="1139162"/>
+          </a:xfrm>
+          <a:prstGeom prst="roundRect">
+            <a:avLst/>
+          </a:prstGeom>
+          <a:ln w="50800">
+            <a:solidFill>
+              <a:schemeClr val="accent1">
+                <a:lumMod val="50000"/>
+              </a:schemeClr>
+            </a:solidFill>
+          </a:ln>
+        </p:spPr>
+        <p:style>
+          <a:lnRef idx="2">
+            <a:schemeClr val="dk1"/>
+          </a:lnRef>
+          <a:fillRef idx="1">
+            <a:schemeClr val="lt1"/>
+          </a:fillRef>
+          <a:effectRef idx="0">
+            <a:schemeClr val="dk1"/>
+          </a:effectRef>
+          <a:fontRef idx="minor">
+            <a:schemeClr val="dk1"/>
+          </a:fontRef>
+        </p:style>
+        <p:txBody>
+          <a:bodyPr rtlCol="0" anchor="ctr"/>
+          <a:lstStyle/>
+          <a:p>
+            <a:pPr algn="ctr"/>
+            <a:r>
+              <a:rPr kumimoji="1" lang="en-US" altLang="ja-JP" sz="2000" b="1" dirty="0"/>
+              <a:t>Teleport Proxy</a:t>
+            </a:r>
+            <a:endParaRPr kumimoji="1" lang="ja-JP" altLang="en-US" sz="2000" b="1"/>
+          </a:p>
+        </p:txBody>
+      </p:sp>
+      <p:cxnSp>
+        <p:nvCxnSpPr>
+          <p:cNvPr id="7" name="直線矢印コネクタ 6">
+            <a:extLst>
+              <a:ext uri="{FF2B5EF4-FFF2-40B4-BE49-F238E27FC236}">
+                <a16:creationId xmlns:a16="http://schemas.microsoft.com/office/drawing/2014/main" id="{2B55E481-E0F5-0946-A4A3-83E311033777}"/>
+              </a:ext>
+            </a:extLst>
+          </p:cNvPr>
+          <p:cNvCxnSpPr>
+            <a:cxnSpLocks/>
+            <a:endCxn id="4" idx="1"/>
+          </p:cNvCxnSpPr>
+          <p:nvPr/>
+        </p:nvCxnSpPr>
+        <p:spPr>
+          <a:xfrm>
+            <a:off x="3526326" y="2815388"/>
+            <a:ext cx="4187880" cy="15073"/>
+          </a:xfrm>
+          <a:prstGeom prst="straightConnector1">
+            <a:avLst/>
+          </a:prstGeom>
+          <a:ln w="66675">
+            <a:solidFill>
+              <a:schemeClr val="tx1"/>
+            </a:solidFill>
+            <a:prstDash val="dash"/>
+            <a:tailEnd type="triangle"/>
+          </a:ln>
+        </p:spPr>
+        <p:style>
+          <a:lnRef idx="1">
+            <a:schemeClr val="accent1"/>
+          </a:lnRef>
+          <a:fillRef idx="0">
+            <a:schemeClr val="accent1"/>
+          </a:fillRef>
+          <a:effectRef idx="0">
+            <a:schemeClr val="accent1"/>
+          </a:effectRef>
+          <a:fontRef idx="minor">
+            <a:schemeClr val="tx1"/>
+          </a:fontRef>
+        </p:style>
+      </p:cxnSp>
+      <p:sp>
+        <p:nvSpPr>
+          <p:cNvPr id="10" name="メモ 9">
+            <a:extLst>
+              <a:ext uri="{FF2B5EF4-FFF2-40B4-BE49-F238E27FC236}">
+                <a16:creationId xmlns:a16="http://schemas.microsoft.com/office/drawing/2014/main" id="{2BB45311-7D58-7E41-BD24-59EE75EE97D4}"/>
+              </a:ext>
+            </a:extLst>
+          </p:cNvPr>
+          <p:cNvSpPr/>
+          <p:nvPr/>
+        </p:nvSpPr>
+        <p:spPr>
+          <a:xfrm>
+            <a:off x="5004077" y="1668026"/>
+            <a:ext cx="1595506" cy="1034981"/>
+          </a:xfrm>
+          <a:prstGeom prst="foldedCorner">
+            <a:avLst/>
+          </a:prstGeom>
+          <a:ln w="47625">
+            <a:solidFill>
+              <a:schemeClr val="accent6">
+                <a:lumMod val="50000"/>
+              </a:schemeClr>
+            </a:solidFill>
+          </a:ln>
+        </p:spPr>
+        <p:style>
+          <a:lnRef idx="2">
+            <a:schemeClr val="accent6"/>
+          </a:lnRef>
+          <a:fillRef idx="1">
+            <a:schemeClr val="lt1"/>
+          </a:fillRef>
+          <a:effectRef idx="0">
+            <a:schemeClr val="accent6"/>
+          </a:effectRef>
+          <a:fontRef idx="minor">
+            <a:schemeClr val="dk1"/>
+          </a:fontRef>
+        </p:style>
+        <p:txBody>
+          <a:bodyPr rtlCol="0" anchor="ctr"/>
+          <a:lstStyle/>
+          <a:p>
+            <a:pPr algn="ctr"/>
+            <a:r>
+              <a:rPr kumimoji="1" lang="ja-JP" altLang="en-US" b="1">
+                <a:latin typeface="+mj-ea"/>
+                <a:ea typeface="+mj-ea"/>
+              </a:rPr>
+              <a:t>クライアントの証明書</a:t>
+            </a:r>
+          </a:p>
+        </p:txBody>
+      </p:sp>
+      <p:sp>
+        <p:nvSpPr>
+          <p:cNvPr id="11" name="テキスト ボックス 10">
+            <a:extLst>
+              <a:ext uri="{FF2B5EF4-FFF2-40B4-BE49-F238E27FC236}">
+                <a16:creationId xmlns:a16="http://schemas.microsoft.com/office/drawing/2014/main" id="{59A706E2-0CA4-B84F-8BE4-BB1E453F07AF}"/>
+              </a:ext>
+            </a:extLst>
+          </p:cNvPr>
+          <p:cNvSpPr txBox="1"/>
+          <p:nvPr/>
+        </p:nvSpPr>
+        <p:spPr>
+          <a:xfrm>
+            <a:off x="1340478" y="2492221"/>
+            <a:ext cx="1569660" cy="646331"/>
+          </a:xfrm>
+          <a:prstGeom prst="rect">
+            <a:avLst/>
+          </a:prstGeom>
+          <a:noFill/>
+        </p:spPr>
+        <p:txBody>
+          <a:bodyPr wrap="none" rtlCol="0">
+            <a:spAutoFit/>
+          </a:bodyPr>
+          <a:lstStyle/>
+          <a:p>
+            <a:pPr algn="ctr"/>
+            <a:r>
+              <a:rPr kumimoji="1" lang="en-US" altLang="ja-JP" dirty="0"/>
+              <a:t>Open SSH</a:t>
+            </a:r>
+          </a:p>
+          <a:p>
+            <a:pPr algn="ctr"/>
+            <a:r>
+              <a:rPr lang="ja-JP" altLang="en-US"/>
+              <a:t>クライアント</a:t>
+            </a:r>
+            <a:endParaRPr kumimoji="1" lang="ja-JP" altLang="en-US"/>
+          </a:p>
+        </p:txBody>
+      </p:sp>
+      <p:sp>
+        <p:nvSpPr>
+          <p:cNvPr id="12" name="テキスト ボックス 11">
+            <a:extLst>
+              <a:ext uri="{FF2B5EF4-FFF2-40B4-BE49-F238E27FC236}">
+                <a16:creationId xmlns:a16="http://schemas.microsoft.com/office/drawing/2014/main" id="{18E10369-26E5-4C42-AE74-5745FB71BA00}"/>
+              </a:ext>
+            </a:extLst>
+          </p:cNvPr>
+          <p:cNvSpPr txBox="1"/>
+          <p:nvPr/>
+        </p:nvSpPr>
+        <p:spPr>
+          <a:xfrm>
+            <a:off x="1240742" y="4920128"/>
+            <a:ext cx="2113079" cy="369332"/>
+          </a:xfrm>
+          <a:prstGeom prst="rect">
+            <a:avLst/>
+          </a:prstGeom>
+          <a:noFill/>
+        </p:spPr>
+        <p:txBody>
+          <a:bodyPr wrap="none" rtlCol="0">
+            <a:spAutoFit/>
+          </a:bodyPr>
+          <a:lstStyle/>
+          <a:p>
+            <a:r>
+              <a:rPr kumimoji="1" lang="en-US" altLang="ja-JP" dirty="0"/>
+              <a:t>Web</a:t>
+            </a:r>
+            <a:r>
+              <a:rPr lang="en-US" altLang="ja-JP" dirty="0"/>
+              <a:t> </a:t>
+            </a:r>
+            <a:r>
+              <a:rPr kumimoji="1" lang="ja-JP" altLang="en-US"/>
+              <a:t>クライアント</a:t>
+            </a:r>
+          </a:p>
+        </p:txBody>
+      </p:sp>
+      <p:sp>
+        <p:nvSpPr>
+          <p:cNvPr id="14" name="テキスト ボックス 13">
+            <a:extLst>
+              <a:ext uri="{FF2B5EF4-FFF2-40B4-BE49-F238E27FC236}">
+                <a16:creationId xmlns:a16="http://schemas.microsoft.com/office/drawing/2014/main" id="{73C77C43-AB69-0F42-8225-01D1D943D1D2}"/>
+              </a:ext>
+            </a:extLst>
+          </p:cNvPr>
+          <p:cNvSpPr txBox="1"/>
+          <p:nvPr/>
+        </p:nvSpPr>
+        <p:spPr>
+          <a:xfrm>
+            <a:off x="9334943" y="259934"/>
+            <a:ext cx="2655498" cy="461665"/>
+          </a:xfrm>
+          <a:prstGeom prst="rect">
+            <a:avLst/>
+          </a:prstGeom>
+          <a:noFill/>
+        </p:spPr>
+        <p:txBody>
+          <a:bodyPr wrap="square" rtlCol="0">
+            <a:spAutoFit/>
+          </a:bodyPr>
+          <a:lstStyle/>
+          <a:p>
+            <a:r>
+              <a:rPr kumimoji="1" lang="ja-JP" altLang="en-US" sz="2400"/>
+              <a:t>内部ネットワーク</a:t>
+            </a:r>
+          </a:p>
+        </p:txBody>
+      </p:sp>
+      <p:sp>
+        <p:nvSpPr>
+          <p:cNvPr id="15" name="テキスト ボックス 14">
+            <a:extLst>
+              <a:ext uri="{FF2B5EF4-FFF2-40B4-BE49-F238E27FC236}">
+                <a16:creationId xmlns:a16="http://schemas.microsoft.com/office/drawing/2014/main" id="{C594E326-E743-424B-8288-E6E9E05A90E8}"/>
+              </a:ext>
+            </a:extLst>
+          </p:cNvPr>
+          <p:cNvSpPr txBox="1"/>
+          <p:nvPr/>
+        </p:nvSpPr>
+        <p:spPr>
+          <a:xfrm>
+            <a:off x="4096992" y="261786"/>
+            <a:ext cx="2655498" cy="461665"/>
+          </a:xfrm>
+          <a:prstGeom prst="rect">
+            <a:avLst/>
+          </a:prstGeom>
+          <a:noFill/>
+        </p:spPr>
+        <p:txBody>
+          <a:bodyPr wrap="square" rtlCol="0">
+            <a:spAutoFit/>
+          </a:bodyPr>
+          <a:lstStyle/>
+          <a:p>
+            <a:r>
+              <a:rPr kumimoji="1" lang="ja-JP" altLang="en-US" sz="2400"/>
+              <a:t>外部ネットワーク</a:t>
+            </a:r>
+          </a:p>
+        </p:txBody>
+      </p:sp>
+    </p:spTree>
+    <p:extLst>
+      <p:ext uri="{BB962C8B-B14F-4D97-AF65-F5344CB8AC3E}">
+        <p14:creationId xmlns:p14="http://schemas.microsoft.com/office/powerpoint/2010/main" val="1232526303"/>
+      </p:ext>
+    </p:extLst>
+  </p:cSld>
+  <p:clrMapOvr>
+    <a:masterClrMapping/>
+  </p:clrMapOvr>
+</p:sld>
+</file>
+
+<file path=ppt/slides/slide3.xml><?xml version="1.0" encoding="utf-8"?>
+<p:sld xmlns:a="http://schemas.openxmlformats.org/drawingml/2006/main" xmlns:r="http://schemas.openxmlformats.org/officeDocument/2006/relationships" xmlns:p="http://schemas.openxmlformats.org/presentationml/2006/main">
+  <p:cSld>
+    <p:spTree>
+      <p:nvGrpSpPr>
+        <p:cNvPr id="1" name=""/>
+        <p:cNvGrpSpPr/>
+        <p:nvPr/>
+      </p:nvGrpSpPr>
+      <p:grpSpPr>
+        <a:xfrm>
+          <a:off x="0" y="0"/>
+          <a:ext cx="0" cy="0"/>
+          <a:chOff x="0" y="0"/>
+          <a:chExt cx="0" cy="0"/>
+        </a:xfrm>
+      </p:grpSpPr>
+      <p:cxnSp>
+        <p:nvCxnSpPr>
+          <p:cNvPr id="13" name="直線コネクタ 12">
+            <a:extLst>
+              <a:ext uri="{FF2B5EF4-FFF2-40B4-BE49-F238E27FC236}">
+                <a16:creationId xmlns:a16="http://schemas.microsoft.com/office/drawing/2014/main" id="{B4EC72F2-14E7-0143-AE31-FDC065DE4B6E}"/>
+              </a:ext>
+            </a:extLst>
+          </p:cNvPr>
+          <p:cNvCxnSpPr>
+            <a:cxnSpLocks/>
+          </p:cNvCxnSpPr>
+          <p:nvPr/>
+        </p:nvCxnSpPr>
+        <p:spPr>
+          <a:xfrm>
+            <a:off x="8976164" y="259934"/>
+            <a:ext cx="0" cy="6503831"/>
+          </a:xfrm>
+          <a:prstGeom prst="line">
+            <a:avLst/>
+          </a:prstGeom>
+          <a:ln w="76200">
+            <a:prstDash val="sysDot"/>
+          </a:ln>
+        </p:spPr>
+        <p:style>
+          <a:lnRef idx="1">
+            <a:schemeClr val="accent1"/>
+          </a:lnRef>
+          <a:fillRef idx="0">
+            <a:schemeClr val="accent1"/>
+          </a:fillRef>
+          <a:effectRef idx="0">
+            <a:schemeClr val="accent1"/>
+          </a:effectRef>
+          <a:fontRef idx="minor">
+            <a:schemeClr val="tx1"/>
+          </a:fontRef>
+        </p:style>
+      </p:cxnSp>
+      <p:sp>
+        <p:nvSpPr>
+          <p:cNvPr id="6" name="角丸四角形 5">
+            <a:extLst>
+              <a:ext uri="{FF2B5EF4-FFF2-40B4-BE49-F238E27FC236}">
+                <a16:creationId xmlns:a16="http://schemas.microsoft.com/office/drawing/2014/main" id="{4C3D48AB-9725-094F-8AAF-EB95E91DC18D}"/>
+              </a:ext>
+            </a:extLst>
+          </p:cNvPr>
+          <p:cNvSpPr/>
+          <p:nvPr/>
+        </p:nvSpPr>
+        <p:spPr>
+          <a:xfrm>
+            <a:off x="763029" y="941200"/>
+            <a:ext cx="2763297" cy="4444715"/>
+          </a:xfrm>
+          <a:prstGeom prst="roundRect">
+            <a:avLst/>
+          </a:prstGeom>
+          <a:ln>
+            <a:solidFill>
+              <a:schemeClr val="tx1"/>
+            </a:solidFill>
+          </a:ln>
+        </p:spPr>
+        <p:style>
+          <a:lnRef idx="2">
+            <a:schemeClr val="accent6"/>
+          </a:lnRef>
+          <a:fillRef idx="1">
+            <a:schemeClr val="lt1"/>
+          </a:fillRef>
+          <a:effectRef idx="0">
+            <a:schemeClr val="accent6"/>
+          </a:effectRef>
+          <a:fontRef idx="minor">
+            <a:schemeClr val="dk1"/>
+          </a:fontRef>
+        </p:style>
+        <p:txBody>
+          <a:bodyPr rtlCol="0" anchor="ctr"/>
+          <a:lstStyle/>
+          <a:p>
+            <a:pPr algn="ctr"/>
+            <a:endParaRPr kumimoji="1" lang="ja-JP" altLang="en-US"/>
+          </a:p>
+        </p:txBody>
+      </p:sp>
+      <p:pic>
+        <p:nvPicPr>
+          <p:cNvPr id="2" name="図 1">
+            <a:extLst>
+              <a:ext uri="{FF2B5EF4-FFF2-40B4-BE49-F238E27FC236}">
+                <a16:creationId xmlns:a16="http://schemas.microsoft.com/office/drawing/2014/main" id="{CD9AB76C-E849-F448-A77A-664F066FFE75}"/>
+              </a:ext>
+            </a:extLst>
+          </p:cNvPr>
+          <p:cNvPicPr>
+            <a:picLocks noChangeAspect="1"/>
+          </p:cNvPicPr>
+          <p:nvPr/>
+        </p:nvPicPr>
+        <p:blipFill>
+          <a:blip r:embed="rId2"/>
+          <a:stretch>
+            <a:fillRect/>
+          </a:stretch>
+        </p:blipFill>
+        <p:spPr>
+          <a:xfrm>
+            <a:off x="1240742" y="1113817"/>
+            <a:ext cx="1807872" cy="1500549"/>
+          </a:xfrm>
+          <a:prstGeom prst="rect">
+            <a:avLst/>
+          </a:prstGeom>
+        </p:spPr>
+      </p:pic>
+      <p:pic>
+        <p:nvPicPr>
+          <p:cNvPr id="3" name="図 2">
+            <a:extLst>
+              <a:ext uri="{FF2B5EF4-FFF2-40B4-BE49-F238E27FC236}">
+                <a16:creationId xmlns:a16="http://schemas.microsoft.com/office/drawing/2014/main" id="{C528B588-CFD6-D14A-86A7-B5D4D1E9ADE4}"/>
+              </a:ext>
+            </a:extLst>
+          </p:cNvPr>
+          <p:cNvPicPr>
+            <a:picLocks noChangeAspect="1"/>
+          </p:cNvPicPr>
+          <p:nvPr/>
+        </p:nvPicPr>
+        <p:blipFill>
+          <a:blip r:embed="rId3"/>
+          <a:stretch>
+            <a:fillRect/>
+          </a:stretch>
+        </p:blipFill>
+        <p:spPr>
+          <a:xfrm>
+            <a:off x="1240742" y="3400041"/>
+            <a:ext cx="1777165" cy="1443264"/>
+          </a:xfrm>
+          <a:prstGeom prst="rect">
+            <a:avLst/>
+          </a:prstGeom>
+        </p:spPr>
+      </p:pic>
+      <p:sp>
+        <p:nvSpPr>
+          <p:cNvPr id="4" name="角丸四角形 3">
+            <a:extLst>
+              <a:ext uri="{FF2B5EF4-FFF2-40B4-BE49-F238E27FC236}">
+                <a16:creationId xmlns:a16="http://schemas.microsoft.com/office/drawing/2014/main" id="{9CD3F051-5912-5544-A40A-29F0E305BB68}"/>
+              </a:ext>
+            </a:extLst>
+          </p:cNvPr>
+          <p:cNvSpPr/>
+          <p:nvPr/>
+        </p:nvSpPr>
+        <p:spPr>
+          <a:xfrm>
+            <a:off x="7714206" y="2260880"/>
+            <a:ext cx="2806418" cy="1139162"/>
+          </a:xfrm>
+          <a:prstGeom prst="roundRect">
+            <a:avLst/>
+          </a:prstGeom>
+          <a:ln w="50800">
+            <a:solidFill>
+              <a:schemeClr val="accent1">
+                <a:lumMod val="50000"/>
+              </a:schemeClr>
+            </a:solidFill>
+          </a:ln>
+        </p:spPr>
+        <p:style>
+          <a:lnRef idx="2">
+            <a:schemeClr val="accent6"/>
+          </a:lnRef>
+          <a:fillRef idx="1">
+            <a:schemeClr val="lt1"/>
+          </a:fillRef>
+          <a:effectRef idx="0">
+            <a:schemeClr val="accent6"/>
+          </a:effectRef>
+          <a:fontRef idx="minor">
+            <a:schemeClr val="dk1"/>
+          </a:fontRef>
+        </p:style>
+        <p:txBody>
+          <a:bodyPr rtlCol="0" anchor="ctr"/>
+          <a:lstStyle/>
+          <a:p>
+            <a:pPr algn="ctr"/>
+            <a:r>
+              <a:rPr kumimoji="1" lang="en-US" altLang="ja-JP" sz="2000" b="1" dirty="0"/>
+              <a:t>Teleport Proxy</a:t>
+            </a:r>
+            <a:endParaRPr kumimoji="1" lang="ja-JP" altLang="en-US" sz="2000" b="1"/>
+          </a:p>
+        </p:txBody>
+      </p:sp>
+      <p:cxnSp>
+        <p:nvCxnSpPr>
+          <p:cNvPr id="7" name="直線矢印コネクタ 6">
+            <a:extLst>
+              <a:ext uri="{FF2B5EF4-FFF2-40B4-BE49-F238E27FC236}">
+                <a16:creationId xmlns:a16="http://schemas.microsoft.com/office/drawing/2014/main" id="{2B55E481-E0F5-0946-A4A3-83E311033777}"/>
+              </a:ext>
+            </a:extLst>
+          </p:cNvPr>
+          <p:cNvCxnSpPr>
+            <a:cxnSpLocks/>
+            <a:endCxn id="4" idx="1"/>
+          </p:cNvCxnSpPr>
+          <p:nvPr/>
+        </p:nvCxnSpPr>
+        <p:spPr>
+          <a:xfrm>
+            <a:off x="3526326" y="2815388"/>
+            <a:ext cx="4187880" cy="15073"/>
+          </a:xfrm>
+          <a:prstGeom prst="straightConnector1">
+            <a:avLst/>
+          </a:prstGeom>
+          <a:ln w="66675">
+            <a:solidFill>
+              <a:schemeClr val="tx1"/>
+            </a:solidFill>
+            <a:prstDash val="dash"/>
+            <a:tailEnd type="triangle"/>
+          </a:ln>
+        </p:spPr>
+        <p:style>
+          <a:lnRef idx="1">
+            <a:schemeClr val="accent1"/>
+          </a:lnRef>
+          <a:fillRef idx="0">
+            <a:schemeClr val="accent1"/>
+          </a:fillRef>
+          <a:effectRef idx="0">
+            <a:schemeClr val="accent1"/>
+          </a:effectRef>
+          <a:fontRef idx="minor">
+            <a:schemeClr val="tx1"/>
+          </a:fontRef>
+        </p:style>
+      </p:cxnSp>
+      <p:sp>
+        <p:nvSpPr>
+          <p:cNvPr id="11" name="テキスト ボックス 10">
+            <a:extLst>
+              <a:ext uri="{FF2B5EF4-FFF2-40B4-BE49-F238E27FC236}">
+                <a16:creationId xmlns:a16="http://schemas.microsoft.com/office/drawing/2014/main" id="{59A706E2-0CA4-B84F-8BE4-BB1E453F07AF}"/>
+              </a:ext>
+            </a:extLst>
+          </p:cNvPr>
+          <p:cNvSpPr txBox="1"/>
+          <p:nvPr/>
+        </p:nvSpPr>
+        <p:spPr>
+          <a:xfrm>
+            <a:off x="1340478" y="2492221"/>
+            <a:ext cx="1569660" cy="646331"/>
+          </a:xfrm>
+          <a:prstGeom prst="rect">
+            <a:avLst/>
+          </a:prstGeom>
+          <a:noFill/>
+        </p:spPr>
+        <p:txBody>
+          <a:bodyPr wrap="none" rtlCol="0">
+            <a:spAutoFit/>
+          </a:bodyPr>
+          <a:lstStyle/>
+          <a:p>
+            <a:pPr algn="ctr"/>
+            <a:r>
+              <a:rPr kumimoji="1" lang="en-US" altLang="ja-JP" dirty="0"/>
+              <a:t>Open SSH</a:t>
+            </a:r>
+          </a:p>
+          <a:p>
+            <a:pPr algn="ctr"/>
+            <a:r>
+              <a:rPr lang="ja-JP" altLang="en-US"/>
+              <a:t>クライアント</a:t>
+            </a:r>
+            <a:endParaRPr kumimoji="1" lang="ja-JP" altLang="en-US"/>
+          </a:p>
+        </p:txBody>
+      </p:sp>
+      <p:sp>
+        <p:nvSpPr>
+          <p:cNvPr id="12" name="テキスト ボックス 11">
+            <a:extLst>
+              <a:ext uri="{FF2B5EF4-FFF2-40B4-BE49-F238E27FC236}">
+                <a16:creationId xmlns:a16="http://schemas.microsoft.com/office/drawing/2014/main" id="{18E10369-26E5-4C42-AE74-5745FB71BA00}"/>
+              </a:ext>
+            </a:extLst>
+          </p:cNvPr>
+          <p:cNvSpPr txBox="1"/>
+          <p:nvPr/>
+        </p:nvSpPr>
+        <p:spPr>
+          <a:xfrm>
+            <a:off x="1240742" y="4920128"/>
+            <a:ext cx="2113079" cy="369332"/>
+          </a:xfrm>
+          <a:prstGeom prst="rect">
+            <a:avLst/>
+          </a:prstGeom>
+          <a:noFill/>
+        </p:spPr>
+        <p:txBody>
+          <a:bodyPr wrap="none" rtlCol="0">
+            <a:spAutoFit/>
+          </a:bodyPr>
+          <a:lstStyle/>
+          <a:p>
+            <a:r>
+              <a:rPr kumimoji="1" lang="en-US" altLang="ja-JP" dirty="0"/>
+              <a:t>Web</a:t>
+            </a:r>
+            <a:r>
+              <a:rPr lang="en-US" altLang="ja-JP" dirty="0"/>
+              <a:t> </a:t>
+            </a:r>
+            <a:r>
+              <a:rPr kumimoji="1" lang="ja-JP" altLang="en-US"/>
+              <a:t>クライアント</a:t>
+            </a:r>
+          </a:p>
+        </p:txBody>
+      </p:sp>
+      <p:sp>
+        <p:nvSpPr>
+          <p:cNvPr id="5" name="四角形吹き出し 4">
+            <a:extLst>
+              <a:ext uri="{FF2B5EF4-FFF2-40B4-BE49-F238E27FC236}">
+                <a16:creationId xmlns:a16="http://schemas.microsoft.com/office/drawing/2014/main" id="{7FA1CBE8-7FA9-5F4F-8F5E-F933F7661280}"/>
+              </a:ext>
+            </a:extLst>
+          </p:cNvPr>
+          <p:cNvSpPr/>
+          <p:nvPr/>
+        </p:nvSpPr>
+        <p:spPr>
+          <a:xfrm>
+            <a:off x="7098018" y="3986376"/>
+            <a:ext cx="3709167" cy="1303084"/>
+          </a:xfrm>
+          <a:prstGeom prst="wedgeRectCallout">
+            <a:avLst>
+              <a:gd name="adj1" fmla="val -21397"/>
+              <a:gd name="adj2" fmla="val -81848"/>
+            </a:avLst>
+          </a:prstGeom>
+        </p:spPr>
+        <p:style>
+          <a:lnRef idx="2">
+            <a:schemeClr val="accent6"/>
+          </a:lnRef>
+          <a:fillRef idx="1">
+            <a:schemeClr val="lt1"/>
+          </a:fillRef>
+          <a:effectRef idx="0">
+            <a:schemeClr val="accent6"/>
+          </a:effectRef>
+          <a:fontRef idx="minor">
+            <a:schemeClr val="dk1"/>
+          </a:fontRef>
+        </p:style>
+        <p:txBody>
+          <a:bodyPr rtlCol="0" anchor="ctr"/>
+          <a:lstStyle/>
+          <a:p>
+            <a:pPr algn="ctr"/>
+            <a:r>
+              <a:rPr lang="ja-JP" altLang="en-US"/>
+              <a:t>この証明書は署名されているか？</a:t>
+            </a:r>
+            <a:r>
+              <a:rPr kumimoji="1" lang="ja-JP" altLang="en-US"/>
+              <a:t>有効期限内であるか？を確認</a:t>
+            </a:r>
+          </a:p>
+        </p:txBody>
+      </p:sp>
+      <p:sp>
+        <p:nvSpPr>
+          <p:cNvPr id="14" name="テキスト ボックス 13">
+            <a:extLst>
+              <a:ext uri="{FF2B5EF4-FFF2-40B4-BE49-F238E27FC236}">
+                <a16:creationId xmlns:a16="http://schemas.microsoft.com/office/drawing/2014/main" id="{2F15C48C-59BE-0E4F-A241-B81BC6117D61}"/>
+              </a:ext>
+            </a:extLst>
+          </p:cNvPr>
+          <p:cNvSpPr txBox="1"/>
+          <p:nvPr/>
+        </p:nvSpPr>
+        <p:spPr>
+          <a:xfrm>
+            <a:off x="9334943" y="259934"/>
+            <a:ext cx="2655498" cy="461665"/>
+          </a:xfrm>
+          <a:prstGeom prst="rect">
+            <a:avLst/>
+          </a:prstGeom>
+          <a:noFill/>
+        </p:spPr>
+        <p:txBody>
+          <a:bodyPr wrap="square" rtlCol="0">
+            <a:spAutoFit/>
+          </a:bodyPr>
+          <a:lstStyle/>
+          <a:p>
+            <a:r>
+              <a:rPr kumimoji="1" lang="ja-JP" altLang="en-US" sz="2400"/>
+              <a:t>内部ネットワーク</a:t>
+            </a:r>
+          </a:p>
+        </p:txBody>
+      </p:sp>
+      <p:sp>
+        <p:nvSpPr>
+          <p:cNvPr id="15" name="テキスト ボックス 14">
+            <a:extLst>
+              <a:ext uri="{FF2B5EF4-FFF2-40B4-BE49-F238E27FC236}">
+                <a16:creationId xmlns:a16="http://schemas.microsoft.com/office/drawing/2014/main" id="{816986DC-8966-D84F-A6AD-EF0A9D4645A6}"/>
+              </a:ext>
+            </a:extLst>
+          </p:cNvPr>
+          <p:cNvSpPr txBox="1"/>
+          <p:nvPr/>
+        </p:nvSpPr>
+        <p:spPr>
+          <a:xfrm>
+            <a:off x="4096992" y="261786"/>
+            <a:ext cx="2655498" cy="461665"/>
+          </a:xfrm>
+          <a:prstGeom prst="rect">
+            <a:avLst/>
+          </a:prstGeom>
+          <a:noFill/>
+        </p:spPr>
+        <p:txBody>
+          <a:bodyPr wrap="square" rtlCol="0">
+            <a:spAutoFit/>
+          </a:bodyPr>
+          <a:lstStyle/>
+          <a:p>
+            <a:r>
+              <a:rPr kumimoji="1" lang="ja-JP" altLang="en-US" sz="2400"/>
+              <a:t>外部ネットワーク</a:t>
+            </a:r>
+          </a:p>
+        </p:txBody>
+      </p:sp>
+      <p:sp>
+        <p:nvSpPr>
+          <p:cNvPr id="17" name="メモ 16">
+            <a:extLst>
+              <a:ext uri="{FF2B5EF4-FFF2-40B4-BE49-F238E27FC236}">
+                <a16:creationId xmlns:a16="http://schemas.microsoft.com/office/drawing/2014/main" id="{4788F1CD-CD6A-5246-B26A-57811E2B6021}"/>
+              </a:ext>
+            </a:extLst>
+          </p:cNvPr>
+          <p:cNvSpPr/>
+          <p:nvPr/>
+        </p:nvSpPr>
+        <p:spPr>
+          <a:xfrm>
+            <a:off x="6752490" y="1543877"/>
+            <a:ext cx="1607486" cy="948343"/>
+          </a:xfrm>
+          <a:prstGeom prst="foldedCorner">
+            <a:avLst>
+              <a:gd name="adj" fmla="val 26449"/>
+            </a:avLst>
+          </a:prstGeom>
+          <a:ln w="47625">
+            <a:solidFill>
+              <a:schemeClr val="accent6">
+                <a:lumMod val="50000"/>
+              </a:schemeClr>
+            </a:solidFill>
+          </a:ln>
+        </p:spPr>
+        <p:style>
+          <a:lnRef idx="2">
+            <a:schemeClr val="accent6"/>
+          </a:lnRef>
+          <a:fillRef idx="1">
+            <a:schemeClr val="lt1"/>
+          </a:fillRef>
+          <a:effectRef idx="0">
+            <a:schemeClr val="accent6"/>
+          </a:effectRef>
+          <a:fontRef idx="minor">
+            <a:schemeClr val="dk1"/>
+          </a:fontRef>
+        </p:style>
+        <p:txBody>
+          <a:bodyPr rtlCol="0" anchor="ctr"/>
+          <a:lstStyle/>
+          <a:p>
+            <a:pPr algn="ctr"/>
+            <a:r>
+              <a:rPr kumimoji="1" lang="ja-JP" altLang="en-US" b="1">
+                <a:latin typeface="+mj-ea"/>
+                <a:ea typeface="+mj-ea"/>
+              </a:rPr>
+              <a:t>クライアントの証明書</a:t>
+            </a:r>
+          </a:p>
+        </p:txBody>
+      </p:sp>
+    </p:spTree>
+    <p:extLst>
+      <p:ext uri="{BB962C8B-B14F-4D97-AF65-F5344CB8AC3E}">
+        <p14:creationId xmlns:p14="http://schemas.microsoft.com/office/powerpoint/2010/main" val="3386581768"/>
+      </p:ext>
+    </p:extLst>
+  </p:cSld>
+  <p:clrMapOvr>
+    <a:masterClrMapping/>
+  </p:clrMapOvr>
+</p:sld>
+</file>
+
+<file path=ppt/slides/slide4.xml><?xml version="1.0" encoding="utf-8"?>
+<p:sld xmlns:a="http://schemas.openxmlformats.org/drawingml/2006/main" xmlns:r="http://schemas.openxmlformats.org/officeDocument/2006/relationships" xmlns:p="http://schemas.openxmlformats.org/presentationml/2006/main">
+  <p:cSld>
+    <p:spTree>
+      <p:nvGrpSpPr>
+        <p:cNvPr id="1" name=""/>
+        <p:cNvGrpSpPr/>
+        <p:nvPr/>
+      </p:nvGrpSpPr>
+      <p:grpSpPr>
+        <a:xfrm>
+          <a:off x="0" y="0"/>
+          <a:ext cx="0" cy="0"/>
+          <a:chOff x="0" y="0"/>
+          <a:chExt cx="0" cy="0"/>
+        </a:xfrm>
+      </p:grpSpPr>
+      <p:cxnSp>
+        <p:nvCxnSpPr>
+          <p:cNvPr id="25" name="直線コネクタ 24">
+            <a:extLst>
+              <a:ext uri="{FF2B5EF4-FFF2-40B4-BE49-F238E27FC236}">
+                <a16:creationId xmlns:a16="http://schemas.microsoft.com/office/drawing/2014/main" id="{5B5A090E-87C0-F648-8FDB-8E3FE3CEC90C}"/>
+              </a:ext>
+            </a:extLst>
+          </p:cNvPr>
+          <p:cNvCxnSpPr>
+            <a:cxnSpLocks/>
+          </p:cNvCxnSpPr>
+          <p:nvPr/>
+        </p:nvCxnSpPr>
+        <p:spPr>
+          <a:xfrm>
+            <a:off x="3817374" y="246240"/>
+            <a:ext cx="0" cy="6503831"/>
+          </a:xfrm>
+          <a:prstGeom prst="line">
+            <a:avLst/>
+          </a:prstGeom>
+          <a:ln w="76200">
+            <a:prstDash val="sysDot"/>
+          </a:ln>
+        </p:spPr>
+        <p:style>
+          <a:lnRef idx="1">
+            <a:schemeClr val="accent1"/>
+          </a:lnRef>
+          <a:fillRef idx="0">
+            <a:schemeClr val="accent1"/>
+          </a:fillRef>
+          <a:effectRef idx="0">
+            <a:schemeClr val="accent1"/>
+          </a:effectRef>
+          <a:fontRef idx="minor">
+            <a:schemeClr val="tx1"/>
+          </a:fontRef>
+        </p:style>
+      </p:cxnSp>
+      <p:sp>
+        <p:nvSpPr>
+          <p:cNvPr id="2" name="角丸四角形 1">
+            <a:extLst>
+              <a:ext uri="{FF2B5EF4-FFF2-40B4-BE49-F238E27FC236}">
+                <a16:creationId xmlns:a16="http://schemas.microsoft.com/office/drawing/2014/main" id="{46292C8A-6406-1F41-A4E4-873D3A010601}"/>
+              </a:ext>
+            </a:extLst>
+          </p:cNvPr>
+          <p:cNvSpPr/>
+          <p:nvPr/>
+        </p:nvSpPr>
+        <p:spPr>
+          <a:xfrm>
+            <a:off x="3169538" y="2148305"/>
+            <a:ext cx="2806418" cy="1139162"/>
+          </a:xfrm>
+          <a:prstGeom prst="roundRect">
+            <a:avLst/>
+          </a:prstGeom>
+          <a:ln w="50800">
+            <a:solidFill>
+              <a:schemeClr val="accent1">
+                <a:lumMod val="50000"/>
+              </a:schemeClr>
+            </a:solidFill>
+          </a:ln>
+        </p:spPr>
+        <p:style>
+          <a:lnRef idx="2">
+            <a:schemeClr val="dk1"/>
+          </a:lnRef>
+          <a:fillRef idx="1">
+            <a:schemeClr val="lt1"/>
+          </a:fillRef>
+          <a:effectRef idx="0">
+            <a:schemeClr val="dk1"/>
+          </a:effectRef>
+          <a:fontRef idx="minor">
+            <a:schemeClr val="dk1"/>
+          </a:fontRef>
+        </p:style>
+        <p:txBody>
+          <a:bodyPr rtlCol="0" anchor="ctr"/>
+          <a:lstStyle/>
+          <a:p>
+            <a:pPr algn="ctr"/>
+            <a:r>
+              <a:rPr kumimoji="1" lang="en-US" altLang="ja-JP" sz="2000" b="1" dirty="0"/>
+              <a:t>Teleport Proxy</a:t>
+            </a:r>
+            <a:endParaRPr kumimoji="1" lang="ja-JP" altLang="en-US" sz="2000" b="1"/>
+          </a:p>
+        </p:txBody>
+      </p:sp>
+      <p:sp>
+        <p:nvSpPr>
+          <p:cNvPr id="3" name="角丸四角形 2">
+            <a:extLst>
+              <a:ext uri="{FF2B5EF4-FFF2-40B4-BE49-F238E27FC236}">
+                <a16:creationId xmlns:a16="http://schemas.microsoft.com/office/drawing/2014/main" id="{1E9A496B-9637-CF4C-8FF3-C62EFEFD5039}"/>
+              </a:ext>
+            </a:extLst>
+          </p:cNvPr>
+          <p:cNvSpPr/>
+          <p:nvPr/>
+        </p:nvSpPr>
+        <p:spPr>
+          <a:xfrm>
+            <a:off x="8288400" y="5478387"/>
+            <a:ext cx="2039708" cy="818028"/>
+          </a:xfrm>
+          <a:prstGeom prst="roundRect">
+            <a:avLst/>
+          </a:prstGeom>
+          <a:ln w="50800">
+            <a:solidFill>
+              <a:schemeClr val="accent1">
+                <a:lumMod val="50000"/>
+              </a:schemeClr>
+            </a:solidFill>
+          </a:ln>
+        </p:spPr>
+        <p:style>
+          <a:lnRef idx="2">
+            <a:schemeClr val="accent6"/>
+          </a:lnRef>
+          <a:fillRef idx="1">
+            <a:schemeClr val="lt1"/>
+          </a:fillRef>
+          <a:effectRef idx="0">
+            <a:schemeClr val="accent6"/>
+          </a:effectRef>
+          <a:fontRef idx="minor">
+            <a:schemeClr val="dk1"/>
+          </a:fontRef>
+        </p:style>
+        <p:txBody>
+          <a:bodyPr rtlCol="0" anchor="ctr"/>
+          <a:lstStyle/>
+          <a:p>
+            <a:pPr algn="ctr"/>
+            <a:r>
+              <a:rPr kumimoji="1" lang="en-US" altLang="ja-JP" sz="2000" b="1" dirty="0"/>
+              <a:t>Teleport </a:t>
+            </a:r>
+          </a:p>
+          <a:p>
+            <a:pPr algn="ctr"/>
+            <a:r>
+              <a:rPr kumimoji="1" lang="ja-JP" altLang="en-US" sz="2000" b="1"/>
+              <a:t>認証局</a:t>
+            </a:r>
+          </a:p>
+        </p:txBody>
+      </p:sp>
+      <p:sp>
+        <p:nvSpPr>
+          <p:cNvPr id="4" name="角丸四角形 3">
+            <a:extLst>
+              <a:ext uri="{FF2B5EF4-FFF2-40B4-BE49-F238E27FC236}">
+                <a16:creationId xmlns:a16="http://schemas.microsoft.com/office/drawing/2014/main" id="{88B6F257-52B1-2E4E-BC05-F507C60AD665}"/>
+              </a:ext>
+            </a:extLst>
+          </p:cNvPr>
+          <p:cNvSpPr/>
+          <p:nvPr/>
+        </p:nvSpPr>
+        <p:spPr>
+          <a:xfrm>
+            <a:off x="8342680" y="715564"/>
+            <a:ext cx="2039708" cy="818028"/>
+          </a:xfrm>
+          <a:prstGeom prst="roundRect">
+            <a:avLst/>
+          </a:prstGeom>
+          <a:ln w="50800">
+            <a:solidFill>
+              <a:schemeClr val="accent1">
+                <a:lumMod val="50000"/>
+              </a:schemeClr>
+            </a:solidFill>
+          </a:ln>
+        </p:spPr>
+        <p:style>
+          <a:lnRef idx="2">
+            <a:schemeClr val="accent6"/>
+          </a:lnRef>
+          <a:fillRef idx="1">
+            <a:schemeClr val="lt1"/>
+          </a:fillRef>
+          <a:effectRef idx="0">
+            <a:schemeClr val="accent6"/>
+          </a:effectRef>
+          <a:fontRef idx="minor">
+            <a:schemeClr val="dk1"/>
+          </a:fontRef>
+        </p:style>
+        <p:txBody>
+          <a:bodyPr rtlCol="0" anchor="ctr"/>
+          <a:lstStyle/>
+          <a:p>
+            <a:pPr algn="ctr"/>
+            <a:r>
+              <a:rPr kumimoji="1" lang="en-US" altLang="ja-JP" sz="2000" b="1" dirty="0"/>
+              <a:t>DNS</a:t>
+            </a:r>
+          </a:p>
+          <a:p>
+            <a:pPr algn="ctr"/>
+            <a:r>
+              <a:rPr lang="en-US" altLang="ja-JP" sz="2000" b="1" dirty="0"/>
+              <a:t>Resolver</a:t>
+            </a:r>
+            <a:endParaRPr kumimoji="1" lang="ja-JP" altLang="en-US" sz="2000" b="1"/>
+          </a:p>
+        </p:txBody>
+      </p:sp>
+      <p:cxnSp>
+        <p:nvCxnSpPr>
+          <p:cNvPr id="5" name="直線矢印コネクタ 4">
+            <a:extLst>
+              <a:ext uri="{FF2B5EF4-FFF2-40B4-BE49-F238E27FC236}">
+                <a16:creationId xmlns:a16="http://schemas.microsoft.com/office/drawing/2014/main" id="{B9D4DF93-C50C-334C-9A77-8866C3BC726B}"/>
+              </a:ext>
+            </a:extLst>
+          </p:cNvPr>
+          <p:cNvCxnSpPr>
+            <a:cxnSpLocks/>
+          </p:cNvCxnSpPr>
+          <p:nvPr/>
+        </p:nvCxnSpPr>
+        <p:spPr>
+          <a:xfrm>
+            <a:off x="5905873" y="3498156"/>
+            <a:ext cx="2288694" cy="1980231"/>
+          </a:xfrm>
+          <a:prstGeom prst="straightConnector1">
+            <a:avLst/>
+          </a:prstGeom>
+          <a:ln w="66675">
+            <a:solidFill>
+              <a:schemeClr val="tx1"/>
+            </a:solidFill>
+            <a:tailEnd type="triangle"/>
+          </a:ln>
+        </p:spPr>
+        <p:style>
+          <a:lnRef idx="1">
+            <a:schemeClr val="accent1"/>
+          </a:lnRef>
+          <a:fillRef idx="0">
+            <a:schemeClr val="accent1"/>
+          </a:fillRef>
+          <a:effectRef idx="0">
+            <a:schemeClr val="accent1"/>
+          </a:effectRef>
+          <a:fontRef idx="minor">
+            <a:schemeClr val="tx1"/>
+          </a:fontRef>
+        </p:style>
+      </p:cxnSp>
+      <p:cxnSp>
+        <p:nvCxnSpPr>
+          <p:cNvPr id="7" name="直線矢印コネクタ 6">
+            <a:extLst>
+              <a:ext uri="{FF2B5EF4-FFF2-40B4-BE49-F238E27FC236}">
+                <a16:creationId xmlns:a16="http://schemas.microsoft.com/office/drawing/2014/main" id="{FCAE59D8-AF7F-7A4B-BAB8-9C81F889A186}"/>
+              </a:ext>
+            </a:extLst>
+          </p:cNvPr>
+          <p:cNvCxnSpPr>
+            <a:cxnSpLocks/>
+          </p:cNvCxnSpPr>
+          <p:nvPr/>
+        </p:nvCxnSpPr>
+        <p:spPr>
+          <a:xfrm flipV="1">
+            <a:off x="5707552" y="1299237"/>
+            <a:ext cx="2289607" cy="638379"/>
+          </a:xfrm>
+          <a:prstGeom prst="straightConnector1">
+            <a:avLst/>
+          </a:prstGeom>
+          <a:ln w="66675">
+            <a:solidFill>
+              <a:schemeClr val="tx1"/>
+            </a:solidFill>
+            <a:tailEnd type="triangle"/>
+          </a:ln>
+        </p:spPr>
+        <p:style>
+          <a:lnRef idx="1">
+            <a:schemeClr val="accent1"/>
+          </a:lnRef>
+          <a:fillRef idx="0">
+            <a:schemeClr val="accent1"/>
+          </a:fillRef>
+          <a:effectRef idx="0">
+            <a:schemeClr val="accent1"/>
+          </a:effectRef>
+          <a:fontRef idx="minor">
+            <a:schemeClr val="tx1"/>
+          </a:fontRef>
+        </p:style>
+      </p:cxnSp>
+      <p:cxnSp>
+        <p:nvCxnSpPr>
+          <p:cNvPr id="12" name="直線矢印コネクタ 11">
+            <a:extLst>
+              <a:ext uri="{FF2B5EF4-FFF2-40B4-BE49-F238E27FC236}">
+                <a16:creationId xmlns:a16="http://schemas.microsoft.com/office/drawing/2014/main" id="{E1E65573-E939-534E-96DD-A190096B870E}"/>
+              </a:ext>
+            </a:extLst>
+          </p:cNvPr>
+          <p:cNvCxnSpPr>
+            <a:cxnSpLocks/>
+          </p:cNvCxnSpPr>
+          <p:nvPr/>
+        </p:nvCxnSpPr>
+        <p:spPr>
+          <a:xfrm>
+            <a:off x="5171246" y="3498156"/>
+            <a:ext cx="2713797" cy="2389245"/>
+          </a:xfrm>
+          <a:prstGeom prst="straightConnector1">
+            <a:avLst/>
+          </a:prstGeom>
+          <a:ln w="66675">
+            <a:solidFill>
+              <a:schemeClr val="tx1"/>
+            </a:solidFill>
+            <a:tailEnd type="triangle"/>
+          </a:ln>
+        </p:spPr>
+        <p:style>
+          <a:lnRef idx="1">
+            <a:schemeClr val="accent1"/>
+          </a:lnRef>
+          <a:fillRef idx="0">
+            <a:schemeClr val="accent1"/>
+          </a:fillRef>
+          <a:effectRef idx="0">
+            <a:schemeClr val="accent1"/>
+          </a:effectRef>
+          <a:fontRef idx="minor">
+            <a:schemeClr val="tx1"/>
+          </a:fontRef>
+        </p:style>
+      </p:cxnSp>
+      <p:sp>
+        <p:nvSpPr>
+          <p:cNvPr id="20" name="テキスト ボックス 19">
+            <a:extLst>
+              <a:ext uri="{FF2B5EF4-FFF2-40B4-BE49-F238E27FC236}">
+                <a16:creationId xmlns:a16="http://schemas.microsoft.com/office/drawing/2014/main" id="{EF8E6EAB-7837-614B-B3CC-E4F946591DE8}"/>
+              </a:ext>
+            </a:extLst>
+          </p:cNvPr>
+          <p:cNvSpPr txBox="1"/>
+          <p:nvPr/>
+        </p:nvSpPr>
+        <p:spPr>
+          <a:xfrm>
+            <a:off x="6566406" y="1719795"/>
+            <a:ext cx="3360688" cy="707886"/>
+          </a:xfrm>
+          <a:prstGeom prst="rect">
+            <a:avLst/>
+          </a:prstGeom>
+          <a:noFill/>
+          <a:ln w="34925">
+            <a:solidFill>
+              <a:schemeClr val="accent6">
+                <a:lumMod val="50000"/>
+              </a:schemeClr>
+            </a:solidFill>
+          </a:ln>
+        </p:spPr>
+        <p:txBody>
+          <a:bodyPr wrap="square" rtlCol="0">
+            <a:spAutoFit/>
+          </a:bodyPr>
+          <a:lstStyle/>
+          <a:p>
+            <a:r>
+              <a:rPr lang="ja-JP" altLang="en-US" sz="2000"/>
+              <a:t>①</a:t>
+            </a:r>
+            <a:r>
+              <a:rPr kumimoji="1" lang="en-US" altLang="ja-JP" sz="2000" dirty="0"/>
+              <a:t>,DNS</a:t>
+            </a:r>
+            <a:r>
+              <a:rPr kumimoji="1" lang="ja-JP" altLang="en-US" sz="2000"/>
+              <a:t>にクライアントから</a:t>
+            </a:r>
+            <a:endParaRPr kumimoji="1" lang="en-US" altLang="ja-JP" sz="2000" dirty="0"/>
+          </a:p>
+          <a:p>
+            <a:r>
+              <a:rPr lang="ja-JP" altLang="en-US" sz="2000"/>
+              <a:t>要求された名前解決を行う</a:t>
+            </a:r>
+            <a:endParaRPr kumimoji="1" lang="en-US" altLang="ja-JP" sz="2000" dirty="0"/>
+          </a:p>
+        </p:txBody>
+      </p:sp>
+      <p:sp>
+        <p:nvSpPr>
+          <p:cNvPr id="21" name="テキスト ボックス 20">
+            <a:extLst>
+              <a:ext uri="{FF2B5EF4-FFF2-40B4-BE49-F238E27FC236}">
+                <a16:creationId xmlns:a16="http://schemas.microsoft.com/office/drawing/2014/main" id="{00E1740F-C231-E546-927C-2AC0EA5A0577}"/>
+              </a:ext>
+            </a:extLst>
+          </p:cNvPr>
+          <p:cNvSpPr txBox="1"/>
+          <p:nvPr/>
+        </p:nvSpPr>
+        <p:spPr>
+          <a:xfrm>
+            <a:off x="4133286" y="4972976"/>
+            <a:ext cx="2810547" cy="1323439"/>
+          </a:xfrm>
+          <a:prstGeom prst="rect">
+            <a:avLst/>
+          </a:prstGeom>
+          <a:noFill/>
+          <a:ln w="50800">
+            <a:solidFill>
+              <a:schemeClr val="accent6">
+                <a:lumMod val="50000"/>
+              </a:schemeClr>
+            </a:solidFill>
+          </a:ln>
+        </p:spPr>
+        <p:txBody>
+          <a:bodyPr wrap="square" rtlCol="0">
+            <a:spAutoFit/>
+          </a:bodyPr>
+          <a:lstStyle/>
+          <a:p>
+            <a:r>
+              <a:rPr lang="ja-JP" altLang="en-US" sz="2000"/>
+              <a:t>②</a:t>
+            </a:r>
+            <a:r>
+              <a:rPr lang="en-US" altLang="ja-JP" sz="2000" dirty="0"/>
+              <a:t>,</a:t>
+            </a:r>
+            <a:r>
+              <a:rPr lang="ja-JP" altLang="en-US" sz="2000"/>
+              <a:t>認証局が管理している</a:t>
+            </a:r>
+            <a:r>
+              <a:rPr lang="en-US" altLang="ja-JP" sz="2000" dirty="0"/>
+              <a:t>Node</a:t>
+            </a:r>
+            <a:r>
+              <a:rPr lang="ja-JP" altLang="en-US" sz="2000"/>
+              <a:t>に対象のものが</a:t>
+            </a:r>
+            <a:r>
+              <a:rPr kumimoji="1" lang="ja-JP" altLang="en-US" sz="2000"/>
+              <a:t>存在しているか確認する</a:t>
+            </a:r>
+          </a:p>
+        </p:txBody>
+      </p:sp>
+      <p:sp>
+        <p:nvSpPr>
+          <p:cNvPr id="24" name="テキスト ボックス 23">
+            <a:extLst>
+              <a:ext uri="{FF2B5EF4-FFF2-40B4-BE49-F238E27FC236}">
+                <a16:creationId xmlns:a16="http://schemas.microsoft.com/office/drawing/2014/main" id="{62A82659-F8A7-6B42-BE31-4C8B9546B3DF}"/>
+              </a:ext>
+            </a:extLst>
+          </p:cNvPr>
+          <p:cNvSpPr txBox="1"/>
+          <p:nvPr/>
+        </p:nvSpPr>
+        <p:spPr>
+          <a:xfrm>
+            <a:off x="4752278" y="344916"/>
+            <a:ext cx="2655498" cy="461665"/>
+          </a:xfrm>
+          <a:prstGeom prst="rect">
+            <a:avLst/>
+          </a:prstGeom>
+          <a:noFill/>
+        </p:spPr>
+        <p:txBody>
+          <a:bodyPr wrap="square" rtlCol="0">
+            <a:spAutoFit/>
+          </a:bodyPr>
+          <a:lstStyle/>
+          <a:p>
+            <a:r>
+              <a:rPr kumimoji="1" lang="ja-JP" altLang="en-US" sz="2400"/>
+              <a:t>内部ネットワーク</a:t>
+            </a:r>
+          </a:p>
+        </p:txBody>
+      </p:sp>
+      <p:sp>
+        <p:nvSpPr>
+          <p:cNvPr id="52" name="テキスト ボックス 51">
+            <a:extLst>
+              <a:ext uri="{FF2B5EF4-FFF2-40B4-BE49-F238E27FC236}">
+                <a16:creationId xmlns:a16="http://schemas.microsoft.com/office/drawing/2014/main" id="{60626EB0-8619-A345-BF60-EAF1FA8BE181}"/>
+              </a:ext>
+            </a:extLst>
+          </p:cNvPr>
+          <p:cNvSpPr txBox="1"/>
+          <p:nvPr/>
+        </p:nvSpPr>
+        <p:spPr>
+          <a:xfrm>
+            <a:off x="7101451" y="3419655"/>
+            <a:ext cx="3195243" cy="1015663"/>
+          </a:xfrm>
+          <a:prstGeom prst="rect">
+            <a:avLst/>
+          </a:prstGeom>
+          <a:noFill/>
+          <a:ln w="50800">
+            <a:solidFill>
+              <a:schemeClr val="accent6">
+                <a:lumMod val="50000"/>
+              </a:schemeClr>
+            </a:solidFill>
+          </a:ln>
+        </p:spPr>
+        <p:txBody>
+          <a:bodyPr wrap="square" rtlCol="0">
+            <a:spAutoFit/>
+          </a:bodyPr>
+          <a:lstStyle/>
+          <a:p>
+            <a:r>
+              <a:rPr lang="ja-JP" altLang="en-US" sz="2000"/>
+              <a:t>③</a:t>
+            </a:r>
+            <a:r>
+              <a:rPr kumimoji="1" lang="en-US" altLang="ja-JP" sz="2000" dirty="0"/>
+              <a:t>,</a:t>
+            </a:r>
+            <a:r>
+              <a:rPr kumimoji="1" lang="ja-JP" altLang="en-US" sz="2000"/>
+              <a:t>要求された名前と一致するノードを見つけるように</a:t>
+            </a:r>
+            <a:r>
+              <a:rPr lang="ja-JP" altLang="en-US" sz="2000"/>
+              <a:t>認証局に要求</a:t>
+            </a:r>
+            <a:endParaRPr kumimoji="1" lang="ja-JP" altLang="en-US" sz="2000"/>
+          </a:p>
+        </p:txBody>
+      </p:sp>
+      <p:sp>
+        <p:nvSpPr>
+          <p:cNvPr id="54" name="テキスト ボックス 53">
+            <a:extLst>
+              <a:ext uri="{FF2B5EF4-FFF2-40B4-BE49-F238E27FC236}">
+                <a16:creationId xmlns:a16="http://schemas.microsoft.com/office/drawing/2014/main" id="{D26E3BDE-D0EF-504B-918D-C9D2D0057B59}"/>
+              </a:ext>
+            </a:extLst>
+          </p:cNvPr>
+          <p:cNvSpPr txBox="1"/>
+          <p:nvPr/>
+        </p:nvSpPr>
+        <p:spPr>
+          <a:xfrm>
+            <a:off x="599448" y="343528"/>
+            <a:ext cx="2655498" cy="461665"/>
+          </a:xfrm>
+          <a:prstGeom prst="rect">
+            <a:avLst/>
+          </a:prstGeom>
+          <a:noFill/>
+        </p:spPr>
+        <p:txBody>
+          <a:bodyPr wrap="square" rtlCol="0">
+            <a:spAutoFit/>
+          </a:bodyPr>
+          <a:lstStyle/>
+          <a:p>
+            <a:r>
+              <a:rPr lang="ja-JP" altLang="en-US" sz="2400"/>
+              <a:t>外</a:t>
+            </a:r>
+            <a:r>
+              <a:rPr kumimoji="1" lang="ja-JP" altLang="en-US" sz="2400"/>
+              <a:t>部ネットワーク</a:t>
+            </a:r>
+          </a:p>
+        </p:txBody>
+      </p:sp>
+    </p:spTree>
+    <p:extLst>
+      <p:ext uri="{BB962C8B-B14F-4D97-AF65-F5344CB8AC3E}">
+        <p14:creationId xmlns:p14="http://schemas.microsoft.com/office/powerpoint/2010/main" val="1390782755"/>
+      </p:ext>
+    </p:extLst>
+  </p:cSld>
+  <p:clrMapOvr>
+    <a:masterClrMapping/>
+  </p:clrMapOvr>
+</p:sld>
+</file>
+
+<file path=ppt/slides/slide5.xml><?xml version="1.0" encoding="utf-8"?>
+<p:sld xmlns:a="http://schemas.openxmlformats.org/drawingml/2006/main" xmlns:r="http://schemas.openxmlformats.org/officeDocument/2006/relationships" xmlns:p="http://schemas.openxmlformats.org/presentationml/2006/main">
+  <p:cSld>
+    <p:spTree>
+      <p:nvGrpSpPr>
+        <p:cNvPr id="1" name=""/>
+        <p:cNvGrpSpPr/>
+        <p:nvPr/>
+      </p:nvGrpSpPr>
+      <p:grpSpPr>
+        <a:xfrm>
+          <a:off x="0" y="0"/>
+          <a:ext cx="0" cy="0"/>
+          <a:chOff x="0" y="0"/>
+          <a:chExt cx="0" cy="0"/>
+        </a:xfrm>
+      </p:grpSpPr>
+      <p:cxnSp>
+        <p:nvCxnSpPr>
+          <p:cNvPr id="16" name="直線コネクタ 15">
+            <a:extLst>
+              <a:ext uri="{FF2B5EF4-FFF2-40B4-BE49-F238E27FC236}">
+                <a16:creationId xmlns:a16="http://schemas.microsoft.com/office/drawing/2014/main" id="{E32E9C97-A211-0E46-BAC5-FA0BB19E54AA}"/>
+              </a:ext>
+            </a:extLst>
+          </p:cNvPr>
+          <p:cNvCxnSpPr>
+            <a:cxnSpLocks/>
+          </p:cNvCxnSpPr>
+          <p:nvPr/>
+        </p:nvCxnSpPr>
+        <p:spPr>
+          <a:xfrm>
+            <a:off x="3008992" y="113718"/>
+            <a:ext cx="0" cy="6503831"/>
+          </a:xfrm>
+          <a:prstGeom prst="line">
+            <a:avLst/>
+          </a:prstGeom>
+          <a:ln w="76200">
+            <a:prstDash val="sysDot"/>
+          </a:ln>
+        </p:spPr>
+        <p:style>
+          <a:lnRef idx="1">
+            <a:schemeClr val="accent1"/>
+          </a:lnRef>
+          <a:fillRef idx="0">
+            <a:schemeClr val="accent1"/>
+          </a:fillRef>
+          <a:effectRef idx="0">
+            <a:schemeClr val="accent1"/>
+          </a:effectRef>
+          <a:fontRef idx="minor">
+            <a:schemeClr val="tx1"/>
+          </a:fontRef>
+        </p:style>
+      </p:cxnSp>
+      <p:sp>
+        <p:nvSpPr>
+          <p:cNvPr id="2" name="角丸四角形 1">
+            <a:extLst>
+              <a:ext uri="{FF2B5EF4-FFF2-40B4-BE49-F238E27FC236}">
+                <a16:creationId xmlns:a16="http://schemas.microsoft.com/office/drawing/2014/main" id="{DB77B222-FFEE-5345-987C-EF76E4A96ACA}"/>
+              </a:ext>
+            </a:extLst>
+          </p:cNvPr>
+          <p:cNvSpPr/>
+          <p:nvPr/>
+        </p:nvSpPr>
+        <p:spPr>
+          <a:xfrm>
+            <a:off x="976055" y="1431360"/>
+            <a:ext cx="2806418" cy="1139162"/>
+          </a:xfrm>
+          <a:prstGeom prst="roundRect">
+            <a:avLst/>
+          </a:prstGeom>
+          <a:ln w="50800">
+            <a:solidFill>
+              <a:schemeClr val="accent1">
+                <a:lumMod val="50000"/>
+              </a:schemeClr>
+            </a:solidFill>
+          </a:ln>
+        </p:spPr>
+        <p:style>
+          <a:lnRef idx="2">
+            <a:schemeClr val="dk1"/>
+          </a:lnRef>
+          <a:fillRef idx="1">
+            <a:schemeClr val="lt1"/>
+          </a:fillRef>
+          <a:effectRef idx="0">
+            <a:schemeClr val="dk1"/>
+          </a:effectRef>
+          <a:fontRef idx="minor">
+            <a:schemeClr val="dk1"/>
+          </a:fontRef>
+        </p:style>
+        <p:txBody>
+          <a:bodyPr rtlCol="0" anchor="ctr"/>
+          <a:lstStyle/>
+          <a:p>
+            <a:pPr algn="ctr"/>
+            <a:r>
+              <a:rPr kumimoji="1" lang="en-US" altLang="ja-JP" sz="2000" b="1" dirty="0"/>
+              <a:t>Teleport Proxy</a:t>
+            </a:r>
+            <a:endParaRPr kumimoji="1" lang="ja-JP" altLang="en-US" sz="2000" b="1"/>
+          </a:p>
+        </p:txBody>
+      </p:sp>
+      <p:sp>
+        <p:nvSpPr>
+          <p:cNvPr id="3" name="テキスト ボックス 2">
+            <a:extLst>
+              <a:ext uri="{FF2B5EF4-FFF2-40B4-BE49-F238E27FC236}">
+                <a16:creationId xmlns:a16="http://schemas.microsoft.com/office/drawing/2014/main" id="{73DD8466-C184-704E-9228-EF449259561E}"/>
+              </a:ext>
+            </a:extLst>
+          </p:cNvPr>
+          <p:cNvSpPr txBox="1"/>
+          <p:nvPr/>
+        </p:nvSpPr>
+        <p:spPr>
+          <a:xfrm>
+            <a:off x="8425523" y="1311093"/>
+            <a:ext cx="3090616" cy="3062123"/>
+          </a:xfrm>
+          <a:prstGeom prst="rect">
+            <a:avLst/>
+          </a:prstGeom>
+          <a:noFill/>
+          <a:ln w="38100">
+            <a:solidFill>
+              <a:schemeClr val="bg1">
+                <a:lumMod val="85000"/>
+              </a:schemeClr>
+            </a:solidFill>
+          </a:ln>
+        </p:spPr>
+        <p:txBody>
+          <a:bodyPr wrap="square" rtlCol="0">
+            <a:spAutoFit/>
+          </a:bodyPr>
+          <a:lstStyle/>
+          <a:p>
+            <a:endParaRPr kumimoji="1" lang="ja-JP" altLang="en-US"/>
+          </a:p>
+        </p:txBody>
+      </p:sp>
+      <p:sp>
+        <p:nvSpPr>
+          <p:cNvPr id="4" name="角丸四角形 3">
+            <a:extLst>
+              <a:ext uri="{FF2B5EF4-FFF2-40B4-BE49-F238E27FC236}">
+                <a16:creationId xmlns:a16="http://schemas.microsoft.com/office/drawing/2014/main" id="{1CAD4760-45B5-A04D-8BC9-B372538646E4}"/>
+              </a:ext>
+            </a:extLst>
+          </p:cNvPr>
+          <p:cNvSpPr/>
+          <p:nvPr/>
+        </p:nvSpPr>
+        <p:spPr>
+          <a:xfrm>
+            <a:off x="8633370" y="1697006"/>
+            <a:ext cx="2167151" cy="846192"/>
+          </a:xfrm>
+          <a:prstGeom prst="roundRect">
+            <a:avLst/>
+          </a:prstGeom>
+          <a:ln w="50800">
+            <a:solidFill>
+              <a:schemeClr val="accent1">
+                <a:lumMod val="50000"/>
+              </a:schemeClr>
+            </a:solidFill>
+          </a:ln>
+        </p:spPr>
+        <p:style>
+          <a:lnRef idx="2">
+            <a:schemeClr val="accent6"/>
+          </a:lnRef>
+          <a:fillRef idx="1">
+            <a:schemeClr val="lt1"/>
+          </a:fillRef>
+          <a:effectRef idx="0">
+            <a:schemeClr val="accent6"/>
+          </a:effectRef>
+          <a:fontRef idx="minor">
+            <a:schemeClr val="dk1"/>
+          </a:fontRef>
+        </p:style>
+        <p:txBody>
+          <a:bodyPr rtlCol="0" anchor="ctr"/>
+          <a:lstStyle/>
+          <a:p>
+            <a:pPr algn="ctr"/>
+            <a:r>
+              <a:rPr lang="en-US" altLang="ja-JP" b="1" dirty="0"/>
+              <a:t>Teleport</a:t>
+            </a:r>
+            <a:r>
+              <a:rPr kumimoji="1" lang="ja-JP" altLang="en-US" b="1"/>
+              <a:t>ノード</a:t>
+            </a:r>
+          </a:p>
+        </p:txBody>
+      </p:sp>
+      <p:sp>
+        <p:nvSpPr>
+          <p:cNvPr id="5" name="角丸四角形 4">
+            <a:extLst>
+              <a:ext uri="{FF2B5EF4-FFF2-40B4-BE49-F238E27FC236}">
+                <a16:creationId xmlns:a16="http://schemas.microsoft.com/office/drawing/2014/main" id="{E1A4A9D2-252F-E142-8288-F65C1A81D27F}"/>
+              </a:ext>
+            </a:extLst>
+          </p:cNvPr>
+          <p:cNvSpPr/>
+          <p:nvPr/>
+        </p:nvSpPr>
+        <p:spPr>
+          <a:xfrm>
+            <a:off x="8929585" y="2346179"/>
+            <a:ext cx="2182108" cy="835943"/>
+          </a:xfrm>
+          <a:prstGeom prst="roundRect">
+            <a:avLst/>
+          </a:prstGeom>
+          <a:ln w="50800">
+            <a:solidFill>
+              <a:schemeClr val="accent1">
+                <a:lumMod val="50000"/>
+              </a:schemeClr>
+            </a:solidFill>
+          </a:ln>
+        </p:spPr>
+        <p:style>
+          <a:lnRef idx="2">
+            <a:schemeClr val="accent6"/>
+          </a:lnRef>
+          <a:fillRef idx="1">
+            <a:schemeClr val="lt1"/>
+          </a:fillRef>
+          <a:effectRef idx="0">
+            <a:schemeClr val="accent6"/>
+          </a:effectRef>
+          <a:fontRef idx="minor">
+            <a:schemeClr val="dk1"/>
+          </a:fontRef>
+        </p:style>
+        <p:txBody>
+          <a:bodyPr rtlCol="0" anchor="ctr"/>
+          <a:lstStyle/>
+          <a:p>
+            <a:pPr algn="ctr"/>
+            <a:r>
+              <a:rPr lang="en-US" altLang="ja-JP" b="1" dirty="0"/>
+              <a:t>Teleport</a:t>
+            </a:r>
+            <a:r>
+              <a:rPr kumimoji="1" lang="ja-JP" altLang="en-US" b="1"/>
+              <a:t>ノード</a:t>
+            </a:r>
+          </a:p>
+        </p:txBody>
+      </p:sp>
+      <p:sp>
+        <p:nvSpPr>
+          <p:cNvPr id="6" name="角丸四角形 5">
+            <a:extLst>
+              <a:ext uri="{FF2B5EF4-FFF2-40B4-BE49-F238E27FC236}">
+                <a16:creationId xmlns:a16="http://schemas.microsoft.com/office/drawing/2014/main" id="{08BE5386-0972-5A4F-A647-82383E57736D}"/>
+              </a:ext>
+            </a:extLst>
+          </p:cNvPr>
+          <p:cNvSpPr/>
+          <p:nvPr/>
+        </p:nvSpPr>
+        <p:spPr>
+          <a:xfrm>
+            <a:off x="9225798" y="2970804"/>
+            <a:ext cx="2182109" cy="835943"/>
+          </a:xfrm>
+          <a:prstGeom prst="roundRect">
+            <a:avLst/>
+          </a:prstGeom>
+          <a:ln w="50800">
+            <a:solidFill>
+              <a:schemeClr val="accent1">
+                <a:lumMod val="50000"/>
+              </a:schemeClr>
+            </a:solidFill>
+          </a:ln>
+        </p:spPr>
+        <p:style>
+          <a:lnRef idx="2">
+            <a:schemeClr val="accent6"/>
+          </a:lnRef>
+          <a:fillRef idx="1">
+            <a:schemeClr val="lt1"/>
+          </a:fillRef>
+          <a:effectRef idx="0">
+            <a:schemeClr val="accent6"/>
+          </a:effectRef>
+          <a:fontRef idx="minor">
+            <a:schemeClr val="dk1"/>
+          </a:fontRef>
+        </p:style>
+        <p:txBody>
+          <a:bodyPr rtlCol="0" anchor="ctr"/>
+          <a:lstStyle/>
+          <a:p>
+            <a:pPr algn="ctr"/>
+            <a:r>
+              <a:rPr lang="en-US" altLang="ja-JP" b="1" dirty="0"/>
+              <a:t>Teleport</a:t>
+            </a:r>
+            <a:r>
+              <a:rPr kumimoji="1" lang="ja-JP" altLang="en-US" b="1"/>
+              <a:t>ノード</a:t>
+            </a:r>
+          </a:p>
+        </p:txBody>
+      </p:sp>
+      <p:cxnSp>
+        <p:nvCxnSpPr>
+          <p:cNvPr id="7" name="直線矢印コネクタ 6">
+            <a:extLst>
+              <a:ext uri="{FF2B5EF4-FFF2-40B4-BE49-F238E27FC236}">
+                <a16:creationId xmlns:a16="http://schemas.microsoft.com/office/drawing/2014/main" id="{3BEDF3BF-464A-2A48-A724-9B8F407749E1}"/>
+              </a:ext>
+            </a:extLst>
+          </p:cNvPr>
+          <p:cNvCxnSpPr>
+            <a:cxnSpLocks/>
+          </p:cNvCxnSpPr>
+          <p:nvPr/>
+        </p:nvCxnSpPr>
+        <p:spPr>
+          <a:xfrm flipV="1">
+            <a:off x="4238104" y="1881671"/>
+            <a:ext cx="3806593" cy="0"/>
+          </a:xfrm>
+          <a:prstGeom prst="straightConnector1">
+            <a:avLst/>
+          </a:prstGeom>
+          <a:ln w="66675">
+            <a:solidFill>
+              <a:schemeClr val="tx1"/>
+            </a:solidFill>
+            <a:tailEnd type="triangle"/>
+          </a:ln>
+        </p:spPr>
+        <p:style>
+          <a:lnRef idx="1">
+            <a:schemeClr val="accent1"/>
+          </a:lnRef>
+          <a:fillRef idx="0">
+            <a:schemeClr val="accent1"/>
+          </a:fillRef>
+          <a:effectRef idx="0">
+            <a:schemeClr val="accent1"/>
+          </a:effectRef>
+          <a:fontRef idx="minor">
+            <a:schemeClr val="tx1"/>
+          </a:fontRef>
+        </p:style>
+      </p:cxnSp>
+      <p:sp>
+        <p:nvSpPr>
+          <p:cNvPr id="8" name="角丸四角形 7">
+            <a:extLst>
+              <a:ext uri="{FF2B5EF4-FFF2-40B4-BE49-F238E27FC236}">
+                <a16:creationId xmlns:a16="http://schemas.microsoft.com/office/drawing/2014/main" id="{67370C46-8897-F447-BB12-B014DDAA1D07}"/>
+              </a:ext>
+            </a:extLst>
+          </p:cNvPr>
+          <p:cNvSpPr/>
+          <p:nvPr/>
+        </p:nvSpPr>
+        <p:spPr>
+          <a:xfrm>
+            <a:off x="3782473" y="4432714"/>
+            <a:ext cx="2039708" cy="818028"/>
+          </a:xfrm>
+          <a:prstGeom prst="roundRect">
+            <a:avLst/>
+          </a:prstGeom>
+          <a:ln w="50800">
+            <a:solidFill>
+              <a:schemeClr val="accent1">
+                <a:lumMod val="50000"/>
+              </a:schemeClr>
+            </a:solidFill>
+          </a:ln>
+        </p:spPr>
+        <p:style>
+          <a:lnRef idx="2">
+            <a:schemeClr val="accent6"/>
+          </a:lnRef>
+          <a:fillRef idx="1">
+            <a:schemeClr val="lt1"/>
+          </a:fillRef>
+          <a:effectRef idx="0">
+            <a:schemeClr val="accent6"/>
+          </a:effectRef>
+          <a:fontRef idx="minor">
+            <a:schemeClr val="dk1"/>
+          </a:fontRef>
+        </p:style>
+        <p:txBody>
+          <a:bodyPr rtlCol="0" anchor="ctr"/>
+          <a:lstStyle/>
+          <a:p>
+            <a:pPr algn="ctr"/>
+            <a:r>
+              <a:rPr kumimoji="1" lang="en-US" altLang="ja-JP" sz="2000" b="1" dirty="0"/>
+              <a:t>Teleport </a:t>
+            </a:r>
+          </a:p>
+          <a:p>
+            <a:pPr algn="ctr"/>
+            <a:r>
+              <a:rPr kumimoji="1" lang="ja-JP" altLang="en-US" sz="2000" b="1"/>
+              <a:t>認証局</a:t>
+            </a:r>
+            <a:r>
+              <a:rPr kumimoji="1" lang="en-US" altLang="ja-JP" sz="2000" b="1" dirty="0"/>
+              <a:t>API</a:t>
+            </a:r>
+            <a:endParaRPr kumimoji="1" lang="ja-JP" altLang="en-US" sz="2000" b="1"/>
+          </a:p>
+        </p:txBody>
+      </p:sp>
+      <p:cxnSp>
+        <p:nvCxnSpPr>
+          <p:cNvPr id="9" name="直線矢印コネクタ 8">
+            <a:extLst>
+              <a:ext uri="{FF2B5EF4-FFF2-40B4-BE49-F238E27FC236}">
+                <a16:creationId xmlns:a16="http://schemas.microsoft.com/office/drawing/2014/main" id="{16E76933-C530-0341-A080-1BD9A080D701}"/>
+              </a:ext>
+            </a:extLst>
+          </p:cNvPr>
+          <p:cNvCxnSpPr>
+            <a:cxnSpLocks/>
+          </p:cNvCxnSpPr>
+          <p:nvPr/>
+        </p:nvCxnSpPr>
+        <p:spPr>
+          <a:xfrm flipH="1">
+            <a:off x="6141401" y="3132488"/>
+            <a:ext cx="1972950" cy="1257354"/>
+          </a:xfrm>
+          <a:prstGeom prst="straightConnector1">
+            <a:avLst/>
+          </a:prstGeom>
+          <a:ln w="66675">
+            <a:solidFill>
+              <a:schemeClr val="tx1"/>
+            </a:solidFill>
+            <a:tailEnd type="triangle"/>
+          </a:ln>
+        </p:spPr>
+        <p:style>
+          <a:lnRef idx="1">
+            <a:schemeClr val="accent1"/>
+          </a:lnRef>
+          <a:fillRef idx="0">
+            <a:schemeClr val="accent1"/>
+          </a:fillRef>
+          <a:effectRef idx="0">
+            <a:schemeClr val="accent1"/>
+          </a:effectRef>
+          <a:fontRef idx="minor">
+            <a:schemeClr val="tx1"/>
+          </a:fontRef>
+        </p:style>
+      </p:cxnSp>
+      <p:sp>
+        <p:nvSpPr>
+          <p:cNvPr id="12" name="メモ 11">
+            <a:extLst>
+              <a:ext uri="{FF2B5EF4-FFF2-40B4-BE49-F238E27FC236}">
+                <a16:creationId xmlns:a16="http://schemas.microsoft.com/office/drawing/2014/main" id="{6614C008-34D4-8142-8EA8-7171A89C138D}"/>
+              </a:ext>
+            </a:extLst>
+          </p:cNvPr>
+          <p:cNvSpPr/>
+          <p:nvPr/>
+        </p:nvSpPr>
+        <p:spPr>
+          <a:xfrm>
+            <a:off x="6491626" y="3806747"/>
+            <a:ext cx="1188509" cy="1034981"/>
+          </a:xfrm>
+          <a:prstGeom prst="foldedCorner">
+            <a:avLst/>
+          </a:prstGeom>
+          <a:ln w="47625">
+            <a:solidFill>
+              <a:schemeClr val="accent6">
+                <a:lumMod val="50000"/>
+              </a:schemeClr>
+            </a:solidFill>
+          </a:ln>
+        </p:spPr>
+        <p:style>
+          <a:lnRef idx="2">
+            <a:schemeClr val="accent6"/>
+          </a:lnRef>
+          <a:fillRef idx="1">
+            <a:schemeClr val="lt1"/>
+          </a:fillRef>
+          <a:effectRef idx="0">
+            <a:schemeClr val="accent6"/>
+          </a:effectRef>
+          <a:fontRef idx="minor">
+            <a:schemeClr val="dk1"/>
+          </a:fontRef>
+        </p:style>
+        <p:txBody>
+          <a:bodyPr rtlCol="0" anchor="ctr"/>
+          <a:lstStyle/>
+          <a:p>
+            <a:pPr algn="ctr"/>
+            <a:r>
+              <a:rPr lang="ja-JP" altLang="en-US" b="1">
+                <a:latin typeface="+mj-ea"/>
+                <a:ea typeface="+mj-ea"/>
+              </a:rPr>
+              <a:t>ノードの</a:t>
+            </a:r>
+            <a:endParaRPr kumimoji="1" lang="en-US" altLang="ja-JP" b="1" dirty="0">
+              <a:latin typeface="+mj-ea"/>
+              <a:ea typeface="+mj-ea"/>
+            </a:endParaRPr>
+          </a:p>
+          <a:p>
+            <a:pPr algn="ctr"/>
+            <a:r>
+              <a:rPr kumimoji="1" lang="ja-JP" altLang="en-US" b="1">
+                <a:latin typeface="+mj-ea"/>
+                <a:ea typeface="+mj-ea"/>
+              </a:rPr>
+              <a:t>証明書</a:t>
+            </a:r>
+          </a:p>
+        </p:txBody>
+      </p:sp>
+      <p:sp>
+        <p:nvSpPr>
+          <p:cNvPr id="13" name="テキスト ボックス 12">
+            <a:extLst>
+              <a:ext uri="{FF2B5EF4-FFF2-40B4-BE49-F238E27FC236}">
+                <a16:creationId xmlns:a16="http://schemas.microsoft.com/office/drawing/2014/main" id="{EDCF42ED-DC7C-DD4C-95D9-31CDE1F8A434}"/>
+              </a:ext>
+            </a:extLst>
+          </p:cNvPr>
+          <p:cNvSpPr txBox="1"/>
+          <p:nvPr/>
+        </p:nvSpPr>
+        <p:spPr>
+          <a:xfrm>
+            <a:off x="8740438" y="1697005"/>
+            <a:ext cx="1858201" cy="369332"/>
+          </a:xfrm>
+          <a:prstGeom prst="rect">
+            <a:avLst/>
+          </a:prstGeom>
+          <a:noFill/>
+        </p:spPr>
+        <p:txBody>
+          <a:bodyPr wrap="none" rtlCol="0">
+            <a:spAutoFit/>
+          </a:bodyPr>
+          <a:lstStyle/>
+          <a:p>
+            <a:r>
+              <a:rPr lang="en-US" altLang="ja-JP" dirty="0"/>
+              <a:t>10.x.x.3  ubuntu</a:t>
+            </a:r>
+            <a:endParaRPr kumimoji="1" lang="ja-JP" altLang="en-US"/>
+          </a:p>
+        </p:txBody>
+      </p:sp>
+      <p:sp>
+        <p:nvSpPr>
+          <p:cNvPr id="14" name="テキスト ボックス 13">
+            <a:extLst>
+              <a:ext uri="{FF2B5EF4-FFF2-40B4-BE49-F238E27FC236}">
+                <a16:creationId xmlns:a16="http://schemas.microsoft.com/office/drawing/2014/main" id="{FC00B5A3-0DC7-F647-B95B-05E67E241D42}"/>
+              </a:ext>
+            </a:extLst>
+          </p:cNvPr>
+          <p:cNvSpPr txBox="1"/>
+          <p:nvPr/>
+        </p:nvSpPr>
+        <p:spPr>
+          <a:xfrm>
+            <a:off x="4956313" y="1020417"/>
+            <a:ext cx="1855304" cy="646331"/>
+          </a:xfrm>
+          <a:prstGeom prst="rect">
+            <a:avLst/>
+          </a:prstGeom>
+          <a:noFill/>
+          <a:ln w="50800">
+            <a:solidFill>
+              <a:schemeClr val="accent6">
+                <a:lumMod val="50000"/>
+              </a:schemeClr>
+            </a:solidFill>
+          </a:ln>
+        </p:spPr>
+        <p:txBody>
+          <a:bodyPr wrap="square" rtlCol="0">
+            <a:spAutoFit/>
+          </a:bodyPr>
+          <a:lstStyle/>
+          <a:p>
+            <a:r>
+              <a:rPr lang="en-US" altLang="ja-JP" dirty="0"/>
+              <a:t>①</a:t>
+            </a:r>
+            <a:r>
+              <a:rPr lang="ja-JP" altLang="en-US"/>
+              <a:t>ノードに認証を要求する</a:t>
+            </a:r>
+            <a:endParaRPr kumimoji="1" lang="ja-JP" altLang="en-US"/>
+          </a:p>
+        </p:txBody>
+      </p:sp>
+      <p:sp>
+        <p:nvSpPr>
+          <p:cNvPr id="15" name="テキスト ボックス 14">
+            <a:extLst>
+              <a:ext uri="{FF2B5EF4-FFF2-40B4-BE49-F238E27FC236}">
+                <a16:creationId xmlns:a16="http://schemas.microsoft.com/office/drawing/2014/main" id="{DE801FF2-64F6-1746-898A-5E47113FD595}"/>
+              </a:ext>
+            </a:extLst>
+          </p:cNvPr>
+          <p:cNvSpPr txBox="1"/>
+          <p:nvPr/>
+        </p:nvSpPr>
+        <p:spPr>
+          <a:xfrm>
+            <a:off x="6141400" y="5389592"/>
+            <a:ext cx="2039534" cy="923330"/>
+          </a:xfrm>
+          <a:prstGeom prst="rect">
+            <a:avLst/>
+          </a:prstGeom>
+          <a:noFill/>
+          <a:ln w="50800">
+            <a:solidFill>
+              <a:schemeClr val="accent6">
+                <a:lumMod val="50000"/>
+              </a:schemeClr>
+            </a:solidFill>
+          </a:ln>
+        </p:spPr>
+        <p:txBody>
+          <a:bodyPr wrap="square" rtlCol="0">
+            <a:spAutoFit/>
+          </a:bodyPr>
+          <a:lstStyle/>
+          <a:p>
+            <a:r>
+              <a:rPr kumimoji="1" lang="ja-JP" altLang="en-US"/>
+              <a:t>②ノードは証明書を認証局に送り、検証してもらう</a:t>
+            </a:r>
+          </a:p>
+        </p:txBody>
+      </p:sp>
+      <p:sp>
+        <p:nvSpPr>
+          <p:cNvPr id="17" name="テキスト ボックス 16">
+            <a:extLst>
+              <a:ext uri="{FF2B5EF4-FFF2-40B4-BE49-F238E27FC236}">
+                <a16:creationId xmlns:a16="http://schemas.microsoft.com/office/drawing/2014/main" id="{4B095421-B97E-F742-921D-2187F865D17F}"/>
+              </a:ext>
+            </a:extLst>
+          </p:cNvPr>
+          <p:cNvSpPr txBox="1"/>
+          <p:nvPr/>
+        </p:nvSpPr>
+        <p:spPr>
+          <a:xfrm>
+            <a:off x="4314956" y="290404"/>
+            <a:ext cx="2655498" cy="461665"/>
+          </a:xfrm>
+          <a:prstGeom prst="rect">
+            <a:avLst/>
+          </a:prstGeom>
+          <a:noFill/>
+        </p:spPr>
+        <p:txBody>
+          <a:bodyPr wrap="square" rtlCol="0">
+            <a:spAutoFit/>
+          </a:bodyPr>
+          <a:lstStyle/>
+          <a:p>
+            <a:r>
+              <a:rPr kumimoji="1" lang="ja-JP" altLang="en-US" sz="2400"/>
+              <a:t>内部ネットワーク</a:t>
+            </a:r>
+          </a:p>
+        </p:txBody>
+      </p:sp>
+      <p:sp>
+        <p:nvSpPr>
+          <p:cNvPr id="18" name="テキスト ボックス 17">
+            <a:extLst>
+              <a:ext uri="{FF2B5EF4-FFF2-40B4-BE49-F238E27FC236}">
+                <a16:creationId xmlns:a16="http://schemas.microsoft.com/office/drawing/2014/main" id="{53457551-5A49-424A-A6BA-6CC6B2886A41}"/>
+              </a:ext>
+            </a:extLst>
+          </p:cNvPr>
+          <p:cNvSpPr txBox="1"/>
+          <p:nvPr/>
+        </p:nvSpPr>
+        <p:spPr>
+          <a:xfrm>
+            <a:off x="162126" y="289016"/>
+            <a:ext cx="2655498" cy="461665"/>
+          </a:xfrm>
+          <a:prstGeom prst="rect">
+            <a:avLst/>
+          </a:prstGeom>
+          <a:noFill/>
+        </p:spPr>
+        <p:txBody>
+          <a:bodyPr wrap="square" rtlCol="0">
+            <a:spAutoFit/>
+          </a:bodyPr>
+          <a:lstStyle/>
+          <a:p>
+            <a:r>
+              <a:rPr lang="ja-JP" altLang="en-US" sz="2400"/>
+              <a:t>外</a:t>
+            </a:r>
+            <a:r>
+              <a:rPr kumimoji="1" lang="ja-JP" altLang="en-US" sz="2400"/>
+              <a:t>部ネットワーク</a:t>
+            </a:r>
+          </a:p>
+        </p:txBody>
+      </p:sp>
+    </p:spTree>
+    <p:extLst>
+      <p:ext uri="{BB962C8B-B14F-4D97-AF65-F5344CB8AC3E}">
+        <p14:creationId xmlns:p14="http://schemas.microsoft.com/office/powerpoint/2010/main" val="1632173618"/>
+      </p:ext>
+    </p:extLst>
+  </p:cSld>
+  <p:clrMapOvr>
+    <a:masterClrMapping/>
+  </p:clrMapOvr>
+</p:sld>
+</file>
+
+<file path=ppt/slides/slide6.xml><?xml version="1.0" encoding="utf-8"?>
+<p:sld xmlns:a="http://schemas.openxmlformats.org/drawingml/2006/main" xmlns:r="http://schemas.openxmlformats.org/officeDocument/2006/relationships" xmlns:p="http://schemas.openxmlformats.org/presentationml/2006/main">
+  <p:cSld>
+    <p:spTree>
+      <p:nvGrpSpPr>
+        <p:cNvPr id="1" name=""/>
+        <p:cNvGrpSpPr/>
+        <p:nvPr/>
+      </p:nvGrpSpPr>
+      <p:grpSpPr>
+        <a:xfrm>
+          <a:off x="0" y="0"/>
+          <a:ext cx="0" cy="0"/>
+          <a:chOff x="0" y="0"/>
+          <a:chExt cx="0" cy="0"/>
+        </a:xfrm>
+      </p:grpSpPr>
+      <p:sp>
+        <p:nvSpPr>
+          <p:cNvPr id="2" name="角丸四角形 1">
+            <a:extLst>
+              <a:ext uri="{FF2B5EF4-FFF2-40B4-BE49-F238E27FC236}">
+                <a16:creationId xmlns:a16="http://schemas.microsoft.com/office/drawing/2014/main" id="{DB77B222-FFEE-5345-987C-EF76E4A96ACA}"/>
+              </a:ext>
+            </a:extLst>
+          </p:cNvPr>
+          <p:cNvSpPr/>
+          <p:nvPr/>
+        </p:nvSpPr>
+        <p:spPr>
+          <a:xfrm>
+            <a:off x="976055" y="1431360"/>
+            <a:ext cx="2806418" cy="1139162"/>
+          </a:xfrm>
+          <a:prstGeom prst="roundRect">
+            <a:avLst/>
+          </a:prstGeom>
+          <a:ln w="50800">
+            <a:solidFill>
+              <a:schemeClr val="accent1">
+                <a:lumMod val="50000"/>
+              </a:schemeClr>
+            </a:solidFill>
+          </a:ln>
+        </p:spPr>
+        <p:style>
+          <a:lnRef idx="2">
+            <a:schemeClr val="dk1"/>
+          </a:lnRef>
+          <a:fillRef idx="1">
+            <a:schemeClr val="lt1"/>
+          </a:fillRef>
+          <a:effectRef idx="0">
+            <a:schemeClr val="dk1"/>
+          </a:effectRef>
+          <a:fontRef idx="minor">
+            <a:schemeClr val="dk1"/>
+          </a:fontRef>
+        </p:style>
+        <p:txBody>
+          <a:bodyPr rtlCol="0" anchor="ctr"/>
+          <a:lstStyle/>
+          <a:p>
+            <a:pPr algn="ctr"/>
+            <a:r>
+              <a:rPr kumimoji="1" lang="en-US" altLang="ja-JP" sz="2000" b="1" dirty="0"/>
+              <a:t>Teleport Proxy</a:t>
+            </a:r>
+            <a:endParaRPr kumimoji="1" lang="ja-JP" altLang="en-US" sz="2000" b="1"/>
+          </a:p>
+        </p:txBody>
+      </p:sp>
+      <p:sp>
+        <p:nvSpPr>
+          <p:cNvPr id="3" name="テキスト ボックス 2">
+            <a:extLst>
+              <a:ext uri="{FF2B5EF4-FFF2-40B4-BE49-F238E27FC236}">
+                <a16:creationId xmlns:a16="http://schemas.microsoft.com/office/drawing/2014/main" id="{73DD8466-C184-704E-9228-EF449259561E}"/>
+              </a:ext>
+            </a:extLst>
+          </p:cNvPr>
+          <p:cNvSpPr txBox="1"/>
+          <p:nvPr/>
+        </p:nvSpPr>
+        <p:spPr>
+          <a:xfrm>
+            <a:off x="8425523" y="1311093"/>
+            <a:ext cx="3090616" cy="3062123"/>
+          </a:xfrm>
+          <a:prstGeom prst="rect">
+            <a:avLst/>
+          </a:prstGeom>
+          <a:noFill/>
+          <a:ln w="38100">
+            <a:solidFill>
+              <a:schemeClr val="bg1">
+                <a:lumMod val="85000"/>
+              </a:schemeClr>
+            </a:solidFill>
+          </a:ln>
+        </p:spPr>
+        <p:txBody>
+          <a:bodyPr wrap="square" rtlCol="0">
+            <a:spAutoFit/>
+          </a:bodyPr>
+          <a:lstStyle/>
+          <a:p>
+            <a:endParaRPr kumimoji="1" lang="ja-JP" altLang="en-US"/>
+          </a:p>
+        </p:txBody>
+      </p:sp>
+      <p:sp>
+        <p:nvSpPr>
+          <p:cNvPr id="4" name="角丸四角形 3">
+            <a:extLst>
+              <a:ext uri="{FF2B5EF4-FFF2-40B4-BE49-F238E27FC236}">
+                <a16:creationId xmlns:a16="http://schemas.microsoft.com/office/drawing/2014/main" id="{1CAD4760-45B5-A04D-8BC9-B372538646E4}"/>
+              </a:ext>
+            </a:extLst>
+          </p:cNvPr>
+          <p:cNvSpPr/>
+          <p:nvPr/>
+        </p:nvSpPr>
+        <p:spPr>
+          <a:xfrm>
+            <a:off x="8633370" y="1697006"/>
+            <a:ext cx="2167151" cy="846192"/>
+          </a:xfrm>
+          <a:prstGeom prst="roundRect">
+            <a:avLst/>
+          </a:prstGeom>
+          <a:ln w="50800">
+            <a:solidFill>
+              <a:schemeClr val="accent1">
+                <a:lumMod val="50000"/>
+              </a:schemeClr>
+            </a:solidFill>
+          </a:ln>
+        </p:spPr>
+        <p:style>
+          <a:lnRef idx="2">
+            <a:schemeClr val="accent6"/>
+          </a:lnRef>
+          <a:fillRef idx="1">
+            <a:schemeClr val="lt1"/>
+          </a:fillRef>
+          <a:effectRef idx="0">
+            <a:schemeClr val="accent6"/>
+          </a:effectRef>
+          <a:fontRef idx="minor">
+            <a:schemeClr val="dk1"/>
+          </a:fontRef>
+        </p:style>
+        <p:txBody>
+          <a:bodyPr rtlCol="0" anchor="ctr"/>
+          <a:lstStyle/>
+          <a:p>
+            <a:pPr algn="ctr"/>
+            <a:r>
+              <a:rPr lang="en-US" altLang="ja-JP" b="1" dirty="0"/>
+              <a:t>Teleport</a:t>
+            </a:r>
+            <a:r>
+              <a:rPr kumimoji="1" lang="ja-JP" altLang="en-US" b="1"/>
+              <a:t>ノード</a:t>
+            </a:r>
+          </a:p>
+        </p:txBody>
+      </p:sp>
+      <p:sp>
+        <p:nvSpPr>
+          <p:cNvPr id="5" name="角丸四角形 4">
+            <a:extLst>
+              <a:ext uri="{FF2B5EF4-FFF2-40B4-BE49-F238E27FC236}">
+                <a16:creationId xmlns:a16="http://schemas.microsoft.com/office/drawing/2014/main" id="{E1A4A9D2-252F-E142-8288-F65C1A81D27F}"/>
+              </a:ext>
+            </a:extLst>
+          </p:cNvPr>
+          <p:cNvSpPr/>
+          <p:nvPr/>
+        </p:nvSpPr>
+        <p:spPr>
+          <a:xfrm>
+            <a:off x="8929585" y="2346179"/>
+            <a:ext cx="2182108" cy="835943"/>
+          </a:xfrm>
+          <a:prstGeom prst="roundRect">
+            <a:avLst/>
+          </a:prstGeom>
+          <a:ln w="50800">
+            <a:solidFill>
+              <a:schemeClr val="accent1">
+                <a:lumMod val="50000"/>
+              </a:schemeClr>
+            </a:solidFill>
+          </a:ln>
+        </p:spPr>
+        <p:style>
+          <a:lnRef idx="2">
+            <a:schemeClr val="accent6"/>
+          </a:lnRef>
+          <a:fillRef idx="1">
+            <a:schemeClr val="lt1"/>
+          </a:fillRef>
+          <a:effectRef idx="0">
+            <a:schemeClr val="accent6"/>
+          </a:effectRef>
+          <a:fontRef idx="minor">
+            <a:schemeClr val="dk1"/>
+          </a:fontRef>
+        </p:style>
+        <p:txBody>
+          <a:bodyPr rtlCol="0" anchor="ctr"/>
+          <a:lstStyle/>
+          <a:p>
+            <a:pPr algn="ctr"/>
+            <a:r>
+              <a:rPr lang="en-US" altLang="ja-JP" b="1" dirty="0"/>
+              <a:t>Teleport</a:t>
+            </a:r>
+            <a:r>
+              <a:rPr kumimoji="1" lang="ja-JP" altLang="en-US" b="1"/>
+              <a:t>ノード</a:t>
+            </a:r>
+          </a:p>
+        </p:txBody>
+      </p:sp>
+      <p:sp>
+        <p:nvSpPr>
+          <p:cNvPr id="6" name="角丸四角形 5">
+            <a:extLst>
+              <a:ext uri="{FF2B5EF4-FFF2-40B4-BE49-F238E27FC236}">
+                <a16:creationId xmlns:a16="http://schemas.microsoft.com/office/drawing/2014/main" id="{08BE5386-0972-5A4F-A647-82383E57736D}"/>
+              </a:ext>
+            </a:extLst>
+          </p:cNvPr>
+          <p:cNvSpPr/>
+          <p:nvPr/>
+        </p:nvSpPr>
+        <p:spPr>
+          <a:xfrm>
+            <a:off x="9225798" y="2970804"/>
+            <a:ext cx="2182109" cy="835943"/>
+          </a:xfrm>
+          <a:prstGeom prst="roundRect">
+            <a:avLst/>
+          </a:prstGeom>
+          <a:ln w="50800">
+            <a:solidFill>
+              <a:schemeClr val="accent1">
+                <a:lumMod val="50000"/>
+              </a:schemeClr>
+            </a:solidFill>
+          </a:ln>
+        </p:spPr>
+        <p:style>
+          <a:lnRef idx="2">
+            <a:schemeClr val="accent6"/>
+          </a:lnRef>
+          <a:fillRef idx="1">
+            <a:schemeClr val="lt1"/>
+          </a:fillRef>
+          <a:effectRef idx="0">
+            <a:schemeClr val="accent6"/>
+          </a:effectRef>
+          <a:fontRef idx="minor">
+            <a:schemeClr val="dk1"/>
+          </a:fontRef>
+        </p:style>
+        <p:txBody>
+          <a:bodyPr rtlCol="0" anchor="ctr"/>
+          <a:lstStyle/>
+          <a:p>
+            <a:pPr algn="ctr"/>
+            <a:r>
+              <a:rPr lang="en-US" altLang="ja-JP" b="1" dirty="0"/>
+              <a:t>Teleport</a:t>
+            </a:r>
+            <a:r>
+              <a:rPr kumimoji="1" lang="ja-JP" altLang="en-US" b="1"/>
+              <a:t>ノード</a:t>
+            </a:r>
+          </a:p>
+        </p:txBody>
+      </p:sp>
+      <p:cxnSp>
+        <p:nvCxnSpPr>
+          <p:cNvPr id="7" name="直線矢印コネクタ 6">
+            <a:extLst>
+              <a:ext uri="{FF2B5EF4-FFF2-40B4-BE49-F238E27FC236}">
+                <a16:creationId xmlns:a16="http://schemas.microsoft.com/office/drawing/2014/main" id="{3BEDF3BF-464A-2A48-A724-9B8F407749E1}"/>
+              </a:ext>
+            </a:extLst>
+          </p:cNvPr>
+          <p:cNvCxnSpPr>
+            <a:cxnSpLocks/>
+          </p:cNvCxnSpPr>
+          <p:nvPr/>
+        </p:nvCxnSpPr>
+        <p:spPr>
+          <a:xfrm flipV="1">
+            <a:off x="4238104" y="1881671"/>
+            <a:ext cx="3806593" cy="0"/>
+          </a:xfrm>
+          <a:prstGeom prst="straightConnector1">
+            <a:avLst/>
+          </a:prstGeom>
+          <a:ln w="66675">
+            <a:solidFill>
+              <a:schemeClr val="tx1"/>
+            </a:solidFill>
+            <a:tailEnd type="triangle"/>
+          </a:ln>
+        </p:spPr>
+        <p:style>
+          <a:lnRef idx="1">
+            <a:schemeClr val="accent1"/>
+          </a:lnRef>
+          <a:fillRef idx="0">
+            <a:schemeClr val="accent1"/>
+          </a:fillRef>
+          <a:effectRef idx="0">
+            <a:schemeClr val="accent1"/>
+          </a:effectRef>
+          <a:fontRef idx="minor">
+            <a:schemeClr val="tx1"/>
+          </a:fontRef>
+        </p:style>
+      </p:cxnSp>
+      <p:sp>
+        <p:nvSpPr>
+          <p:cNvPr id="8" name="角丸四角形 7">
+            <a:extLst>
+              <a:ext uri="{FF2B5EF4-FFF2-40B4-BE49-F238E27FC236}">
+                <a16:creationId xmlns:a16="http://schemas.microsoft.com/office/drawing/2014/main" id="{67370C46-8897-F447-BB12-B014DDAA1D07}"/>
+              </a:ext>
+            </a:extLst>
+          </p:cNvPr>
+          <p:cNvSpPr/>
+          <p:nvPr/>
+        </p:nvSpPr>
+        <p:spPr>
+          <a:xfrm>
+            <a:off x="3782473" y="4432714"/>
+            <a:ext cx="2039708" cy="818028"/>
+          </a:xfrm>
+          <a:prstGeom prst="roundRect">
+            <a:avLst/>
+          </a:prstGeom>
+          <a:ln w="50800">
+            <a:solidFill>
+              <a:schemeClr val="accent1">
+                <a:lumMod val="50000"/>
+              </a:schemeClr>
+            </a:solidFill>
+          </a:ln>
+        </p:spPr>
+        <p:style>
+          <a:lnRef idx="2">
+            <a:schemeClr val="accent6"/>
+          </a:lnRef>
+          <a:fillRef idx="1">
+            <a:schemeClr val="lt1"/>
+          </a:fillRef>
+          <a:effectRef idx="0">
+            <a:schemeClr val="accent6"/>
+          </a:effectRef>
+          <a:fontRef idx="minor">
+            <a:schemeClr val="dk1"/>
+          </a:fontRef>
+        </p:style>
+        <p:txBody>
+          <a:bodyPr rtlCol="0" anchor="ctr"/>
+          <a:lstStyle/>
+          <a:p>
+            <a:pPr algn="ctr"/>
+            <a:r>
+              <a:rPr kumimoji="1" lang="en-US" altLang="ja-JP" sz="2000" b="1" dirty="0"/>
+              <a:t>Teleport </a:t>
+            </a:r>
+          </a:p>
+          <a:p>
+            <a:pPr algn="ctr"/>
+            <a:r>
+              <a:rPr kumimoji="1" lang="ja-JP" altLang="en-US" sz="2000" b="1"/>
+              <a:t>認証局</a:t>
+            </a:r>
+            <a:r>
+              <a:rPr kumimoji="1" lang="en-US" altLang="ja-JP" sz="2000" b="1" dirty="0"/>
+              <a:t>API</a:t>
+            </a:r>
+            <a:endParaRPr kumimoji="1" lang="ja-JP" altLang="en-US" sz="2000" b="1"/>
+          </a:p>
+        </p:txBody>
+      </p:sp>
+      <p:cxnSp>
+        <p:nvCxnSpPr>
+          <p:cNvPr id="9" name="直線矢印コネクタ 8">
+            <a:extLst>
+              <a:ext uri="{FF2B5EF4-FFF2-40B4-BE49-F238E27FC236}">
+                <a16:creationId xmlns:a16="http://schemas.microsoft.com/office/drawing/2014/main" id="{16E76933-C530-0341-A080-1BD9A080D701}"/>
+              </a:ext>
+            </a:extLst>
+          </p:cNvPr>
+          <p:cNvCxnSpPr>
+            <a:cxnSpLocks/>
+          </p:cNvCxnSpPr>
+          <p:nvPr/>
+        </p:nvCxnSpPr>
+        <p:spPr>
+          <a:xfrm flipH="1">
+            <a:off x="6203007" y="3915223"/>
+            <a:ext cx="2114283" cy="1034981"/>
+          </a:xfrm>
+          <a:prstGeom prst="straightConnector1">
+            <a:avLst/>
+          </a:prstGeom>
+          <a:ln w="66675">
+            <a:solidFill>
+              <a:schemeClr val="tx1"/>
+            </a:solidFill>
+            <a:tailEnd type="triangle"/>
+          </a:ln>
+        </p:spPr>
+        <p:style>
+          <a:lnRef idx="1">
+            <a:schemeClr val="accent1"/>
+          </a:lnRef>
+          <a:fillRef idx="0">
+            <a:schemeClr val="accent1"/>
+          </a:fillRef>
+          <a:effectRef idx="0">
+            <a:schemeClr val="accent1"/>
+          </a:effectRef>
+          <a:fontRef idx="minor">
+            <a:schemeClr val="tx1"/>
+          </a:fontRef>
+        </p:style>
+      </p:cxnSp>
+      <p:sp>
+        <p:nvSpPr>
+          <p:cNvPr id="13" name="テキスト ボックス 12">
+            <a:extLst>
+              <a:ext uri="{FF2B5EF4-FFF2-40B4-BE49-F238E27FC236}">
+                <a16:creationId xmlns:a16="http://schemas.microsoft.com/office/drawing/2014/main" id="{EDCF42ED-DC7C-DD4C-95D9-31CDE1F8A434}"/>
+              </a:ext>
+            </a:extLst>
+          </p:cNvPr>
+          <p:cNvSpPr txBox="1"/>
+          <p:nvPr/>
+        </p:nvSpPr>
+        <p:spPr>
+          <a:xfrm>
+            <a:off x="8740438" y="1697005"/>
+            <a:ext cx="1858201" cy="369332"/>
+          </a:xfrm>
+          <a:prstGeom prst="rect">
+            <a:avLst/>
+          </a:prstGeom>
+          <a:noFill/>
+        </p:spPr>
+        <p:txBody>
+          <a:bodyPr wrap="none" rtlCol="0">
+            <a:spAutoFit/>
+          </a:bodyPr>
+          <a:lstStyle/>
+          <a:p>
+            <a:r>
+              <a:rPr lang="en-US" altLang="ja-JP" dirty="0"/>
+              <a:t>10.x.x.3  ubuntu</a:t>
+            </a:r>
+            <a:endParaRPr kumimoji="1" lang="ja-JP" altLang="en-US"/>
+          </a:p>
+        </p:txBody>
+      </p:sp>
+      <p:sp>
+        <p:nvSpPr>
+          <p:cNvPr id="14" name="テキスト ボックス 13">
+            <a:extLst>
+              <a:ext uri="{FF2B5EF4-FFF2-40B4-BE49-F238E27FC236}">
+                <a16:creationId xmlns:a16="http://schemas.microsoft.com/office/drawing/2014/main" id="{FC00B5A3-0DC7-F647-B95B-05E67E241D42}"/>
+              </a:ext>
+            </a:extLst>
+          </p:cNvPr>
+          <p:cNvSpPr txBox="1"/>
+          <p:nvPr/>
+        </p:nvSpPr>
+        <p:spPr>
+          <a:xfrm>
+            <a:off x="4956312" y="1020417"/>
+            <a:ext cx="2054087" cy="646331"/>
+          </a:xfrm>
+          <a:prstGeom prst="rect">
+            <a:avLst/>
+          </a:prstGeom>
+          <a:noFill/>
+          <a:ln w="50800">
+            <a:solidFill>
+              <a:schemeClr val="accent6">
+                <a:lumMod val="50000"/>
+              </a:schemeClr>
+            </a:solidFill>
+          </a:ln>
+        </p:spPr>
+        <p:txBody>
+          <a:bodyPr wrap="square" rtlCol="0">
+            <a:spAutoFit/>
+          </a:bodyPr>
+          <a:lstStyle/>
+          <a:p>
+            <a:r>
+              <a:rPr lang="en-US" altLang="ja-JP" dirty="0"/>
+              <a:t>①Tom</a:t>
+            </a:r>
+            <a:r>
+              <a:rPr lang="ja-JP" altLang="en-US"/>
+              <a:t>が</a:t>
+            </a:r>
+            <a:r>
+              <a:rPr lang="en-US" altLang="ja-JP" dirty="0"/>
+              <a:t>10.x.x.3</a:t>
+            </a:r>
+            <a:r>
+              <a:rPr lang="ja-JP" altLang="en-US"/>
+              <a:t>に接続したい</a:t>
+            </a:r>
+            <a:endParaRPr kumimoji="1" lang="ja-JP" altLang="en-US"/>
+          </a:p>
+        </p:txBody>
+      </p:sp>
+      <p:sp>
+        <p:nvSpPr>
+          <p:cNvPr id="15" name="テキスト ボックス 14">
+            <a:extLst>
+              <a:ext uri="{FF2B5EF4-FFF2-40B4-BE49-F238E27FC236}">
+                <a16:creationId xmlns:a16="http://schemas.microsoft.com/office/drawing/2014/main" id="{DE801FF2-64F6-1746-898A-5E47113FD595}"/>
+              </a:ext>
+            </a:extLst>
+          </p:cNvPr>
+          <p:cNvSpPr txBox="1"/>
+          <p:nvPr/>
+        </p:nvSpPr>
+        <p:spPr>
+          <a:xfrm>
+            <a:off x="6659389" y="4717328"/>
+            <a:ext cx="3637549" cy="923330"/>
+          </a:xfrm>
+          <a:prstGeom prst="rect">
+            <a:avLst/>
+          </a:prstGeom>
+          <a:noFill/>
+          <a:ln w="50800">
+            <a:solidFill>
+              <a:schemeClr val="accent6">
+                <a:lumMod val="50000"/>
+              </a:schemeClr>
+            </a:solidFill>
+          </a:ln>
+        </p:spPr>
+        <p:txBody>
+          <a:bodyPr wrap="square" rtlCol="0">
+            <a:spAutoFit/>
+          </a:bodyPr>
+          <a:lstStyle/>
+          <a:p>
+            <a:r>
+              <a:rPr lang="ja-JP" altLang="en-US"/>
+              <a:t>③</a:t>
+            </a:r>
+            <a:r>
+              <a:rPr kumimoji="1" lang="ja-JP" altLang="en-US"/>
+              <a:t>ノードは証明書による認証後、</a:t>
+            </a:r>
+            <a:r>
+              <a:rPr kumimoji="1" lang="en-US" altLang="ja-JP" dirty="0"/>
+              <a:t>Users</a:t>
+            </a:r>
+            <a:r>
+              <a:rPr kumimoji="1" lang="ja-JP" altLang="en-US"/>
+              <a:t>のリストを見て、</a:t>
+            </a:r>
+            <a:r>
+              <a:rPr kumimoji="1" lang="ja-JP" altLang="en-US" u="sng"/>
+              <a:t>接続許可の有無</a:t>
+            </a:r>
+            <a:r>
+              <a:rPr kumimoji="1" lang="ja-JP" altLang="en-US"/>
+              <a:t>を確認する。</a:t>
+            </a:r>
+          </a:p>
+        </p:txBody>
+      </p:sp>
+      <p:cxnSp>
+        <p:nvCxnSpPr>
+          <p:cNvPr id="16" name="直線矢印コネクタ 15">
+            <a:extLst>
+              <a:ext uri="{FF2B5EF4-FFF2-40B4-BE49-F238E27FC236}">
+                <a16:creationId xmlns:a16="http://schemas.microsoft.com/office/drawing/2014/main" id="{50A95D0C-527D-6344-93E3-46ADB6D7553D}"/>
+              </a:ext>
+            </a:extLst>
+          </p:cNvPr>
+          <p:cNvCxnSpPr>
+            <a:cxnSpLocks/>
+          </p:cNvCxnSpPr>
+          <p:nvPr/>
+        </p:nvCxnSpPr>
+        <p:spPr>
+          <a:xfrm flipH="1">
+            <a:off x="5745011" y="3182122"/>
+            <a:ext cx="2276066" cy="1107164"/>
+          </a:xfrm>
+          <a:prstGeom prst="straightConnector1">
+            <a:avLst/>
+          </a:prstGeom>
+          <a:ln w="66675">
+            <a:solidFill>
+              <a:schemeClr val="tx1"/>
+            </a:solidFill>
+            <a:headEnd type="triangle"/>
+            <a:tailEnd type="none"/>
+          </a:ln>
+        </p:spPr>
+        <p:style>
+          <a:lnRef idx="1">
+            <a:schemeClr val="accent1"/>
+          </a:lnRef>
+          <a:fillRef idx="0">
+            <a:schemeClr val="accent1"/>
+          </a:fillRef>
+          <a:effectRef idx="0">
+            <a:schemeClr val="accent1"/>
+          </a:effectRef>
+          <a:fontRef idx="minor">
+            <a:schemeClr val="tx1"/>
+          </a:fontRef>
+        </p:style>
+      </p:cxnSp>
+      <p:sp>
+        <p:nvSpPr>
+          <p:cNvPr id="17" name="テキスト ボックス 16">
+            <a:extLst>
+              <a:ext uri="{FF2B5EF4-FFF2-40B4-BE49-F238E27FC236}">
+                <a16:creationId xmlns:a16="http://schemas.microsoft.com/office/drawing/2014/main" id="{A2D139B1-521A-754E-8E51-7C1D5D0772B8}"/>
+              </a:ext>
+            </a:extLst>
+          </p:cNvPr>
+          <p:cNvSpPr txBox="1"/>
+          <p:nvPr/>
+        </p:nvSpPr>
+        <p:spPr>
+          <a:xfrm>
+            <a:off x="4544171" y="3313271"/>
+            <a:ext cx="2185214" cy="646331"/>
+          </a:xfrm>
+          <a:prstGeom prst="rect">
+            <a:avLst/>
+          </a:prstGeom>
+          <a:noFill/>
+          <a:ln w="50800">
+            <a:solidFill>
+              <a:schemeClr val="accent6">
+                <a:lumMod val="50000"/>
+              </a:schemeClr>
+            </a:solidFill>
+          </a:ln>
+        </p:spPr>
+        <p:txBody>
+          <a:bodyPr wrap="none" rtlCol="0">
+            <a:spAutoFit/>
+          </a:bodyPr>
+          <a:lstStyle/>
+          <a:p>
+            <a:r>
+              <a:rPr lang="ja-JP" altLang="en-US"/>
+              <a:t>②</a:t>
+            </a:r>
+            <a:r>
+              <a:rPr lang="en-US" altLang="ja-JP" dirty="0"/>
+              <a:t>Users</a:t>
+            </a:r>
+            <a:r>
+              <a:rPr lang="ja-JP" altLang="en-US"/>
+              <a:t>のリストを</a:t>
+            </a:r>
+            <a:endParaRPr lang="en-US" altLang="ja-JP" dirty="0"/>
+          </a:p>
+          <a:p>
+            <a:r>
+              <a:rPr kumimoji="1" lang="ja-JP" altLang="en-US"/>
+              <a:t>送信する。</a:t>
+            </a:r>
+          </a:p>
+        </p:txBody>
+      </p:sp>
+      <p:sp>
+        <p:nvSpPr>
+          <p:cNvPr id="18" name="角丸四角形 17">
+            <a:extLst>
+              <a:ext uri="{FF2B5EF4-FFF2-40B4-BE49-F238E27FC236}">
+                <a16:creationId xmlns:a16="http://schemas.microsoft.com/office/drawing/2014/main" id="{D4BFA1B9-8ECC-4D4F-BEA2-4F5771B20AE7}"/>
+              </a:ext>
+            </a:extLst>
+          </p:cNvPr>
+          <p:cNvSpPr/>
+          <p:nvPr/>
+        </p:nvSpPr>
+        <p:spPr>
+          <a:xfrm>
+            <a:off x="2052123" y="5200155"/>
+            <a:ext cx="2185981" cy="1203378"/>
+          </a:xfrm>
+          <a:prstGeom prst="roundRect">
+            <a:avLst/>
+          </a:prstGeom>
+          <a:ln w="38100">
+            <a:solidFill>
+              <a:schemeClr val="tx2">
+                <a:lumMod val="40000"/>
+                <a:lumOff val="60000"/>
+              </a:schemeClr>
+            </a:solidFill>
+          </a:ln>
+        </p:spPr>
+        <p:style>
+          <a:lnRef idx="2">
+            <a:schemeClr val="accent6"/>
+          </a:lnRef>
+          <a:fillRef idx="1">
+            <a:schemeClr val="lt1"/>
+          </a:fillRef>
+          <a:effectRef idx="0">
+            <a:schemeClr val="accent6"/>
+          </a:effectRef>
+          <a:fontRef idx="minor">
+            <a:schemeClr val="dk1"/>
+          </a:fontRef>
+        </p:style>
+        <p:txBody>
+          <a:bodyPr rtlCol="0" anchor="ctr"/>
+          <a:lstStyle/>
+          <a:p>
+            <a:r>
+              <a:rPr lang="en-US" altLang="ja-JP" dirty="0"/>
+              <a:t>Users : login</a:t>
+            </a:r>
+            <a:endParaRPr kumimoji="1" lang="en-US" altLang="ja-JP" dirty="0"/>
+          </a:p>
+          <a:p>
+            <a:r>
+              <a:rPr kumimoji="1" lang="en-US" altLang="ja-JP" dirty="0"/>
+              <a:t>Tom   : root, Tom</a:t>
+            </a:r>
+          </a:p>
+          <a:p>
+            <a:r>
+              <a:rPr lang="en-US" altLang="ja-JP" dirty="0"/>
+              <a:t>Joe     : Joe</a:t>
+            </a:r>
+          </a:p>
+          <a:p>
+            <a:r>
+              <a:rPr lang="en-US" altLang="ja-JP" dirty="0"/>
+              <a:t>Mike  : root, Mike</a:t>
+            </a:r>
+            <a:endParaRPr kumimoji="1" lang="en-US" altLang="ja-JP" dirty="0"/>
+          </a:p>
+        </p:txBody>
+      </p:sp>
+      <p:sp>
+        <p:nvSpPr>
+          <p:cNvPr id="19" name="テキスト ボックス 18">
+            <a:extLst>
+              <a:ext uri="{FF2B5EF4-FFF2-40B4-BE49-F238E27FC236}">
+                <a16:creationId xmlns:a16="http://schemas.microsoft.com/office/drawing/2014/main" id="{A5977D5A-5476-2B49-914E-3704FD035636}"/>
+              </a:ext>
+            </a:extLst>
+          </p:cNvPr>
+          <p:cNvSpPr txBox="1"/>
+          <p:nvPr/>
+        </p:nvSpPr>
+        <p:spPr>
+          <a:xfrm>
+            <a:off x="2415677" y="4864376"/>
+            <a:ext cx="1186543" cy="369332"/>
+          </a:xfrm>
+          <a:prstGeom prst="rect">
+            <a:avLst/>
+          </a:prstGeom>
+          <a:noFill/>
+        </p:spPr>
+        <p:txBody>
+          <a:bodyPr wrap="none" rtlCol="0">
+            <a:spAutoFit/>
+          </a:bodyPr>
+          <a:lstStyle/>
+          <a:p>
+            <a:r>
+              <a:rPr kumimoji="1" lang="en-US" altLang="ja-JP" dirty="0"/>
+              <a:t>Users list</a:t>
+            </a:r>
+            <a:endParaRPr kumimoji="1" lang="ja-JP" altLang="en-US"/>
+          </a:p>
+        </p:txBody>
+      </p:sp>
+      <p:cxnSp>
+        <p:nvCxnSpPr>
+          <p:cNvPr id="20" name="直線コネクタ 19">
+            <a:extLst>
+              <a:ext uri="{FF2B5EF4-FFF2-40B4-BE49-F238E27FC236}">
+                <a16:creationId xmlns:a16="http://schemas.microsoft.com/office/drawing/2014/main" id="{0FD0B4B1-C3B4-6044-BC3B-F9F5549D2F70}"/>
+              </a:ext>
+            </a:extLst>
+          </p:cNvPr>
+          <p:cNvCxnSpPr>
+            <a:cxnSpLocks/>
+          </p:cNvCxnSpPr>
+          <p:nvPr/>
+        </p:nvCxnSpPr>
+        <p:spPr>
+          <a:xfrm>
+            <a:off x="1435998" y="199854"/>
+            <a:ext cx="0" cy="6503831"/>
+          </a:xfrm>
+          <a:prstGeom prst="line">
+            <a:avLst/>
+          </a:prstGeom>
+          <a:ln w="76200">
+            <a:prstDash val="sysDot"/>
+          </a:ln>
+        </p:spPr>
+        <p:style>
+          <a:lnRef idx="1">
+            <a:schemeClr val="accent1"/>
+          </a:lnRef>
+          <a:fillRef idx="0">
+            <a:schemeClr val="accent1"/>
+          </a:fillRef>
+          <a:effectRef idx="0">
+            <a:schemeClr val="accent1"/>
+          </a:effectRef>
+          <a:fontRef idx="minor">
+            <a:schemeClr val="tx1"/>
+          </a:fontRef>
+        </p:style>
+      </p:cxnSp>
+      <p:sp>
+        <p:nvSpPr>
+          <p:cNvPr id="21" name="テキスト ボックス 20">
+            <a:extLst>
+              <a:ext uri="{FF2B5EF4-FFF2-40B4-BE49-F238E27FC236}">
+                <a16:creationId xmlns:a16="http://schemas.microsoft.com/office/drawing/2014/main" id="{B8FD7C27-1E6B-0C44-AB42-4A984B65F92D}"/>
+              </a:ext>
+            </a:extLst>
+          </p:cNvPr>
+          <p:cNvSpPr txBox="1"/>
+          <p:nvPr/>
+        </p:nvSpPr>
+        <p:spPr>
+          <a:xfrm>
+            <a:off x="1662336" y="278569"/>
+            <a:ext cx="2655498" cy="461665"/>
+          </a:xfrm>
+          <a:prstGeom prst="rect">
+            <a:avLst/>
+          </a:prstGeom>
+          <a:noFill/>
+        </p:spPr>
+        <p:txBody>
+          <a:bodyPr wrap="square" rtlCol="0">
+            <a:spAutoFit/>
+          </a:bodyPr>
+          <a:lstStyle/>
+          <a:p>
+            <a:r>
+              <a:rPr kumimoji="1" lang="ja-JP" altLang="en-US" sz="2400"/>
+              <a:t>内部ネットワーク</a:t>
+            </a:r>
+          </a:p>
+        </p:txBody>
+      </p:sp>
+    </p:spTree>
+    <p:extLst>
+      <p:ext uri="{BB962C8B-B14F-4D97-AF65-F5344CB8AC3E}">
+        <p14:creationId xmlns:p14="http://schemas.microsoft.com/office/powerpoint/2010/main" val="852651854"/>
+      </p:ext>
+    </p:extLst>
+  </p:cSld>
+  <p:clrMapOvr>
+    <a:masterClrMapping/>
+  </p:clrMapOvr>
+</p:sld>
+</file>
+
+<file path=ppt/slides/slide7.xml><?xml version="1.0" encoding="utf-8"?>
+<p:sld xmlns:a="http://schemas.openxmlformats.org/drawingml/2006/main" xmlns:r="http://schemas.openxmlformats.org/officeDocument/2006/relationships" xmlns:p="http://schemas.openxmlformats.org/presentationml/2006/main">
+  <p:cSld>
+    <p:spTree>
+      <p:nvGrpSpPr>
+        <p:cNvPr id="1" name=""/>
+        <p:cNvGrpSpPr/>
+        <p:nvPr/>
+      </p:nvGrpSpPr>
+      <p:grpSpPr>
+        <a:xfrm>
+          <a:off x="0" y="0"/>
+          <a:ext cx="0" cy="0"/>
+          <a:chOff x="0" y="0"/>
+          <a:chExt cx="0" cy="0"/>
+        </a:xfrm>
+      </p:grpSpPr>
+      <p:cxnSp>
+        <p:nvCxnSpPr>
+          <p:cNvPr id="20" name="直線コネクタ 19">
+            <a:extLst>
+              <a:ext uri="{FF2B5EF4-FFF2-40B4-BE49-F238E27FC236}">
+                <a16:creationId xmlns:a16="http://schemas.microsoft.com/office/drawing/2014/main" id="{0FD0B4B1-C3B4-6044-BC3B-F9F5549D2F70}"/>
+              </a:ext>
+            </a:extLst>
+          </p:cNvPr>
+          <p:cNvCxnSpPr>
+            <a:cxnSpLocks/>
+          </p:cNvCxnSpPr>
+          <p:nvPr/>
+        </p:nvCxnSpPr>
+        <p:spPr>
+          <a:xfrm>
+            <a:off x="4321490" y="337694"/>
+            <a:ext cx="0" cy="6503831"/>
+          </a:xfrm>
+          <a:prstGeom prst="line">
+            <a:avLst/>
+          </a:prstGeom>
+          <a:ln w="76200">
+            <a:prstDash val="sysDot"/>
+          </a:ln>
+        </p:spPr>
+        <p:style>
+          <a:lnRef idx="1">
+            <a:schemeClr val="accent1"/>
+          </a:lnRef>
+          <a:fillRef idx="0">
+            <a:schemeClr val="accent1"/>
+          </a:fillRef>
+          <a:effectRef idx="0">
+            <a:schemeClr val="accent1"/>
+          </a:effectRef>
+          <a:fontRef idx="minor">
+            <a:schemeClr val="tx1"/>
+          </a:fontRef>
+        </p:style>
+      </p:cxnSp>
+      <p:sp>
+        <p:nvSpPr>
+          <p:cNvPr id="2" name="角丸四角形 1">
+            <a:extLst>
+              <a:ext uri="{FF2B5EF4-FFF2-40B4-BE49-F238E27FC236}">
+                <a16:creationId xmlns:a16="http://schemas.microsoft.com/office/drawing/2014/main" id="{DB77B222-FFEE-5345-987C-EF76E4A96ACA}"/>
+              </a:ext>
+            </a:extLst>
+          </p:cNvPr>
+          <p:cNvSpPr/>
+          <p:nvPr/>
+        </p:nvSpPr>
+        <p:spPr>
+          <a:xfrm>
+            <a:off x="2918281" y="1312090"/>
+            <a:ext cx="2806418" cy="1139162"/>
+          </a:xfrm>
+          <a:prstGeom prst="roundRect">
+            <a:avLst/>
+          </a:prstGeom>
+          <a:ln w="50800">
+            <a:solidFill>
+              <a:schemeClr val="accent1">
+                <a:lumMod val="50000"/>
+              </a:schemeClr>
+            </a:solidFill>
+          </a:ln>
+        </p:spPr>
+        <p:style>
+          <a:lnRef idx="2">
+            <a:schemeClr val="dk1"/>
+          </a:lnRef>
+          <a:fillRef idx="1">
+            <a:schemeClr val="lt1"/>
+          </a:fillRef>
+          <a:effectRef idx="0">
+            <a:schemeClr val="dk1"/>
+          </a:effectRef>
+          <a:fontRef idx="minor">
+            <a:schemeClr val="dk1"/>
+          </a:fontRef>
+        </p:style>
+        <p:txBody>
+          <a:bodyPr rtlCol="0" anchor="ctr"/>
+          <a:lstStyle/>
+          <a:p>
+            <a:pPr algn="ctr"/>
+            <a:r>
+              <a:rPr kumimoji="1" lang="en-US" altLang="ja-JP" sz="2000" b="1" dirty="0"/>
+              <a:t>Teleport Proxy</a:t>
+            </a:r>
+            <a:endParaRPr kumimoji="1" lang="ja-JP" altLang="en-US" sz="2000" b="1"/>
+          </a:p>
+        </p:txBody>
+      </p:sp>
+      <p:sp>
+        <p:nvSpPr>
+          <p:cNvPr id="3" name="テキスト ボックス 2">
+            <a:extLst>
+              <a:ext uri="{FF2B5EF4-FFF2-40B4-BE49-F238E27FC236}">
+                <a16:creationId xmlns:a16="http://schemas.microsoft.com/office/drawing/2014/main" id="{73DD8466-C184-704E-9228-EF449259561E}"/>
+              </a:ext>
+            </a:extLst>
+          </p:cNvPr>
+          <p:cNvSpPr txBox="1"/>
+          <p:nvPr/>
+        </p:nvSpPr>
+        <p:spPr>
+          <a:xfrm>
+            <a:off x="8968855" y="1311093"/>
+            <a:ext cx="3090616" cy="3062123"/>
+          </a:xfrm>
+          <a:prstGeom prst="rect">
+            <a:avLst/>
+          </a:prstGeom>
+          <a:noFill/>
+          <a:ln w="38100">
+            <a:solidFill>
+              <a:schemeClr val="bg1">
+                <a:lumMod val="85000"/>
+              </a:schemeClr>
+            </a:solidFill>
+          </a:ln>
+        </p:spPr>
+        <p:txBody>
+          <a:bodyPr wrap="square" rtlCol="0">
+            <a:spAutoFit/>
+          </a:bodyPr>
+          <a:lstStyle/>
+          <a:p>
+            <a:endParaRPr kumimoji="1" lang="ja-JP" altLang="en-US"/>
+          </a:p>
+        </p:txBody>
+      </p:sp>
+      <p:sp>
+        <p:nvSpPr>
+          <p:cNvPr id="4" name="角丸四角形 3">
+            <a:extLst>
+              <a:ext uri="{FF2B5EF4-FFF2-40B4-BE49-F238E27FC236}">
+                <a16:creationId xmlns:a16="http://schemas.microsoft.com/office/drawing/2014/main" id="{1CAD4760-45B5-A04D-8BC9-B372538646E4}"/>
+              </a:ext>
+            </a:extLst>
+          </p:cNvPr>
+          <p:cNvSpPr/>
+          <p:nvPr/>
+        </p:nvSpPr>
+        <p:spPr>
+          <a:xfrm>
+            <a:off x="9176702" y="1697006"/>
+            <a:ext cx="2167151" cy="846192"/>
+          </a:xfrm>
+          <a:prstGeom prst="roundRect">
+            <a:avLst/>
+          </a:prstGeom>
+          <a:ln w="50800">
+            <a:solidFill>
+              <a:schemeClr val="accent1">
+                <a:lumMod val="50000"/>
+              </a:schemeClr>
+            </a:solidFill>
+          </a:ln>
+        </p:spPr>
+        <p:style>
+          <a:lnRef idx="2">
+            <a:schemeClr val="accent6"/>
+          </a:lnRef>
+          <a:fillRef idx="1">
+            <a:schemeClr val="lt1"/>
+          </a:fillRef>
+          <a:effectRef idx="0">
+            <a:schemeClr val="accent6"/>
+          </a:effectRef>
+          <a:fontRef idx="minor">
+            <a:schemeClr val="dk1"/>
+          </a:fontRef>
+        </p:style>
+        <p:txBody>
+          <a:bodyPr rtlCol="0" anchor="ctr"/>
+          <a:lstStyle/>
+          <a:p>
+            <a:pPr algn="ctr"/>
+            <a:r>
+              <a:rPr lang="en-US" altLang="ja-JP" b="1" dirty="0"/>
+              <a:t>Teleport</a:t>
+            </a:r>
+            <a:r>
+              <a:rPr kumimoji="1" lang="ja-JP" altLang="en-US" b="1"/>
+              <a:t>ノード</a:t>
+            </a:r>
+          </a:p>
+        </p:txBody>
+      </p:sp>
+      <p:sp>
+        <p:nvSpPr>
+          <p:cNvPr id="5" name="角丸四角形 4">
+            <a:extLst>
+              <a:ext uri="{FF2B5EF4-FFF2-40B4-BE49-F238E27FC236}">
+                <a16:creationId xmlns:a16="http://schemas.microsoft.com/office/drawing/2014/main" id="{E1A4A9D2-252F-E142-8288-F65C1A81D27F}"/>
+              </a:ext>
+            </a:extLst>
+          </p:cNvPr>
+          <p:cNvSpPr/>
+          <p:nvPr/>
+        </p:nvSpPr>
+        <p:spPr>
+          <a:xfrm>
+            <a:off x="9472917" y="2346179"/>
+            <a:ext cx="2182108" cy="835943"/>
+          </a:xfrm>
+          <a:prstGeom prst="roundRect">
+            <a:avLst/>
+          </a:prstGeom>
+          <a:ln w="50800">
+            <a:solidFill>
+              <a:schemeClr val="accent1">
+                <a:lumMod val="50000"/>
+              </a:schemeClr>
+            </a:solidFill>
+          </a:ln>
+        </p:spPr>
+        <p:style>
+          <a:lnRef idx="2">
+            <a:schemeClr val="accent6"/>
+          </a:lnRef>
+          <a:fillRef idx="1">
+            <a:schemeClr val="lt1"/>
+          </a:fillRef>
+          <a:effectRef idx="0">
+            <a:schemeClr val="accent6"/>
+          </a:effectRef>
+          <a:fontRef idx="minor">
+            <a:schemeClr val="dk1"/>
+          </a:fontRef>
+        </p:style>
+        <p:txBody>
+          <a:bodyPr rtlCol="0" anchor="ctr"/>
+          <a:lstStyle/>
+          <a:p>
+            <a:pPr algn="ctr"/>
+            <a:r>
+              <a:rPr lang="en-US" altLang="ja-JP" b="1" dirty="0"/>
+              <a:t>Teleport</a:t>
+            </a:r>
+            <a:r>
+              <a:rPr kumimoji="1" lang="ja-JP" altLang="en-US" b="1"/>
+              <a:t>ノード</a:t>
+            </a:r>
+          </a:p>
+        </p:txBody>
+      </p:sp>
+      <p:sp>
+        <p:nvSpPr>
+          <p:cNvPr id="6" name="角丸四角形 5">
+            <a:extLst>
+              <a:ext uri="{FF2B5EF4-FFF2-40B4-BE49-F238E27FC236}">
+                <a16:creationId xmlns:a16="http://schemas.microsoft.com/office/drawing/2014/main" id="{08BE5386-0972-5A4F-A647-82383E57736D}"/>
+              </a:ext>
+            </a:extLst>
+          </p:cNvPr>
+          <p:cNvSpPr/>
+          <p:nvPr/>
+        </p:nvSpPr>
+        <p:spPr>
+          <a:xfrm>
+            <a:off x="9769130" y="2970804"/>
+            <a:ext cx="2182109" cy="835943"/>
+          </a:xfrm>
+          <a:prstGeom prst="roundRect">
+            <a:avLst/>
+          </a:prstGeom>
+          <a:ln w="50800">
+            <a:solidFill>
+              <a:schemeClr val="accent1">
+                <a:lumMod val="50000"/>
+              </a:schemeClr>
+            </a:solidFill>
+          </a:ln>
+        </p:spPr>
+        <p:style>
+          <a:lnRef idx="2">
+            <a:schemeClr val="accent6"/>
+          </a:lnRef>
+          <a:fillRef idx="1">
+            <a:schemeClr val="lt1"/>
+          </a:fillRef>
+          <a:effectRef idx="0">
+            <a:schemeClr val="accent6"/>
+          </a:effectRef>
+          <a:fontRef idx="minor">
+            <a:schemeClr val="dk1"/>
+          </a:fontRef>
+        </p:style>
+        <p:txBody>
+          <a:bodyPr rtlCol="0" anchor="ctr"/>
+          <a:lstStyle/>
+          <a:p>
+            <a:pPr algn="ctr"/>
+            <a:r>
+              <a:rPr lang="en-US" altLang="ja-JP" b="1" dirty="0"/>
+              <a:t>Teleport</a:t>
+            </a:r>
+            <a:r>
+              <a:rPr kumimoji="1" lang="ja-JP" altLang="en-US" b="1"/>
+              <a:t>ノード</a:t>
+            </a:r>
+          </a:p>
+        </p:txBody>
+      </p:sp>
+      <p:cxnSp>
+        <p:nvCxnSpPr>
+          <p:cNvPr id="7" name="直線矢印コネクタ 6">
+            <a:extLst>
+              <a:ext uri="{FF2B5EF4-FFF2-40B4-BE49-F238E27FC236}">
+                <a16:creationId xmlns:a16="http://schemas.microsoft.com/office/drawing/2014/main" id="{3BEDF3BF-464A-2A48-A724-9B8F407749E1}"/>
+              </a:ext>
+            </a:extLst>
+          </p:cNvPr>
+          <p:cNvCxnSpPr>
+            <a:cxnSpLocks/>
+          </p:cNvCxnSpPr>
+          <p:nvPr/>
+        </p:nvCxnSpPr>
+        <p:spPr>
+          <a:xfrm>
+            <a:off x="5976730" y="1643134"/>
+            <a:ext cx="2883893" cy="4337"/>
+          </a:xfrm>
+          <a:prstGeom prst="straightConnector1">
+            <a:avLst/>
+          </a:prstGeom>
+          <a:ln w="66675">
+            <a:solidFill>
+              <a:schemeClr val="tx1"/>
+            </a:solidFill>
+            <a:tailEnd type="triangle"/>
+          </a:ln>
+        </p:spPr>
+        <p:style>
+          <a:lnRef idx="1">
+            <a:schemeClr val="accent1"/>
+          </a:lnRef>
+          <a:fillRef idx="0">
+            <a:schemeClr val="accent1"/>
+          </a:fillRef>
+          <a:effectRef idx="0">
+            <a:schemeClr val="accent1"/>
+          </a:effectRef>
+          <a:fontRef idx="minor">
+            <a:schemeClr val="tx1"/>
+          </a:fontRef>
+        </p:style>
+      </p:cxnSp>
+      <p:sp>
+        <p:nvSpPr>
+          <p:cNvPr id="8" name="角丸四角形 7">
+            <a:extLst>
+              <a:ext uri="{FF2B5EF4-FFF2-40B4-BE49-F238E27FC236}">
+                <a16:creationId xmlns:a16="http://schemas.microsoft.com/office/drawing/2014/main" id="{67370C46-8897-F447-BB12-B014DDAA1D07}"/>
+              </a:ext>
+            </a:extLst>
+          </p:cNvPr>
+          <p:cNvSpPr/>
+          <p:nvPr/>
+        </p:nvSpPr>
+        <p:spPr>
+          <a:xfrm>
+            <a:off x="5776860" y="4368422"/>
+            <a:ext cx="2039708" cy="818028"/>
+          </a:xfrm>
+          <a:prstGeom prst="roundRect">
+            <a:avLst/>
+          </a:prstGeom>
+          <a:ln w="50800">
+            <a:solidFill>
+              <a:schemeClr val="accent1">
+                <a:lumMod val="50000"/>
+              </a:schemeClr>
+            </a:solidFill>
+          </a:ln>
+        </p:spPr>
+        <p:style>
+          <a:lnRef idx="2">
+            <a:schemeClr val="accent6"/>
+          </a:lnRef>
+          <a:fillRef idx="1">
+            <a:schemeClr val="lt1"/>
+          </a:fillRef>
+          <a:effectRef idx="0">
+            <a:schemeClr val="accent6"/>
+          </a:effectRef>
+          <a:fontRef idx="minor">
+            <a:schemeClr val="dk1"/>
+          </a:fontRef>
+        </p:style>
+        <p:txBody>
+          <a:bodyPr rtlCol="0" anchor="ctr"/>
+          <a:lstStyle/>
+          <a:p>
+            <a:pPr algn="ctr"/>
+            <a:r>
+              <a:rPr kumimoji="1" lang="en-US" altLang="ja-JP" sz="2000" b="1" dirty="0"/>
+              <a:t>Teleport </a:t>
+            </a:r>
+          </a:p>
+          <a:p>
+            <a:pPr algn="ctr"/>
+            <a:r>
+              <a:rPr kumimoji="1" lang="ja-JP" altLang="en-US" sz="2000" b="1"/>
+              <a:t>認証局</a:t>
+            </a:r>
+            <a:r>
+              <a:rPr kumimoji="1" lang="en-US" altLang="ja-JP" sz="2000" b="1" dirty="0"/>
+              <a:t>API</a:t>
+            </a:r>
+            <a:endParaRPr kumimoji="1" lang="ja-JP" altLang="en-US" sz="2000" b="1"/>
+          </a:p>
+        </p:txBody>
+      </p:sp>
+      <p:cxnSp>
+        <p:nvCxnSpPr>
+          <p:cNvPr id="9" name="直線矢印コネクタ 8">
+            <a:extLst>
+              <a:ext uri="{FF2B5EF4-FFF2-40B4-BE49-F238E27FC236}">
+                <a16:creationId xmlns:a16="http://schemas.microsoft.com/office/drawing/2014/main" id="{16E76933-C530-0341-A080-1BD9A080D701}"/>
+              </a:ext>
+            </a:extLst>
+          </p:cNvPr>
+          <p:cNvCxnSpPr>
+            <a:cxnSpLocks/>
+          </p:cNvCxnSpPr>
+          <p:nvPr/>
+        </p:nvCxnSpPr>
+        <p:spPr>
+          <a:xfrm flipH="1">
+            <a:off x="7978916" y="3657214"/>
+            <a:ext cx="935823" cy="906398"/>
+          </a:xfrm>
+          <a:prstGeom prst="straightConnector1">
+            <a:avLst/>
+          </a:prstGeom>
+          <a:ln w="66675">
+            <a:solidFill>
+              <a:schemeClr val="tx1"/>
+            </a:solidFill>
+            <a:tailEnd type="triangle"/>
+          </a:ln>
+        </p:spPr>
+        <p:style>
+          <a:lnRef idx="1">
+            <a:schemeClr val="accent1"/>
+          </a:lnRef>
+          <a:fillRef idx="0">
+            <a:schemeClr val="accent1"/>
+          </a:fillRef>
+          <a:effectRef idx="0">
+            <a:schemeClr val="accent1"/>
+          </a:effectRef>
+          <a:fontRef idx="minor">
+            <a:schemeClr val="tx1"/>
+          </a:fontRef>
+        </p:style>
+      </p:cxnSp>
+      <p:sp>
+        <p:nvSpPr>
+          <p:cNvPr id="13" name="テキスト ボックス 12">
+            <a:extLst>
+              <a:ext uri="{FF2B5EF4-FFF2-40B4-BE49-F238E27FC236}">
+                <a16:creationId xmlns:a16="http://schemas.microsoft.com/office/drawing/2014/main" id="{EDCF42ED-DC7C-DD4C-95D9-31CDE1F8A434}"/>
+              </a:ext>
+            </a:extLst>
+          </p:cNvPr>
+          <p:cNvSpPr txBox="1"/>
+          <p:nvPr/>
+        </p:nvSpPr>
+        <p:spPr>
+          <a:xfrm>
+            <a:off x="9283770" y="1697005"/>
+            <a:ext cx="1858201" cy="369332"/>
+          </a:xfrm>
+          <a:prstGeom prst="rect">
+            <a:avLst/>
+          </a:prstGeom>
+          <a:noFill/>
+        </p:spPr>
+        <p:txBody>
+          <a:bodyPr wrap="none" rtlCol="0">
+            <a:spAutoFit/>
+          </a:bodyPr>
+          <a:lstStyle/>
+          <a:p>
+            <a:r>
+              <a:rPr lang="en-US" altLang="ja-JP" dirty="0"/>
+              <a:t>10.x.x.3  ubuntu</a:t>
+            </a:r>
+            <a:endParaRPr kumimoji="1" lang="ja-JP" altLang="en-US"/>
+          </a:p>
+        </p:txBody>
+      </p:sp>
+      <p:sp>
+        <p:nvSpPr>
+          <p:cNvPr id="14" name="テキスト ボックス 13">
+            <a:extLst>
+              <a:ext uri="{FF2B5EF4-FFF2-40B4-BE49-F238E27FC236}">
+                <a16:creationId xmlns:a16="http://schemas.microsoft.com/office/drawing/2014/main" id="{FC00B5A3-0DC7-F647-B95B-05E67E241D42}"/>
+              </a:ext>
+            </a:extLst>
+          </p:cNvPr>
+          <p:cNvSpPr txBox="1"/>
+          <p:nvPr/>
+        </p:nvSpPr>
+        <p:spPr>
+          <a:xfrm>
+            <a:off x="6365513" y="812137"/>
+            <a:ext cx="2054087" cy="646331"/>
+          </a:xfrm>
+          <a:prstGeom prst="rect">
+            <a:avLst/>
+          </a:prstGeom>
+          <a:noFill/>
+          <a:ln w="50800">
+            <a:solidFill>
+              <a:schemeClr val="accent6">
+                <a:lumMod val="50000"/>
+              </a:schemeClr>
+            </a:solidFill>
+          </a:ln>
+        </p:spPr>
+        <p:txBody>
+          <a:bodyPr wrap="square" rtlCol="0">
+            <a:spAutoFit/>
+          </a:bodyPr>
+          <a:lstStyle/>
+          <a:p>
+            <a:r>
+              <a:rPr lang="en-US" altLang="ja-JP" dirty="0"/>
+              <a:t>①Tom</a:t>
+            </a:r>
+            <a:r>
+              <a:rPr lang="ja-JP" altLang="en-US"/>
+              <a:t>が</a:t>
+            </a:r>
+            <a:r>
+              <a:rPr lang="en-US" altLang="ja-JP" dirty="0"/>
+              <a:t>10.x.x.3</a:t>
+            </a:r>
+            <a:r>
+              <a:rPr lang="ja-JP" altLang="en-US"/>
+              <a:t>に接続したい</a:t>
+            </a:r>
+            <a:endParaRPr kumimoji="1" lang="ja-JP" altLang="en-US"/>
+          </a:p>
+        </p:txBody>
+      </p:sp>
+      <p:sp>
+        <p:nvSpPr>
+          <p:cNvPr id="15" name="テキスト ボックス 14">
+            <a:extLst>
+              <a:ext uri="{FF2B5EF4-FFF2-40B4-BE49-F238E27FC236}">
+                <a16:creationId xmlns:a16="http://schemas.microsoft.com/office/drawing/2014/main" id="{DE801FF2-64F6-1746-898A-5E47113FD595}"/>
+              </a:ext>
+            </a:extLst>
+          </p:cNvPr>
+          <p:cNvSpPr txBox="1"/>
+          <p:nvPr/>
+        </p:nvSpPr>
+        <p:spPr>
+          <a:xfrm>
+            <a:off x="8510435" y="4754008"/>
+            <a:ext cx="2741012" cy="923330"/>
+          </a:xfrm>
+          <a:prstGeom prst="rect">
+            <a:avLst/>
+          </a:prstGeom>
+          <a:noFill/>
+          <a:ln w="50800">
+            <a:solidFill>
+              <a:schemeClr val="accent6">
+                <a:lumMod val="50000"/>
+              </a:schemeClr>
+            </a:solidFill>
+          </a:ln>
+        </p:spPr>
+        <p:txBody>
+          <a:bodyPr wrap="square" rtlCol="0">
+            <a:spAutoFit/>
+          </a:bodyPr>
+          <a:lstStyle/>
+          <a:p>
+            <a:r>
+              <a:rPr lang="ja-JP" altLang="en-US"/>
+              <a:t>②</a:t>
+            </a:r>
+            <a:r>
+              <a:rPr lang="en-US" altLang="ja-JP" dirty="0"/>
+              <a:t>Users list</a:t>
+            </a:r>
+            <a:r>
+              <a:rPr lang="ja-JP" altLang="en-US"/>
+              <a:t>をみて、</a:t>
+            </a:r>
+            <a:r>
+              <a:rPr lang="en-US" altLang="ja-JP" dirty="0"/>
+              <a:t>Tom</a:t>
+            </a:r>
+            <a:r>
+              <a:rPr lang="ja-JP" altLang="en-US"/>
+              <a:t>は</a:t>
+            </a:r>
+            <a:r>
+              <a:rPr lang="en-US" altLang="ja-JP" dirty="0"/>
+              <a:t>”root”</a:t>
+            </a:r>
+            <a:r>
+              <a:rPr lang="ja-JP" altLang="en-US"/>
+              <a:t>や</a:t>
+            </a:r>
+            <a:r>
+              <a:rPr lang="en-US" altLang="ja-JP" dirty="0"/>
+              <a:t>”Tom”</a:t>
+            </a:r>
+            <a:r>
+              <a:rPr lang="ja-JP" altLang="en-US"/>
+              <a:t>として、アクセスできるよ</a:t>
+            </a:r>
+            <a:endParaRPr lang="en-US" altLang="ja-JP" dirty="0"/>
+          </a:p>
+        </p:txBody>
+      </p:sp>
+      <p:sp>
+        <p:nvSpPr>
+          <p:cNvPr id="17" name="テキスト ボックス 16">
+            <a:extLst>
+              <a:ext uri="{FF2B5EF4-FFF2-40B4-BE49-F238E27FC236}">
+                <a16:creationId xmlns:a16="http://schemas.microsoft.com/office/drawing/2014/main" id="{A2D139B1-521A-754E-8E51-7C1D5D0772B8}"/>
+              </a:ext>
+            </a:extLst>
+          </p:cNvPr>
+          <p:cNvSpPr txBox="1"/>
+          <p:nvPr/>
+        </p:nvSpPr>
+        <p:spPr>
+          <a:xfrm>
+            <a:off x="6334366" y="2450033"/>
+            <a:ext cx="2234351" cy="923330"/>
+          </a:xfrm>
+          <a:prstGeom prst="rect">
+            <a:avLst/>
+          </a:prstGeom>
+          <a:noFill/>
+          <a:ln w="50800">
+            <a:solidFill>
+              <a:schemeClr val="accent1">
+                <a:lumMod val="75000"/>
+              </a:schemeClr>
+            </a:solidFill>
+          </a:ln>
+        </p:spPr>
+        <p:txBody>
+          <a:bodyPr wrap="square" rtlCol="0">
+            <a:spAutoFit/>
+          </a:bodyPr>
+          <a:lstStyle/>
+          <a:p>
+            <a:r>
+              <a:rPr kumimoji="1" lang="ja-JP" altLang="en-US"/>
+              <a:t>③</a:t>
+            </a:r>
+            <a:r>
+              <a:rPr kumimoji="1" lang="en-US" altLang="ja-JP" dirty="0"/>
+              <a:t>Proxy</a:t>
+            </a:r>
+            <a:r>
+              <a:rPr kumimoji="1" lang="ja-JP" altLang="en-US"/>
+              <a:t>は</a:t>
+            </a:r>
+            <a:r>
+              <a:rPr kumimoji="1" lang="en-US" altLang="ja-JP" dirty="0"/>
+              <a:t>10.x.x.3</a:t>
+            </a:r>
+            <a:r>
+              <a:rPr kumimoji="1" lang="ja-JP" altLang="en-US"/>
+              <a:t>への</a:t>
+            </a:r>
+            <a:r>
+              <a:rPr kumimoji="1" lang="en-US" altLang="ja-JP" dirty="0"/>
+              <a:t>SSH </a:t>
+            </a:r>
+            <a:r>
+              <a:rPr lang="ja-JP" altLang="en-US"/>
+              <a:t>トンネルを作成する</a:t>
+            </a:r>
+            <a:r>
+              <a:rPr kumimoji="1" lang="ja-JP" altLang="en-US"/>
+              <a:t>。</a:t>
+            </a:r>
+          </a:p>
+        </p:txBody>
+      </p:sp>
+      <p:sp>
+        <p:nvSpPr>
+          <p:cNvPr id="18" name="角丸四角形 17">
+            <a:extLst>
+              <a:ext uri="{FF2B5EF4-FFF2-40B4-BE49-F238E27FC236}">
+                <a16:creationId xmlns:a16="http://schemas.microsoft.com/office/drawing/2014/main" id="{D4BFA1B9-8ECC-4D4F-BEA2-4F5771B20AE7}"/>
+              </a:ext>
+            </a:extLst>
+          </p:cNvPr>
+          <p:cNvSpPr/>
+          <p:nvPr/>
+        </p:nvSpPr>
+        <p:spPr>
+          <a:xfrm>
+            <a:off x="5322972" y="5419431"/>
+            <a:ext cx="2185981" cy="1203378"/>
+          </a:xfrm>
+          <a:prstGeom prst="roundRect">
+            <a:avLst/>
+          </a:prstGeom>
+          <a:ln w="38100">
+            <a:solidFill>
+              <a:schemeClr val="tx2">
+                <a:lumMod val="40000"/>
+                <a:lumOff val="60000"/>
+              </a:schemeClr>
+            </a:solidFill>
+          </a:ln>
+        </p:spPr>
+        <p:style>
+          <a:lnRef idx="2">
+            <a:schemeClr val="accent6"/>
+          </a:lnRef>
+          <a:fillRef idx="1">
+            <a:schemeClr val="lt1"/>
+          </a:fillRef>
+          <a:effectRef idx="0">
+            <a:schemeClr val="accent6"/>
+          </a:effectRef>
+          <a:fontRef idx="minor">
+            <a:schemeClr val="dk1"/>
+          </a:fontRef>
+        </p:style>
+        <p:txBody>
+          <a:bodyPr rtlCol="0" anchor="ctr"/>
+          <a:lstStyle/>
+          <a:p>
+            <a:r>
+              <a:rPr lang="en-US" altLang="ja-JP" dirty="0"/>
+              <a:t>Users : login</a:t>
+            </a:r>
+            <a:endParaRPr kumimoji="1" lang="en-US" altLang="ja-JP" dirty="0"/>
+          </a:p>
+          <a:p>
+            <a:r>
+              <a:rPr kumimoji="1" lang="en-US" altLang="ja-JP" dirty="0"/>
+              <a:t>Tom   : root, Tom</a:t>
+            </a:r>
+          </a:p>
+          <a:p>
+            <a:r>
+              <a:rPr lang="en-US" altLang="ja-JP" dirty="0"/>
+              <a:t>Joe     : Joe</a:t>
+            </a:r>
+          </a:p>
+          <a:p>
+            <a:r>
+              <a:rPr lang="en-US" altLang="ja-JP" dirty="0"/>
+              <a:t>Mike  : root, Mike</a:t>
+            </a:r>
+            <a:endParaRPr kumimoji="1" lang="en-US" altLang="ja-JP" dirty="0"/>
+          </a:p>
+        </p:txBody>
+      </p:sp>
+      <p:sp>
+        <p:nvSpPr>
+          <p:cNvPr id="19" name="テキスト ボックス 18">
+            <a:extLst>
+              <a:ext uri="{FF2B5EF4-FFF2-40B4-BE49-F238E27FC236}">
+                <a16:creationId xmlns:a16="http://schemas.microsoft.com/office/drawing/2014/main" id="{A5977D5A-5476-2B49-914E-3704FD035636}"/>
+              </a:ext>
+            </a:extLst>
+          </p:cNvPr>
+          <p:cNvSpPr txBox="1"/>
+          <p:nvPr/>
+        </p:nvSpPr>
+        <p:spPr>
+          <a:xfrm>
+            <a:off x="4734984" y="5118275"/>
+            <a:ext cx="1186543" cy="369332"/>
+          </a:xfrm>
+          <a:prstGeom prst="rect">
+            <a:avLst/>
+          </a:prstGeom>
+          <a:noFill/>
+        </p:spPr>
+        <p:txBody>
+          <a:bodyPr wrap="none" rtlCol="0">
+            <a:spAutoFit/>
+          </a:bodyPr>
+          <a:lstStyle/>
+          <a:p>
+            <a:r>
+              <a:rPr kumimoji="1" lang="en-US" altLang="ja-JP" dirty="0"/>
+              <a:t>Users list</a:t>
+            </a:r>
+            <a:endParaRPr kumimoji="1" lang="ja-JP" altLang="en-US"/>
+          </a:p>
+        </p:txBody>
+      </p:sp>
+      <p:sp>
+        <p:nvSpPr>
+          <p:cNvPr id="21" name="テキスト ボックス 20">
+            <a:extLst>
+              <a:ext uri="{FF2B5EF4-FFF2-40B4-BE49-F238E27FC236}">
+                <a16:creationId xmlns:a16="http://schemas.microsoft.com/office/drawing/2014/main" id="{B8FD7C27-1E6B-0C44-AB42-4A984B65F92D}"/>
+              </a:ext>
+            </a:extLst>
+          </p:cNvPr>
+          <p:cNvSpPr txBox="1"/>
+          <p:nvPr/>
+        </p:nvSpPr>
+        <p:spPr>
+          <a:xfrm>
+            <a:off x="4853455" y="86198"/>
+            <a:ext cx="2655498" cy="461665"/>
+          </a:xfrm>
+          <a:prstGeom prst="rect">
+            <a:avLst/>
+          </a:prstGeom>
+          <a:noFill/>
+        </p:spPr>
+        <p:txBody>
+          <a:bodyPr wrap="square" rtlCol="0">
+            <a:spAutoFit/>
+          </a:bodyPr>
+          <a:lstStyle/>
+          <a:p>
+            <a:r>
+              <a:rPr kumimoji="1" lang="ja-JP" altLang="en-US" sz="2400"/>
+              <a:t>内部ネットワーク</a:t>
+            </a:r>
+          </a:p>
+        </p:txBody>
+      </p:sp>
+      <p:sp>
+        <p:nvSpPr>
+          <p:cNvPr id="22" name="円柱 21">
+            <a:extLst>
+              <a:ext uri="{FF2B5EF4-FFF2-40B4-BE49-F238E27FC236}">
+                <a16:creationId xmlns:a16="http://schemas.microsoft.com/office/drawing/2014/main" id="{AB0A14E5-FB00-DF44-A9B4-FD76E8D07F23}"/>
+              </a:ext>
+            </a:extLst>
+          </p:cNvPr>
+          <p:cNvSpPr/>
+          <p:nvPr/>
+        </p:nvSpPr>
+        <p:spPr>
+          <a:xfrm rot="16200000">
+            <a:off x="7255109" y="474128"/>
+            <a:ext cx="391185" cy="3452001"/>
+          </a:xfrm>
+          <a:prstGeom prst="can">
+            <a:avLst/>
+          </a:prstGeom>
+        </p:spPr>
+        <p:style>
+          <a:lnRef idx="2">
+            <a:schemeClr val="accent1">
+              <a:shade val="50000"/>
+            </a:schemeClr>
+          </a:lnRef>
+          <a:fillRef idx="1">
+            <a:schemeClr val="accent1"/>
+          </a:fillRef>
+          <a:effectRef idx="0">
+            <a:schemeClr val="accent1"/>
+          </a:effectRef>
+          <a:fontRef idx="minor">
+            <a:schemeClr val="lt1"/>
+          </a:fontRef>
+        </p:style>
+        <p:txBody>
+          <a:bodyPr rtlCol="0" anchor="ctr"/>
+          <a:lstStyle/>
+          <a:p>
+            <a:pPr algn="ctr"/>
+            <a:endParaRPr kumimoji="1" lang="ja-JP" altLang="en-US"/>
+          </a:p>
+        </p:txBody>
+      </p:sp>
+      <p:sp>
+        <p:nvSpPr>
+          <p:cNvPr id="27" name="角丸四角形 26">
+            <a:extLst>
+              <a:ext uri="{FF2B5EF4-FFF2-40B4-BE49-F238E27FC236}">
+                <a16:creationId xmlns:a16="http://schemas.microsoft.com/office/drawing/2014/main" id="{51AA3EB8-3FB9-5B4D-AF7C-258951118915}"/>
+              </a:ext>
+            </a:extLst>
+          </p:cNvPr>
+          <p:cNvSpPr/>
+          <p:nvPr/>
+        </p:nvSpPr>
+        <p:spPr>
+          <a:xfrm>
+            <a:off x="244912" y="696521"/>
+            <a:ext cx="1687473" cy="4689394"/>
+          </a:xfrm>
+          <a:prstGeom prst="roundRect">
+            <a:avLst/>
+          </a:prstGeom>
+          <a:ln>
+            <a:solidFill>
+              <a:schemeClr val="tx1"/>
+            </a:solidFill>
+          </a:ln>
+        </p:spPr>
+        <p:style>
+          <a:lnRef idx="2">
+            <a:schemeClr val="accent6"/>
+          </a:lnRef>
+          <a:fillRef idx="1">
+            <a:schemeClr val="lt1"/>
+          </a:fillRef>
+          <a:effectRef idx="0">
+            <a:schemeClr val="accent6"/>
+          </a:effectRef>
+          <a:fontRef idx="minor">
+            <a:schemeClr val="dk1"/>
+          </a:fontRef>
+        </p:style>
+        <p:txBody>
+          <a:bodyPr rtlCol="0" anchor="ctr"/>
+          <a:lstStyle/>
+          <a:p>
+            <a:pPr algn="ctr"/>
+            <a:endParaRPr kumimoji="1" lang="ja-JP" altLang="en-US"/>
+          </a:p>
+        </p:txBody>
+      </p:sp>
+      <p:pic>
+        <p:nvPicPr>
+          <p:cNvPr id="28" name="図 27">
+            <a:extLst>
+              <a:ext uri="{FF2B5EF4-FFF2-40B4-BE49-F238E27FC236}">
+                <a16:creationId xmlns:a16="http://schemas.microsoft.com/office/drawing/2014/main" id="{BDA7DFFA-CD2A-6244-8F90-67A50A6654EC}"/>
+              </a:ext>
+            </a:extLst>
+          </p:cNvPr>
+          <p:cNvPicPr>
+            <a:picLocks noChangeAspect="1"/>
+          </p:cNvPicPr>
+          <p:nvPr/>
+        </p:nvPicPr>
+        <p:blipFill>
+          <a:blip r:embed="rId2"/>
+          <a:stretch>
+            <a:fillRect/>
+          </a:stretch>
+        </p:blipFill>
+        <p:spPr>
+          <a:xfrm>
+            <a:off x="362193" y="829079"/>
+            <a:ext cx="1570192" cy="1303273"/>
+          </a:xfrm>
+          <a:prstGeom prst="rect">
+            <a:avLst/>
+          </a:prstGeom>
+        </p:spPr>
+      </p:pic>
+      <p:pic>
+        <p:nvPicPr>
+          <p:cNvPr id="29" name="図 28">
+            <a:extLst>
+              <a:ext uri="{FF2B5EF4-FFF2-40B4-BE49-F238E27FC236}">
+                <a16:creationId xmlns:a16="http://schemas.microsoft.com/office/drawing/2014/main" id="{B63C60C3-9924-934A-8C8A-E32D753861F6}"/>
+              </a:ext>
+            </a:extLst>
+          </p:cNvPr>
+          <p:cNvPicPr>
+            <a:picLocks noChangeAspect="1"/>
+          </p:cNvPicPr>
+          <p:nvPr/>
+        </p:nvPicPr>
+        <p:blipFill>
+          <a:blip r:embed="rId3"/>
+          <a:stretch>
+            <a:fillRect/>
+          </a:stretch>
+        </p:blipFill>
+        <p:spPr>
+          <a:xfrm>
+            <a:off x="466917" y="3486589"/>
+            <a:ext cx="1372356" cy="1114512"/>
+          </a:xfrm>
+          <a:prstGeom prst="rect">
+            <a:avLst/>
+          </a:prstGeom>
+        </p:spPr>
+      </p:pic>
+      <p:sp>
+        <p:nvSpPr>
+          <p:cNvPr id="30" name="テキスト ボックス 29">
+            <a:extLst>
+              <a:ext uri="{FF2B5EF4-FFF2-40B4-BE49-F238E27FC236}">
+                <a16:creationId xmlns:a16="http://schemas.microsoft.com/office/drawing/2014/main" id="{9721D3B5-A373-7F4F-BDA8-5460B67A69E8}"/>
+              </a:ext>
+            </a:extLst>
+          </p:cNvPr>
+          <p:cNvSpPr txBox="1"/>
+          <p:nvPr/>
+        </p:nvSpPr>
+        <p:spPr>
+          <a:xfrm>
+            <a:off x="148601" y="2066881"/>
+            <a:ext cx="1866309" cy="646331"/>
+          </a:xfrm>
+          <a:prstGeom prst="rect">
+            <a:avLst/>
+          </a:prstGeom>
+          <a:noFill/>
+        </p:spPr>
+        <p:txBody>
+          <a:bodyPr wrap="square" rtlCol="0">
+            <a:spAutoFit/>
+          </a:bodyPr>
+          <a:lstStyle/>
+          <a:p>
+            <a:pPr algn="ctr"/>
+            <a:r>
+              <a:rPr kumimoji="1" lang="en-US" altLang="ja-JP" dirty="0"/>
+              <a:t>Open SSH</a:t>
+            </a:r>
+          </a:p>
+          <a:p>
+            <a:pPr algn="ctr"/>
+            <a:r>
+              <a:rPr lang="ja-JP" altLang="en-US"/>
+              <a:t>クライアント</a:t>
+            </a:r>
+            <a:endParaRPr kumimoji="1" lang="ja-JP" altLang="en-US"/>
+          </a:p>
+        </p:txBody>
+      </p:sp>
+      <p:sp>
+        <p:nvSpPr>
+          <p:cNvPr id="31" name="テキスト ボックス 30">
+            <a:extLst>
+              <a:ext uri="{FF2B5EF4-FFF2-40B4-BE49-F238E27FC236}">
+                <a16:creationId xmlns:a16="http://schemas.microsoft.com/office/drawing/2014/main" id="{D6DB8120-F692-9F4A-9CA9-71DED9ECA0A7}"/>
+              </a:ext>
+            </a:extLst>
+          </p:cNvPr>
+          <p:cNvSpPr txBox="1"/>
+          <p:nvPr/>
+        </p:nvSpPr>
+        <p:spPr>
+          <a:xfrm>
+            <a:off x="198831" y="4766915"/>
+            <a:ext cx="2110266" cy="369332"/>
+          </a:xfrm>
+          <a:prstGeom prst="rect">
+            <a:avLst/>
+          </a:prstGeom>
+          <a:noFill/>
+        </p:spPr>
+        <p:txBody>
+          <a:bodyPr wrap="square" rtlCol="0">
+            <a:spAutoFit/>
+          </a:bodyPr>
+          <a:lstStyle/>
+          <a:p>
+            <a:r>
+              <a:rPr kumimoji="1" lang="en-US" altLang="ja-JP" dirty="0"/>
+              <a:t>Web</a:t>
+            </a:r>
+            <a:r>
+              <a:rPr lang="en-US" altLang="ja-JP" dirty="0"/>
+              <a:t> </a:t>
+            </a:r>
+            <a:r>
+              <a:rPr kumimoji="1" lang="ja-JP" altLang="en-US"/>
+              <a:t>クライアント</a:t>
+            </a:r>
+          </a:p>
+        </p:txBody>
+      </p:sp>
+      <p:sp>
+        <p:nvSpPr>
+          <p:cNvPr id="32" name="円柱 31">
+            <a:extLst>
+              <a:ext uri="{FF2B5EF4-FFF2-40B4-BE49-F238E27FC236}">
+                <a16:creationId xmlns:a16="http://schemas.microsoft.com/office/drawing/2014/main" id="{27D8BEAD-19FD-0F40-A011-C59D90346AAF}"/>
+              </a:ext>
+            </a:extLst>
+          </p:cNvPr>
+          <p:cNvSpPr/>
+          <p:nvPr/>
+        </p:nvSpPr>
+        <p:spPr>
+          <a:xfrm rot="16200000">
+            <a:off x="2228190" y="1036228"/>
+            <a:ext cx="391185" cy="1445737"/>
+          </a:xfrm>
+          <a:prstGeom prst="can">
+            <a:avLst/>
+          </a:prstGeom>
+        </p:spPr>
+        <p:style>
+          <a:lnRef idx="2">
+            <a:schemeClr val="accent1">
+              <a:shade val="50000"/>
+            </a:schemeClr>
+          </a:lnRef>
+          <a:fillRef idx="1">
+            <a:schemeClr val="accent1"/>
+          </a:fillRef>
+          <a:effectRef idx="0">
+            <a:schemeClr val="accent1"/>
+          </a:effectRef>
+          <a:fontRef idx="minor">
+            <a:schemeClr val="lt1"/>
+          </a:fontRef>
+        </p:style>
+        <p:txBody>
+          <a:bodyPr rtlCol="0" anchor="ctr"/>
+          <a:lstStyle/>
+          <a:p>
+            <a:pPr algn="ctr"/>
+            <a:endParaRPr kumimoji="1" lang="ja-JP" altLang="en-US"/>
+          </a:p>
+        </p:txBody>
+      </p:sp>
+      <p:sp>
+        <p:nvSpPr>
+          <p:cNvPr id="37" name="テキスト ボックス 36">
+            <a:extLst>
+              <a:ext uri="{FF2B5EF4-FFF2-40B4-BE49-F238E27FC236}">
+                <a16:creationId xmlns:a16="http://schemas.microsoft.com/office/drawing/2014/main" id="{A7D75254-0C7C-1E44-9D9D-DADD606809C7}"/>
+              </a:ext>
+            </a:extLst>
+          </p:cNvPr>
+          <p:cNvSpPr txBox="1"/>
+          <p:nvPr/>
+        </p:nvSpPr>
+        <p:spPr>
+          <a:xfrm>
+            <a:off x="2279430" y="2689414"/>
+            <a:ext cx="1655588" cy="1477328"/>
+          </a:xfrm>
+          <a:prstGeom prst="rect">
+            <a:avLst/>
+          </a:prstGeom>
+          <a:noFill/>
+          <a:ln w="50800">
+            <a:solidFill>
+              <a:schemeClr val="accent1">
+                <a:lumMod val="75000"/>
+              </a:schemeClr>
+            </a:solidFill>
+          </a:ln>
+        </p:spPr>
+        <p:txBody>
+          <a:bodyPr wrap="square" rtlCol="0">
+            <a:spAutoFit/>
+          </a:bodyPr>
+          <a:lstStyle/>
+          <a:p>
+            <a:r>
+              <a:rPr lang="ja-JP" altLang="en-US"/>
+              <a:t>④クライアントは</a:t>
+            </a:r>
+            <a:r>
+              <a:rPr lang="en-US" altLang="ja-JP" dirty="0"/>
+              <a:t>Proxy</a:t>
+            </a:r>
+            <a:r>
+              <a:rPr lang="ja-JP" altLang="en-US"/>
+              <a:t>を通して</a:t>
+            </a:r>
+            <a:r>
+              <a:rPr kumimoji="1" lang="en-US" altLang="ja-JP" dirty="0"/>
+              <a:t>10.x.x.3</a:t>
+            </a:r>
+            <a:r>
+              <a:rPr kumimoji="1" lang="ja-JP" altLang="en-US"/>
+              <a:t>への</a:t>
+            </a:r>
+            <a:r>
+              <a:rPr kumimoji="1" lang="en-US" altLang="ja-JP" dirty="0"/>
+              <a:t>SSH</a:t>
+            </a:r>
+            <a:r>
+              <a:rPr kumimoji="1" lang="ja-JP" altLang="en-US"/>
+              <a:t>接続を行う。</a:t>
+            </a:r>
+            <a:endParaRPr kumimoji="1" lang="en-US" altLang="ja-JP" dirty="0"/>
+          </a:p>
+        </p:txBody>
+      </p:sp>
+      <p:sp>
+        <p:nvSpPr>
+          <p:cNvPr id="39" name="テキスト ボックス 38">
+            <a:extLst>
+              <a:ext uri="{FF2B5EF4-FFF2-40B4-BE49-F238E27FC236}">
+                <a16:creationId xmlns:a16="http://schemas.microsoft.com/office/drawing/2014/main" id="{DD148778-0AA6-AB46-8288-E0C15A4AFECA}"/>
+              </a:ext>
+            </a:extLst>
+          </p:cNvPr>
+          <p:cNvSpPr txBox="1"/>
+          <p:nvPr/>
+        </p:nvSpPr>
+        <p:spPr>
+          <a:xfrm>
+            <a:off x="838985" y="139592"/>
+            <a:ext cx="2655498" cy="461665"/>
+          </a:xfrm>
+          <a:prstGeom prst="rect">
+            <a:avLst/>
+          </a:prstGeom>
+          <a:noFill/>
+        </p:spPr>
+        <p:txBody>
+          <a:bodyPr wrap="square" rtlCol="0">
+            <a:spAutoFit/>
+          </a:bodyPr>
+          <a:lstStyle/>
+          <a:p>
+            <a:r>
+              <a:rPr lang="ja-JP" altLang="en-US" sz="2400"/>
+              <a:t>外</a:t>
+            </a:r>
+            <a:r>
+              <a:rPr kumimoji="1" lang="ja-JP" altLang="en-US" sz="2400"/>
+              <a:t>部ネットワーク</a:t>
+            </a:r>
+          </a:p>
+        </p:txBody>
+      </p:sp>
+    </p:spTree>
+    <p:extLst>
+      <p:ext uri="{BB962C8B-B14F-4D97-AF65-F5344CB8AC3E}">
+        <p14:creationId xmlns:p14="http://schemas.microsoft.com/office/powerpoint/2010/main" val="1336193952"/>
+      </p:ext>
+    </p:extLst>
+  </p:cSld>
+  <p:clrMapOvr>
+    <a:masterClrMapping/>
+  </p:clrMapOvr>
+</p:sld>
+</file>
+
+<file path=ppt/slides/slide8.xml><?xml version="1.0" encoding="utf-8"?>
+<p:sld xmlns:a="http://schemas.openxmlformats.org/drawingml/2006/main" xmlns:r="http://schemas.openxmlformats.org/officeDocument/2006/relationships" xmlns:p="http://schemas.openxmlformats.org/presentationml/2006/main">
+  <p:cSld>
+    <p:spTree>
+      <p:nvGrpSpPr>
+        <p:cNvPr id="1" name=""/>
+        <p:cNvGrpSpPr/>
+        <p:nvPr/>
+      </p:nvGrpSpPr>
+      <p:grpSpPr>
+        <a:xfrm>
+          <a:off x="0" y="0"/>
+          <a:ext cx="0" cy="0"/>
+          <a:chOff x="0" y="0"/>
+          <a:chExt cx="0" cy="0"/>
+        </a:xfrm>
+      </p:grpSpPr>
+      <p:sp>
+        <p:nvSpPr>
+          <p:cNvPr id="2" name="角丸四角形 1">
+            <a:extLst>
+              <a:ext uri="{FF2B5EF4-FFF2-40B4-BE49-F238E27FC236}">
+                <a16:creationId xmlns:a16="http://schemas.microsoft.com/office/drawing/2014/main" id="{DB77B222-FFEE-5345-987C-EF76E4A96ACA}"/>
+              </a:ext>
+            </a:extLst>
+          </p:cNvPr>
+          <p:cNvSpPr/>
+          <p:nvPr/>
+        </p:nvSpPr>
+        <p:spPr>
+          <a:xfrm>
+            <a:off x="976055" y="1431360"/>
+            <a:ext cx="2806418" cy="1139162"/>
+          </a:xfrm>
+          <a:prstGeom prst="roundRect">
+            <a:avLst/>
+          </a:prstGeom>
+          <a:ln w="50800">
+            <a:solidFill>
+              <a:schemeClr val="accent1">
+                <a:lumMod val="50000"/>
+              </a:schemeClr>
+            </a:solidFill>
+          </a:ln>
+        </p:spPr>
+        <p:style>
+          <a:lnRef idx="2">
+            <a:schemeClr val="dk1"/>
+          </a:lnRef>
+          <a:fillRef idx="1">
+            <a:schemeClr val="lt1"/>
+          </a:fillRef>
+          <a:effectRef idx="0">
+            <a:schemeClr val="dk1"/>
+          </a:effectRef>
+          <a:fontRef idx="minor">
+            <a:schemeClr val="dk1"/>
+          </a:fontRef>
+        </p:style>
+        <p:txBody>
+          <a:bodyPr rtlCol="0" anchor="ctr"/>
+          <a:lstStyle/>
+          <a:p>
+            <a:pPr algn="ctr"/>
+            <a:r>
+              <a:rPr kumimoji="1" lang="en-US" altLang="ja-JP" sz="2000" b="1" dirty="0"/>
+              <a:t>Teleport Proxy</a:t>
+            </a:r>
+            <a:endParaRPr kumimoji="1" lang="ja-JP" altLang="en-US" sz="2000" b="1"/>
+          </a:p>
+        </p:txBody>
+      </p:sp>
+      <p:sp>
+        <p:nvSpPr>
+          <p:cNvPr id="3" name="テキスト ボックス 2">
+            <a:extLst>
+              <a:ext uri="{FF2B5EF4-FFF2-40B4-BE49-F238E27FC236}">
+                <a16:creationId xmlns:a16="http://schemas.microsoft.com/office/drawing/2014/main" id="{73DD8466-C184-704E-9228-EF449259561E}"/>
+              </a:ext>
+            </a:extLst>
+          </p:cNvPr>
+          <p:cNvSpPr txBox="1"/>
+          <p:nvPr/>
+        </p:nvSpPr>
+        <p:spPr>
+          <a:xfrm>
+            <a:off x="8425523" y="1311093"/>
+            <a:ext cx="3090616" cy="3062123"/>
+          </a:xfrm>
+          <a:prstGeom prst="rect">
+            <a:avLst/>
+          </a:prstGeom>
+          <a:noFill/>
+          <a:ln w="38100">
+            <a:solidFill>
+              <a:schemeClr val="bg1">
+                <a:lumMod val="85000"/>
+              </a:schemeClr>
+            </a:solidFill>
+          </a:ln>
+        </p:spPr>
+        <p:txBody>
+          <a:bodyPr wrap="square" rtlCol="0">
+            <a:spAutoFit/>
+          </a:bodyPr>
+          <a:lstStyle/>
+          <a:p>
+            <a:endParaRPr kumimoji="1" lang="ja-JP" altLang="en-US"/>
+          </a:p>
+        </p:txBody>
+      </p:sp>
+      <p:sp>
+        <p:nvSpPr>
+          <p:cNvPr id="4" name="角丸四角形 3">
+            <a:extLst>
+              <a:ext uri="{FF2B5EF4-FFF2-40B4-BE49-F238E27FC236}">
+                <a16:creationId xmlns:a16="http://schemas.microsoft.com/office/drawing/2014/main" id="{1CAD4760-45B5-A04D-8BC9-B372538646E4}"/>
+              </a:ext>
+            </a:extLst>
+          </p:cNvPr>
+          <p:cNvSpPr/>
+          <p:nvPr/>
+        </p:nvSpPr>
+        <p:spPr>
+          <a:xfrm>
+            <a:off x="8633371" y="1707254"/>
+            <a:ext cx="2072336" cy="835943"/>
+          </a:xfrm>
+          <a:prstGeom prst="roundRect">
+            <a:avLst/>
+          </a:prstGeom>
+          <a:ln w="50800">
+            <a:solidFill>
+              <a:schemeClr val="accent1">
+                <a:lumMod val="50000"/>
+              </a:schemeClr>
+            </a:solidFill>
+          </a:ln>
+        </p:spPr>
+        <p:style>
+          <a:lnRef idx="2">
+            <a:schemeClr val="accent6"/>
+          </a:lnRef>
+          <a:fillRef idx="1">
+            <a:schemeClr val="lt1"/>
+          </a:fillRef>
+          <a:effectRef idx="0">
+            <a:schemeClr val="accent6"/>
+          </a:effectRef>
+          <a:fontRef idx="minor">
+            <a:schemeClr val="dk1"/>
+          </a:fontRef>
+        </p:style>
+        <p:txBody>
+          <a:bodyPr rtlCol="0" anchor="ctr"/>
+          <a:lstStyle/>
+          <a:p>
+            <a:pPr algn="ctr"/>
+            <a:r>
+              <a:rPr kumimoji="1" lang="en-US" altLang="ja-JP" b="1" dirty="0"/>
+              <a:t>Node Service</a:t>
+            </a:r>
+            <a:endParaRPr kumimoji="1" lang="ja-JP" altLang="en-US" b="1"/>
+          </a:p>
+        </p:txBody>
+      </p:sp>
+      <p:sp>
+        <p:nvSpPr>
+          <p:cNvPr id="5" name="角丸四角形 4">
+            <a:extLst>
+              <a:ext uri="{FF2B5EF4-FFF2-40B4-BE49-F238E27FC236}">
+                <a16:creationId xmlns:a16="http://schemas.microsoft.com/office/drawing/2014/main" id="{E1A4A9D2-252F-E142-8288-F65C1A81D27F}"/>
+              </a:ext>
+            </a:extLst>
+          </p:cNvPr>
+          <p:cNvSpPr/>
+          <p:nvPr/>
+        </p:nvSpPr>
+        <p:spPr>
+          <a:xfrm>
+            <a:off x="8929585" y="2279919"/>
+            <a:ext cx="2072336" cy="835943"/>
+          </a:xfrm>
+          <a:prstGeom prst="roundRect">
+            <a:avLst/>
+          </a:prstGeom>
+          <a:ln w="50800">
+            <a:solidFill>
+              <a:schemeClr val="accent1">
+                <a:lumMod val="50000"/>
+              </a:schemeClr>
+            </a:solidFill>
+          </a:ln>
+        </p:spPr>
+        <p:style>
+          <a:lnRef idx="2">
+            <a:schemeClr val="accent6"/>
+          </a:lnRef>
+          <a:fillRef idx="1">
+            <a:schemeClr val="lt1"/>
+          </a:fillRef>
+          <a:effectRef idx="0">
+            <a:schemeClr val="accent6"/>
+          </a:effectRef>
+          <a:fontRef idx="minor">
+            <a:schemeClr val="dk1"/>
+          </a:fontRef>
+        </p:style>
+        <p:txBody>
+          <a:bodyPr rtlCol="0" anchor="ctr"/>
+          <a:lstStyle/>
+          <a:p>
+            <a:pPr algn="ctr"/>
+            <a:r>
+              <a:rPr kumimoji="1" lang="en-US" altLang="ja-JP" b="1" dirty="0"/>
+              <a:t>Node Service</a:t>
+            </a:r>
+            <a:endParaRPr kumimoji="1" lang="ja-JP" altLang="en-US" b="1"/>
+          </a:p>
+        </p:txBody>
+      </p:sp>
+      <p:sp>
+        <p:nvSpPr>
+          <p:cNvPr id="6" name="角丸四角形 5">
+            <a:extLst>
+              <a:ext uri="{FF2B5EF4-FFF2-40B4-BE49-F238E27FC236}">
+                <a16:creationId xmlns:a16="http://schemas.microsoft.com/office/drawing/2014/main" id="{08BE5386-0972-5A4F-A647-82383E57736D}"/>
+              </a:ext>
+            </a:extLst>
+          </p:cNvPr>
+          <p:cNvSpPr/>
+          <p:nvPr/>
+        </p:nvSpPr>
+        <p:spPr>
+          <a:xfrm>
+            <a:off x="9225799" y="2904544"/>
+            <a:ext cx="2072336" cy="835943"/>
+          </a:xfrm>
+          <a:prstGeom prst="roundRect">
+            <a:avLst/>
+          </a:prstGeom>
+          <a:ln w="50800">
+            <a:solidFill>
+              <a:schemeClr val="accent1">
+                <a:lumMod val="50000"/>
+              </a:schemeClr>
+            </a:solidFill>
+          </a:ln>
+        </p:spPr>
+        <p:style>
+          <a:lnRef idx="2">
+            <a:schemeClr val="accent6"/>
+          </a:lnRef>
+          <a:fillRef idx="1">
+            <a:schemeClr val="lt1"/>
+          </a:fillRef>
+          <a:effectRef idx="0">
+            <a:schemeClr val="accent6"/>
+          </a:effectRef>
+          <a:fontRef idx="minor">
+            <a:schemeClr val="dk1"/>
+          </a:fontRef>
+        </p:style>
+        <p:txBody>
+          <a:bodyPr rtlCol="0" anchor="ctr"/>
+          <a:lstStyle/>
+          <a:p>
+            <a:pPr algn="ctr"/>
+            <a:r>
+              <a:rPr kumimoji="1" lang="en-US" altLang="ja-JP" b="1" dirty="0"/>
+              <a:t>Node Service</a:t>
+            </a:r>
+            <a:endParaRPr kumimoji="1" lang="ja-JP" altLang="en-US" b="1"/>
+          </a:p>
+        </p:txBody>
+      </p:sp>
+      <p:cxnSp>
+        <p:nvCxnSpPr>
+          <p:cNvPr id="7" name="直線矢印コネクタ 6">
+            <a:extLst>
+              <a:ext uri="{FF2B5EF4-FFF2-40B4-BE49-F238E27FC236}">
+                <a16:creationId xmlns:a16="http://schemas.microsoft.com/office/drawing/2014/main" id="{3BEDF3BF-464A-2A48-A724-9B8F407749E1}"/>
+              </a:ext>
+            </a:extLst>
+          </p:cNvPr>
+          <p:cNvCxnSpPr>
+            <a:cxnSpLocks/>
+          </p:cNvCxnSpPr>
+          <p:nvPr/>
+        </p:nvCxnSpPr>
+        <p:spPr>
+          <a:xfrm flipV="1">
+            <a:off x="4238104" y="1881671"/>
+            <a:ext cx="3806593" cy="0"/>
+          </a:xfrm>
+          <a:prstGeom prst="straightConnector1">
+            <a:avLst/>
+          </a:prstGeom>
+          <a:ln w="66675">
+            <a:solidFill>
+              <a:schemeClr val="tx1"/>
+            </a:solidFill>
+            <a:tailEnd type="triangle"/>
+          </a:ln>
+        </p:spPr>
+        <p:style>
+          <a:lnRef idx="1">
+            <a:schemeClr val="accent1"/>
+          </a:lnRef>
+          <a:fillRef idx="0">
+            <a:schemeClr val="accent1"/>
+          </a:fillRef>
+          <a:effectRef idx="0">
+            <a:schemeClr val="accent1"/>
+          </a:effectRef>
+          <a:fontRef idx="minor">
+            <a:schemeClr val="tx1"/>
+          </a:fontRef>
+        </p:style>
+      </p:cxnSp>
+      <p:sp>
+        <p:nvSpPr>
+          <p:cNvPr id="8" name="角丸四角形 7">
+            <a:extLst>
+              <a:ext uri="{FF2B5EF4-FFF2-40B4-BE49-F238E27FC236}">
+                <a16:creationId xmlns:a16="http://schemas.microsoft.com/office/drawing/2014/main" id="{67370C46-8897-F447-BB12-B014DDAA1D07}"/>
+              </a:ext>
+            </a:extLst>
+          </p:cNvPr>
+          <p:cNvSpPr/>
+          <p:nvPr/>
+        </p:nvSpPr>
+        <p:spPr>
+          <a:xfrm>
+            <a:off x="3938882" y="4571564"/>
+            <a:ext cx="2039708" cy="818028"/>
+          </a:xfrm>
+          <a:prstGeom prst="roundRect">
+            <a:avLst/>
+          </a:prstGeom>
+          <a:ln w="50800">
+            <a:solidFill>
+              <a:schemeClr val="accent1">
+                <a:lumMod val="50000"/>
+              </a:schemeClr>
+            </a:solidFill>
+          </a:ln>
+        </p:spPr>
+        <p:style>
+          <a:lnRef idx="2">
+            <a:schemeClr val="accent6"/>
+          </a:lnRef>
+          <a:fillRef idx="1">
+            <a:schemeClr val="lt1"/>
+          </a:fillRef>
+          <a:effectRef idx="0">
+            <a:schemeClr val="accent6"/>
+          </a:effectRef>
+          <a:fontRef idx="minor">
+            <a:schemeClr val="dk1"/>
+          </a:fontRef>
+        </p:style>
+        <p:txBody>
+          <a:bodyPr rtlCol="0" anchor="ctr"/>
+          <a:lstStyle/>
+          <a:p>
+            <a:pPr algn="ctr"/>
+            <a:r>
+              <a:rPr kumimoji="1" lang="en-US" altLang="ja-JP" sz="2000" b="1" dirty="0"/>
+              <a:t>Teleport </a:t>
+            </a:r>
+          </a:p>
+          <a:p>
+            <a:pPr algn="ctr"/>
+            <a:r>
+              <a:rPr kumimoji="1" lang="ja-JP" altLang="en-US" sz="2000" b="1"/>
+              <a:t>認証局</a:t>
+            </a:r>
+          </a:p>
+        </p:txBody>
+      </p:sp>
+      <p:cxnSp>
+        <p:nvCxnSpPr>
+          <p:cNvPr id="9" name="直線矢印コネクタ 8">
+            <a:extLst>
+              <a:ext uri="{FF2B5EF4-FFF2-40B4-BE49-F238E27FC236}">
+                <a16:creationId xmlns:a16="http://schemas.microsoft.com/office/drawing/2014/main" id="{16E76933-C530-0341-A080-1BD9A080D701}"/>
+              </a:ext>
+            </a:extLst>
+          </p:cNvPr>
+          <p:cNvCxnSpPr>
+            <a:cxnSpLocks/>
+          </p:cNvCxnSpPr>
+          <p:nvPr/>
+        </p:nvCxnSpPr>
+        <p:spPr>
+          <a:xfrm flipH="1">
+            <a:off x="6141401" y="3132488"/>
+            <a:ext cx="1972950" cy="1257354"/>
+          </a:xfrm>
+          <a:prstGeom prst="straightConnector1">
+            <a:avLst/>
+          </a:prstGeom>
+          <a:ln w="66675">
+            <a:solidFill>
+              <a:schemeClr val="tx1"/>
+            </a:solidFill>
+            <a:tailEnd type="triangle"/>
+          </a:ln>
+        </p:spPr>
+        <p:style>
+          <a:lnRef idx="1">
+            <a:schemeClr val="accent1"/>
+          </a:lnRef>
+          <a:fillRef idx="0">
+            <a:schemeClr val="accent1"/>
+          </a:fillRef>
+          <a:effectRef idx="0">
+            <a:schemeClr val="accent1"/>
+          </a:effectRef>
+          <a:fontRef idx="minor">
+            <a:schemeClr val="tx1"/>
+          </a:fontRef>
+        </p:style>
+      </p:cxnSp>
+      <p:sp>
+        <p:nvSpPr>
+          <p:cNvPr id="12" name="メモ 11">
+            <a:extLst>
+              <a:ext uri="{FF2B5EF4-FFF2-40B4-BE49-F238E27FC236}">
+                <a16:creationId xmlns:a16="http://schemas.microsoft.com/office/drawing/2014/main" id="{6614C008-34D4-8142-8EA8-7171A89C138D}"/>
+              </a:ext>
+            </a:extLst>
+          </p:cNvPr>
+          <p:cNvSpPr/>
+          <p:nvPr/>
+        </p:nvSpPr>
+        <p:spPr>
+          <a:xfrm>
+            <a:off x="6518131" y="3740487"/>
+            <a:ext cx="1004836" cy="1034981"/>
+          </a:xfrm>
+          <a:prstGeom prst="foldedCorner">
+            <a:avLst/>
+          </a:prstGeom>
+          <a:ln w="47625">
+            <a:solidFill>
+              <a:schemeClr val="accent6">
+                <a:lumMod val="50000"/>
+              </a:schemeClr>
+            </a:solidFill>
+          </a:ln>
+        </p:spPr>
+        <p:style>
+          <a:lnRef idx="2">
+            <a:schemeClr val="accent6"/>
+          </a:lnRef>
+          <a:fillRef idx="1">
+            <a:schemeClr val="lt1"/>
+          </a:fillRef>
+          <a:effectRef idx="0">
+            <a:schemeClr val="accent6"/>
+          </a:effectRef>
+          <a:fontRef idx="minor">
+            <a:schemeClr val="dk1"/>
+          </a:fontRef>
+        </p:style>
+        <p:txBody>
+          <a:bodyPr rtlCol="0" anchor="ctr"/>
+          <a:lstStyle/>
+          <a:p>
+            <a:pPr algn="ctr"/>
+            <a:r>
+              <a:rPr kumimoji="1" lang="ja-JP" altLang="en-US" b="1">
+                <a:latin typeface="+mj-ea"/>
+                <a:ea typeface="+mj-ea"/>
+              </a:rPr>
+              <a:t>証明書</a:t>
+            </a:r>
+          </a:p>
+        </p:txBody>
+      </p:sp>
+      <p:sp>
+        <p:nvSpPr>
+          <p:cNvPr id="10" name="テキスト ボックス 9">
+            <a:extLst>
+              <a:ext uri="{FF2B5EF4-FFF2-40B4-BE49-F238E27FC236}">
+                <a16:creationId xmlns:a16="http://schemas.microsoft.com/office/drawing/2014/main" id="{759CAEF1-5A82-8F45-A2CE-D1FD2075DE83}"/>
+              </a:ext>
+            </a:extLst>
+          </p:cNvPr>
+          <p:cNvSpPr txBox="1"/>
+          <p:nvPr/>
+        </p:nvSpPr>
+        <p:spPr>
+          <a:xfrm>
+            <a:off x="4956313" y="834887"/>
+            <a:ext cx="1467068" cy="369332"/>
+          </a:xfrm>
+          <a:prstGeom prst="rect">
+            <a:avLst/>
+          </a:prstGeom>
+          <a:noFill/>
+        </p:spPr>
+        <p:txBody>
+          <a:bodyPr wrap="none" rtlCol="0">
+            <a:spAutoFit/>
+          </a:bodyPr>
+          <a:lstStyle/>
+          <a:p>
+            <a:r>
+              <a:rPr kumimoji="1" lang="en-US" altLang="ja-JP" dirty="0"/>
+              <a:t>1</a:t>
+            </a:r>
+            <a:r>
+              <a:rPr kumimoji="1" lang="ja-JP" altLang="en-US"/>
+              <a:t>、ノードの</a:t>
+            </a:r>
+          </a:p>
+        </p:txBody>
+      </p:sp>
+      <p:sp>
+        <p:nvSpPr>
+          <p:cNvPr id="11" name="テキスト ボックス 10">
+            <a:extLst>
+              <a:ext uri="{FF2B5EF4-FFF2-40B4-BE49-F238E27FC236}">
+                <a16:creationId xmlns:a16="http://schemas.microsoft.com/office/drawing/2014/main" id="{D2CE5570-48A9-314E-B9FD-9F2C7270FF44}"/>
+              </a:ext>
+            </a:extLst>
+          </p:cNvPr>
+          <p:cNvSpPr txBox="1"/>
+          <p:nvPr/>
+        </p:nvSpPr>
+        <p:spPr>
+          <a:xfrm>
+            <a:off x="8740438" y="1697005"/>
+            <a:ext cx="1858201" cy="369332"/>
+          </a:xfrm>
+          <a:prstGeom prst="rect">
+            <a:avLst/>
+          </a:prstGeom>
+          <a:noFill/>
+        </p:spPr>
+        <p:txBody>
+          <a:bodyPr wrap="none" rtlCol="0">
+            <a:spAutoFit/>
+          </a:bodyPr>
+          <a:lstStyle/>
+          <a:p>
+            <a:r>
+              <a:rPr lang="en-US" altLang="ja-JP" dirty="0"/>
+              <a:t>10.x.x.3  ubuntu</a:t>
+            </a:r>
+            <a:endParaRPr kumimoji="1" lang="ja-JP" altLang="en-US"/>
+          </a:p>
+        </p:txBody>
+      </p:sp>
+    </p:spTree>
+    <p:extLst>
+      <p:ext uri="{BB962C8B-B14F-4D97-AF65-F5344CB8AC3E}">
+        <p14:creationId xmlns:p14="http://schemas.microsoft.com/office/powerpoint/2010/main" val="1097796464"/>
+      </p:ext>
+    </p:extLst>
+  </p:cSld>
+  <p:clrMapOvr>
+    <a:masterClrMapping/>
+  </p:clrMapOvr>
+</p:sld>
+</file>
+
+<file path=ppt/slides/slide9.xml><?xml version="1.0" encoding="utf-8"?>
+<p:sld xmlns:a="http://schemas.openxmlformats.org/drawingml/2006/main" xmlns:r="http://schemas.openxmlformats.org/officeDocument/2006/relationships" xmlns:p="http://schemas.openxmlformats.org/presentationml/2006/main">
+  <p:cSld>
+    <p:spTree>
+      <p:nvGrpSpPr>
+        <p:cNvPr id="1" name=""/>
+        <p:cNvGrpSpPr/>
+        <p:nvPr/>
+      </p:nvGrpSpPr>
+      <p:grpSpPr>
+        <a:xfrm>
+          <a:off x="0" y="0"/>
+          <a:ext cx="0" cy="0"/>
+          <a:chOff x="0" y="0"/>
+          <a:chExt cx="0" cy="0"/>
+        </a:xfrm>
+      </p:grpSpPr>
+      <p:sp>
+        <p:nvSpPr>
+          <p:cNvPr id="6" name="角丸四角形 5">
+            <a:extLst>
+              <a:ext uri="{FF2B5EF4-FFF2-40B4-BE49-F238E27FC236}">
+                <a16:creationId xmlns:a16="http://schemas.microsoft.com/office/drawing/2014/main" id="{4C3D48AB-9725-094F-8AAF-EB95E91DC18D}"/>
+              </a:ext>
+            </a:extLst>
+          </p:cNvPr>
+          <p:cNvSpPr/>
+          <p:nvPr/>
+        </p:nvSpPr>
+        <p:spPr>
+          <a:xfrm>
+            <a:off x="763029" y="941200"/>
+            <a:ext cx="2763297" cy="4444715"/>
+          </a:xfrm>
+          <a:prstGeom prst="roundRect">
+            <a:avLst/>
+          </a:prstGeom>
+          <a:ln>
+            <a:solidFill>
+              <a:schemeClr val="tx1"/>
+            </a:solidFill>
+          </a:ln>
+        </p:spPr>
+        <p:style>
+          <a:lnRef idx="2">
+            <a:schemeClr val="accent6"/>
+          </a:lnRef>
+          <a:fillRef idx="1">
+            <a:schemeClr val="lt1"/>
+          </a:fillRef>
+          <a:effectRef idx="0">
+            <a:schemeClr val="accent6"/>
+          </a:effectRef>
+          <a:fontRef idx="minor">
+            <a:schemeClr val="dk1"/>
+          </a:fontRef>
+        </p:style>
+        <p:txBody>
+          <a:bodyPr rtlCol="0" anchor="ctr"/>
+          <a:lstStyle/>
+          <a:p>
+            <a:pPr algn="ctr"/>
+            <a:endParaRPr kumimoji="1" lang="ja-JP" altLang="en-US"/>
+          </a:p>
+        </p:txBody>
+      </p:sp>
+      <p:pic>
+        <p:nvPicPr>
+          <p:cNvPr id="2" name="図 1">
+            <a:extLst>
+              <a:ext uri="{FF2B5EF4-FFF2-40B4-BE49-F238E27FC236}">
+                <a16:creationId xmlns:a16="http://schemas.microsoft.com/office/drawing/2014/main" id="{CD9AB76C-E849-F448-A77A-664F066FFE75}"/>
+              </a:ext>
+            </a:extLst>
+          </p:cNvPr>
+          <p:cNvPicPr>
+            <a:picLocks noChangeAspect="1"/>
+          </p:cNvPicPr>
+          <p:nvPr/>
+        </p:nvPicPr>
+        <p:blipFill>
+          <a:blip r:embed="rId2"/>
+          <a:stretch>
+            <a:fillRect/>
+          </a:stretch>
+        </p:blipFill>
+        <p:spPr>
+          <a:xfrm>
+            <a:off x="1240742" y="1113817"/>
+            <a:ext cx="1807872" cy="1500549"/>
+          </a:xfrm>
+          <a:prstGeom prst="rect">
+            <a:avLst/>
+          </a:prstGeom>
+        </p:spPr>
+      </p:pic>
+      <p:pic>
+        <p:nvPicPr>
+          <p:cNvPr id="3" name="図 2">
+            <a:extLst>
+              <a:ext uri="{FF2B5EF4-FFF2-40B4-BE49-F238E27FC236}">
+                <a16:creationId xmlns:a16="http://schemas.microsoft.com/office/drawing/2014/main" id="{C528B588-CFD6-D14A-86A7-B5D4D1E9ADE4}"/>
+              </a:ext>
+            </a:extLst>
+          </p:cNvPr>
+          <p:cNvPicPr>
+            <a:picLocks noChangeAspect="1"/>
+          </p:cNvPicPr>
+          <p:nvPr/>
+        </p:nvPicPr>
+        <p:blipFill>
+          <a:blip r:embed="rId3"/>
+          <a:stretch>
+            <a:fillRect/>
+          </a:stretch>
+        </p:blipFill>
+        <p:spPr>
+          <a:xfrm>
+            <a:off x="1240742" y="3400041"/>
+            <a:ext cx="1777165" cy="1443264"/>
+          </a:xfrm>
+          <a:prstGeom prst="rect">
+            <a:avLst/>
+          </a:prstGeom>
+        </p:spPr>
+      </p:pic>
+      <p:sp>
+        <p:nvSpPr>
+          <p:cNvPr id="4" name="角丸四角形 3">
+            <a:extLst>
+              <a:ext uri="{FF2B5EF4-FFF2-40B4-BE49-F238E27FC236}">
+                <a16:creationId xmlns:a16="http://schemas.microsoft.com/office/drawing/2014/main" id="{9CD3F051-5912-5544-A40A-29F0E305BB68}"/>
+              </a:ext>
+            </a:extLst>
+          </p:cNvPr>
+          <p:cNvSpPr/>
+          <p:nvPr/>
+        </p:nvSpPr>
+        <p:spPr>
+          <a:xfrm>
+            <a:off x="7714206" y="2260880"/>
+            <a:ext cx="2806418" cy="1139162"/>
+          </a:xfrm>
+          <a:prstGeom prst="roundRect">
+            <a:avLst/>
+          </a:prstGeom>
+          <a:ln w="50800">
+            <a:solidFill>
+              <a:schemeClr val="accent1">
+                <a:lumMod val="50000"/>
+              </a:schemeClr>
+            </a:solidFill>
+          </a:ln>
+        </p:spPr>
+        <p:style>
+          <a:lnRef idx="2">
+            <a:schemeClr val="dk1"/>
+          </a:lnRef>
+          <a:fillRef idx="1">
+            <a:schemeClr val="lt1"/>
+          </a:fillRef>
+          <a:effectRef idx="0">
+            <a:schemeClr val="dk1"/>
+          </a:effectRef>
+          <a:fontRef idx="minor">
+            <a:schemeClr val="dk1"/>
+          </a:fontRef>
+        </p:style>
+        <p:txBody>
+          <a:bodyPr rtlCol="0" anchor="ctr"/>
+          <a:lstStyle/>
+          <a:p>
+            <a:pPr algn="ctr"/>
+            <a:r>
+              <a:rPr kumimoji="1" lang="en-US" altLang="ja-JP" sz="2000" b="1" dirty="0"/>
+              <a:t>Teleport Proxy</a:t>
+            </a:r>
+            <a:endParaRPr kumimoji="1" lang="ja-JP" altLang="en-US" sz="2000" b="1"/>
+          </a:p>
+        </p:txBody>
+      </p:sp>
+      <p:cxnSp>
+        <p:nvCxnSpPr>
+          <p:cNvPr id="7" name="直線矢印コネクタ 6">
+            <a:extLst>
+              <a:ext uri="{FF2B5EF4-FFF2-40B4-BE49-F238E27FC236}">
+                <a16:creationId xmlns:a16="http://schemas.microsoft.com/office/drawing/2014/main" id="{2B55E481-E0F5-0946-A4A3-83E311033777}"/>
+              </a:ext>
+            </a:extLst>
+          </p:cNvPr>
+          <p:cNvCxnSpPr>
+            <a:cxnSpLocks/>
+            <a:endCxn id="4" idx="1"/>
+          </p:cNvCxnSpPr>
+          <p:nvPr/>
+        </p:nvCxnSpPr>
+        <p:spPr>
+          <a:xfrm>
+            <a:off x="3526326" y="2815388"/>
+            <a:ext cx="4187880" cy="15073"/>
+          </a:xfrm>
+          <a:prstGeom prst="straightConnector1">
+            <a:avLst/>
+          </a:prstGeom>
+          <a:ln w="66675">
+            <a:solidFill>
+              <a:schemeClr val="tx1"/>
+            </a:solidFill>
+            <a:prstDash val="dash"/>
+            <a:tailEnd type="triangle"/>
+          </a:ln>
+        </p:spPr>
+        <p:style>
+          <a:lnRef idx="1">
+            <a:schemeClr val="accent1"/>
+          </a:lnRef>
+          <a:fillRef idx="0">
+            <a:schemeClr val="accent1"/>
+          </a:fillRef>
+          <a:effectRef idx="0">
+            <a:schemeClr val="accent1"/>
+          </a:effectRef>
+          <a:fontRef idx="minor">
+            <a:schemeClr val="tx1"/>
+          </a:fontRef>
+        </p:style>
+      </p:cxnSp>
+      <p:sp>
+        <p:nvSpPr>
+          <p:cNvPr id="10" name="メモ 9">
+            <a:extLst>
+              <a:ext uri="{FF2B5EF4-FFF2-40B4-BE49-F238E27FC236}">
+                <a16:creationId xmlns:a16="http://schemas.microsoft.com/office/drawing/2014/main" id="{2BB45311-7D58-7E41-BD24-59EE75EE97D4}"/>
+              </a:ext>
+            </a:extLst>
+          </p:cNvPr>
+          <p:cNvSpPr/>
+          <p:nvPr/>
+        </p:nvSpPr>
+        <p:spPr>
+          <a:xfrm>
+            <a:off x="5004078" y="1668026"/>
+            <a:ext cx="1004836" cy="1034981"/>
+          </a:xfrm>
+          <a:prstGeom prst="foldedCorner">
+            <a:avLst/>
+          </a:prstGeom>
+          <a:ln w="47625">
+            <a:solidFill>
+              <a:schemeClr val="accent6">
+                <a:lumMod val="50000"/>
+              </a:schemeClr>
+            </a:solidFill>
+          </a:ln>
+        </p:spPr>
+        <p:style>
+          <a:lnRef idx="2">
+            <a:schemeClr val="accent6"/>
+          </a:lnRef>
+          <a:fillRef idx="1">
+            <a:schemeClr val="lt1"/>
+          </a:fillRef>
+          <a:effectRef idx="0">
+            <a:schemeClr val="accent6"/>
+          </a:effectRef>
+          <a:fontRef idx="minor">
+            <a:schemeClr val="dk1"/>
+          </a:fontRef>
+        </p:style>
+        <p:txBody>
+          <a:bodyPr rtlCol="0" anchor="ctr"/>
+          <a:lstStyle/>
+          <a:p>
+            <a:pPr algn="ctr"/>
+            <a:r>
+              <a:rPr kumimoji="1" lang="ja-JP" altLang="en-US" b="1">
+                <a:latin typeface="+mj-ea"/>
+                <a:ea typeface="+mj-ea"/>
+              </a:rPr>
+              <a:t>証明書</a:t>
+            </a:r>
+          </a:p>
+        </p:txBody>
+      </p:sp>
+      <p:sp>
+        <p:nvSpPr>
+          <p:cNvPr id="11" name="テキスト ボックス 10">
+            <a:extLst>
+              <a:ext uri="{FF2B5EF4-FFF2-40B4-BE49-F238E27FC236}">
+                <a16:creationId xmlns:a16="http://schemas.microsoft.com/office/drawing/2014/main" id="{59A706E2-0CA4-B84F-8BE4-BB1E453F07AF}"/>
+              </a:ext>
+            </a:extLst>
+          </p:cNvPr>
+          <p:cNvSpPr txBox="1"/>
+          <p:nvPr/>
+        </p:nvSpPr>
+        <p:spPr>
+          <a:xfrm>
+            <a:off x="1340478" y="2492221"/>
+            <a:ext cx="1569660" cy="646331"/>
+          </a:xfrm>
+          <a:prstGeom prst="rect">
+            <a:avLst/>
+          </a:prstGeom>
+          <a:noFill/>
+        </p:spPr>
+        <p:txBody>
+          <a:bodyPr wrap="none" rtlCol="0">
+            <a:spAutoFit/>
+          </a:bodyPr>
+          <a:lstStyle/>
+          <a:p>
+            <a:pPr algn="ctr"/>
+            <a:r>
+              <a:rPr kumimoji="1" lang="en-US" altLang="ja-JP" dirty="0"/>
+              <a:t>Open SSH</a:t>
+            </a:r>
+          </a:p>
+          <a:p>
+            <a:pPr algn="ctr"/>
+            <a:r>
+              <a:rPr lang="ja-JP" altLang="en-US"/>
+              <a:t>クライアント</a:t>
+            </a:r>
+            <a:endParaRPr kumimoji="1" lang="ja-JP" altLang="en-US"/>
+          </a:p>
+        </p:txBody>
+      </p:sp>
+      <p:sp>
+        <p:nvSpPr>
+          <p:cNvPr id="12" name="テキスト ボックス 11">
+            <a:extLst>
+              <a:ext uri="{FF2B5EF4-FFF2-40B4-BE49-F238E27FC236}">
+                <a16:creationId xmlns:a16="http://schemas.microsoft.com/office/drawing/2014/main" id="{18E10369-26E5-4C42-AE74-5745FB71BA00}"/>
+              </a:ext>
+            </a:extLst>
+          </p:cNvPr>
+          <p:cNvSpPr txBox="1"/>
+          <p:nvPr/>
+        </p:nvSpPr>
+        <p:spPr>
+          <a:xfrm>
+            <a:off x="1240742" y="4920128"/>
+            <a:ext cx="2113079" cy="369332"/>
+          </a:xfrm>
+          <a:prstGeom prst="rect">
+            <a:avLst/>
+          </a:prstGeom>
+          <a:noFill/>
+        </p:spPr>
+        <p:txBody>
+          <a:bodyPr wrap="none" rtlCol="0">
+            <a:spAutoFit/>
+          </a:bodyPr>
+          <a:lstStyle/>
+          <a:p>
+            <a:r>
+              <a:rPr kumimoji="1" lang="en-US" altLang="ja-JP" dirty="0"/>
+              <a:t>Web</a:t>
+            </a:r>
+            <a:r>
+              <a:rPr lang="en-US" altLang="ja-JP" dirty="0"/>
+              <a:t> </a:t>
+            </a:r>
+            <a:r>
+              <a:rPr kumimoji="1" lang="ja-JP" altLang="en-US"/>
+              <a:t>クライアント</a:t>
+            </a:r>
+          </a:p>
+        </p:txBody>
+      </p:sp>
+    </p:spTree>
+    <p:extLst>
+      <p:ext uri="{BB962C8B-B14F-4D97-AF65-F5344CB8AC3E}">
+        <p14:creationId xmlns:p14="http://schemas.microsoft.com/office/powerpoint/2010/main" val="1884677145"/>
       </p:ext>
     </p:extLst>
   </p:cSld>
